--- a/doc/worker.pptx
+++ b/doc/worker.pptx
@@ -138,7 +138,7 @@
   </p:defaultTextStyle>
   <p:extLst>
     <p:ext uri="{EFAFB233-063F-42B5-8137-9DF3F51BA10A}">
-      <p15:sldGuideLst xmlns:p15="http://schemas.microsoft.com/office/powerpoint/2012/main" xmlns="">
+      <p15:sldGuideLst xmlns:p15="http://schemas.microsoft.com/office/powerpoint/2012/main">
         <p15:guide id="1" orient="horz" pos="2160">
           <p15:clr>
             <a:srgbClr val="A4A3A4"/>
@@ -158,7 +158,7 @@
 <file path=ppt/charts/chart1.xml><?xml version="1.0" encoding="utf-8"?>
 <c:chartSpace xmlns:c="http://schemas.openxmlformats.org/drawingml/2006/chart" xmlns:a="http://schemas.openxmlformats.org/drawingml/2006/main" xmlns:r="http://schemas.openxmlformats.org/officeDocument/2006/relationships">
   <c:date1904 val="0"/>
-  <c:lang val="nl-BE"/>
+  <c:lang val="en-US"/>
   <c:roundedCorners val="0"/>
   <mc:AlternateContent xmlns:mc="http://schemas.openxmlformats.org/markup-compatibility/2006">
     <mc:Choice xmlns:c14="http://schemas.microsoft.com/office/drawing/2007/8/2/chart" Requires="c14">
@@ -265,11 +265,11 @@
           <c:showPercent val="0"/>
           <c:showBubbleSize val="0"/>
         </c:dLbls>
-        <c:axId val="90636672"/>
-        <c:axId val="90638208"/>
+        <c:axId val="335203680"/>
+        <c:axId val="335208776"/>
       </c:scatterChart>
       <c:valAx>
-        <c:axId val="90636672"/>
+        <c:axId val="335203680"/>
         <c:scaling>
           <c:logBase val="2"/>
           <c:orientation val="minMax"/>
@@ -282,13 +282,13 @@
         <c:majorTickMark val="out"/>
         <c:minorTickMark val="none"/>
         <c:tickLblPos val="nextTo"/>
-        <c:crossAx val="90638208"/>
+        <c:crossAx val="335208776"/>
         <c:crosses val="autoZero"/>
         <c:crossBetween val="midCat"/>
         <c:majorUnit val="4"/>
       </c:valAx>
       <c:valAx>
-        <c:axId val="90638208"/>
+        <c:axId val="335208776"/>
         <c:scaling>
           <c:logBase val="2"/>
           <c:orientation val="minMax"/>
@@ -301,7 +301,7 @@
         <c:majorTickMark val="out"/>
         <c:minorTickMark val="none"/>
         <c:tickLblPos val="nextTo"/>
-        <c:crossAx val="90636672"/>
+        <c:crossAx val="335203680"/>
         <c:crosses val="autoZero"/>
         <c:crossBetween val="midCat"/>
         <c:majorUnit val="2"/>
@@ -320,7 +320,7 @@
 <file path=ppt/charts/chart2.xml><?xml version="1.0" encoding="utf-8"?>
 <c:chartSpace xmlns:c="http://schemas.openxmlformats.org/drawingml/2006/chart" xmlns:a="http://schemas.openxmlformats.org/drawingml/2006/main" xmlns:r="http://schemas.openxmlformats.org/officeDocument/2006/relationships">
   <c:date1904 val="0"/>
-  <c:lang val="nl-BE"/>
+  <c:lang val="en-US"/>
   <c:roundedCorners val="0"/>
   <mc:AlternateContent xmlns:mc="http://schemas.openxmlformats.org/markup-compatibility/2006">
     <mc:Choice xmlns:c14="http://schemas.microsoft.com/office/drawing/2007/8/2/chart" Requires="c14">
@@ -427,11 +427,11 @@
           <c:showPercent val="0"/>
           <c:showBubbleSize val="0"/>
         </c:dLbls>
-        <c:axId val="90690688"/>
-        <c:axId val="90692224"/>
+        <c:axId val="335207600"/>
+        <c:axId val="335208384"/>
       </c:scatterChart>
       <c:valAx>
-        <c:axId val="90690688"/>
+        <c:axId val="335207600"/>
         <c:scaling>
           <c:logBase val="2"/>
           <c:orientation val="minMax"/>
@@ -444,14 +444,14 @@
         <c:majorTickMark val="out"/>
         <c:minorTickMark val="none"/>
         <c:tickLblPos val="nextTo"/>
-        <c:crossAx val="90692224"/>
+        <c:crossAx val="335208384"/>
         <c:crosses val="autoZero"/>
         <c:crossBetween val="midCat"/>
         <c:majorUnit val="4"/>
         <c:minorUnit val="4"/>
       </c:valAx>
       <c:valAx>
-        <c:axId val="90692224"/>
+        <c:axId val="335208384"/>
         <c:scaling>
           <c:orientation val="minMax"/>
           <c:max val="1"/>
@@ -463,7 +463,7 @@
         <c:majorTickMark val="out"/>
         <c:minorTickMark val="none"/>
         <c:tickLblPos val="nextTo"/>
-        <c:crossAx val="90690688"/>
+        <c:crossAx val="335207600"/>
         <c:crosses val="autoZero"/>
         <c:crossBetween val="midCat"/>
       </c:valAx>
@@ -560,7 +560,7 @@
           <a:p>
             <a:fld id="{D11149F5-5960-4488-90B9-E5BC4883398F}" type="datetimeFigureOut">
               <a:rPr lang="en-US" smtClean="0"/>
-              <a:t>2015-02-06</a:t>
+              <a:t>2017-10-09</a:t>
             </a:fld>
             <a:endParaRPr lang="en-US"/>
           </a:p>
@@ -3898,7 +3898,7 @@
           <a:p>
             <a:fld id="{8FBE957F-8E2E-442F-A7F0-23C7DDD741A9}" type="datetimeFigureOut">
               <a:rPr lang="en-US" smtClean="0"/>
-              <a:t>2015-02-06</a:t>
+              <a:t>2017-10-09</a:t>
             </a:fld>
             <a:endParaRPr lang="en-US"/>
           </a:p>
@@ -4068,7 +4068,7 @@
           <a:p>
             <a:fld id="{8FBE957F-8E2E-442F-A7F0-23C7DDD741A9}" type="datetimeFigureOut">
               <a:rPr lang="en-US" smtClean="0"/>
-              <a:t>2015-02-06</a:t>
+              <a:t>2017-10-09</a:t>
             </a:fld>
             <a:endParaRPr lang="en-US"/>
           </a:p>
@@ -4248,7 +4248,7 @@
           <a:p>
             <a:fld id="{8FBE957F-8E2E-442F-A7F0-23C7DDD741A9}" type="datetimeFigureOut">
               <a:rPr lang="en-US" smtClean="0"/>
-              <a:t>2015-02-06</a:t>
+              <a:t>2017-10-09</a:t>
             </a:fld>
             <a:endParaRPr lang="en-US"/>
           </a:p>
@@ -4418,7 +4418,7 @@
           <a:p>
             <a:fld id="{8FBE957F-8E2E-442F-A7F0-23C7DDD741A9}" type="datetimeFigureOut">
               <a:rPr lang="en-US" smtClean="0"/>
-              <a:t>2015-02-06</a:t>
+              <a:t>2017-10-09</a:t>
             </a:fld>
             <a:endParaRPr lang="en-US"/>
           </a:p>
@@ -4664,7 +4664,7 @@
           <a:p>
             <a:fld id="{8FBE957F-8E2E-442F-A7F0-23C7DDD741A9}" type="datetimeFigureOut">
               <a:rPr lang="en-US" smtClean="0"/>
-              <a:t>2015-02-06</a:t>
+              <a:t>2017-10-09</a:t>
             </a:fld>
             <a:endParaRPr lang="en-US"/>
           </a:p>
@@ -4952,7 +4952,7 @@
           <a:p>
             <a:fld id="{8FBE957F-8E2E-442F-A7F0-23C7DDD741A9}" type="datetimeFigureOut">
               <a:rPr lang="en-US" smtClean="0"/>
-              <a:t>2015-02-06</a:t>
+              <a:t>2017-10-09</a:t>
             </a:fld>
             <a:endParaRPr lang="en-US"/>
           </a:p>
@@ -5374,7 +5374,7 @@
           <a:p>
             <a:fld id="{8FBE957F-8E2E-442F-A7F0-23C7DDD741A9}" type="datetimeFigureOut">
               <a:rPr lang="en-US" smtClean="0"/>
-              <a:t>2015-02-06</a:t>
+              <a:t>2017-10-09</a:t>
             </a:fld>
             <a:endParaRPr lang="en-US"/>
           </a:p>
@@ -5492,7 +5492,7 @@
           <a:p>
             <a:fld id="{8FBE957F-8E2E-442F-A7F0-23C7DDD741A9}" type="datetimeFigureOut">
               <a:rPr lang="en-US" smtClean="0"/>
-              <a:t>2015-02-06</a:t>
+              <a:t>2017-10-09</a:t>
             </a:fld>
             <a:endParaRPr lang="en-US"/>
           </a:p>
@@ -5587,7 +5587,7 @@
           <a:p>
             <a:fld id="{8FBE957F-8E2E-442F-A7F0-23C7DDD741A9}" type="datetimeFigureOut">
               <a:rPr lang="en-US" smtClean="0"/>
-              <a:t>2015-02-06</a:t>
+              <a:t>2017-10-09</a:t>
             </a:fld>
             <a:endParaRPr lang="en-US"/>
           </a:p>
@@ -5864,7 +5864,7 @@
           <a:p>
             <a:fld id="{8FBE957F-8E2E-442F-A7F0-23C7DDD741A9}" type="datetimeFigureOut">
               <a:rPr lang="en-US" smtClean="0"/>
-              <a:t>2015-02-06</a:t>
+              <a:t>2017-10-09</a:t>
             </a:fld>
             <a:endParaRPr lang="en-US"/>
           </a:p>
@@ -6117,7 +6117,7 @@
           <a:p>
             <a:fld id="{8FBE957F-8E2E-442F-A7F0-23C7DDD741A9}" type="datetimeFigureOut">
               <a:rPr lang="en-US" smtClean="0"/>
-              <a:t>2015-02-06</a:t>
+              <a:t>2017-10-09</a:t>
             </a:fld>
             <a:endParaRPr lang="en-US"/>
           </a:p>
@@ -6330,7 +6330,7 @@
           <a:p>
             <a:fld id="{8FBE957F-8E2E-442F-A7F0-23C7DDD741A9}" type="datetimeFigureOut">
               <a:rPr lang="en-US" smtClean="0"/>
-              <a:t>2015-02-06</a:t>
+              <a:t>2017-10-09</a:t>
             </a:fld>
             <a:endParaRPr lang="en-US"/>
           </a:p>
@@ -6722,10 +6722,10 @@
           <a:p>
             <a:pPr eaLnBrk="1" hangingPunct="1"/>
             <a:r>
-              <a:rPr lang="en-US" smtClean="0"/>
-              <a:t>Worker</a:t>
-            </a:r>
-            <a:endParaRPr lang="nl-BE" smtClean="0"/>
+              <a:rPr lang="en-US" dirty="0" smtClean="0"/>
+              <a:t>Worker 1.6.x</a:t>
+            </a:r>
+            <a:endParaRPr lang="nl-BE" dirty="0" smtClean="0"/>
           </a:p>
         </p:txBody>
       </p:sp>
@@ -21365,7 +21365,7 @@
             <a:graphicData uri="http://schemas.openxmlformats.org/presentationml/2006/ole">
               <mc:AlternateContent xmlns:mc="http://schemas.openxmlformats.org/markup-compatibility/2006">
                 <mc:Choice xmlns:v="urn:schemas-microsoft-com:vml" Requires="v">
-                  <p:oleObj spid="_x0000_s1034" name="Vergelijking" r:id="rId4" imgW="774364" imgH="291973" progId="Equation.3">
+                  <p:oleObj spid="_x0000_s1036" name="Vergelijking" r:id="rId4" imgW="774364" imgH="291973" progId="Equation.3">
                     <p:embed/>
                   </p:oleObj>
                 </mc:Choice>
@@ -22455,7 +22455,7 @@
             <a:graphicData uri="http://schemas.openxmlformats.org/presentationml/2006/ole">
               <mc:AlternateContent xmlns:mc="http://schemas.openxmlformats.org/markup-compatibility/2006">
                 <mc:Choice xmlns:v="urn:schemas-microsoft-com:vml" Requires="v">
-                  <p:oleObj spid="_x0000_s1035" name="Vergelijking" r:id="rId6" imgW="875920" imgH="215806" progId="Equation.3">
+                  <p:oleObj spid="_x0000_s1037" name="Vergelijking" r:id="rId6" imgW="875920" imgH="215806" progId="Equation.3">
                     <p:embed/>
                   </p:oleObj>
                 </mc:Choice>
@@ -25182,7 +25182,7 @@
           <a:graphicData uri="http://schemas.openxmlformats.org/presentationml/2006/ole">
             <mc:AlternateContent xmlns:mc="http://schemas.openxmlformats.org/markup-compatibility/2006">
               <mc:Choice xmlns:v="urn:schemas-microsoft-com:vml" Requires="v">
-                <p:oleObj spid="_x0000_s2058" name="Vergelijking" r:id="rId8" imgW="126780" imgH="164814" progId="Equation.3">
+                <p:oleObj spid="_x0000_s2060" name="Vergelijking" r:id="rId8" imgW="126780" imgH="164814" progId="Equation.3">
                   <p:embed/>
                 </p:oleObj>
               </mc:Choice>
@@ -26241,7 +26241,7 @@
           <a:graphicData uri="http://schemas.openxmlformats.org/presentationml/2006/ole">
             <mc:AlternateContent xmlns:mc="http://schemas.openxmlformats.org/markup-compatibility/2006">
               <mc:Choice xmlns:v="urn:schemas-microsoft-com:vml" Requires="v">
-                <p:oleObj spid="_x0000_s2059" name="Vergelijking" r:id="rId12" imgW="837836" imgH="177723" progId="Equation.3">
+                <p:oleObj spid="_x0000_s2061" name="Vergelijking" r:id="rId12" imgW="837836" imgH="177723" progId="Equation.3">
                   <p:embed/>
                 </p:oleObj>
               </mc:Choice>
@@ -39591,15 +39591,7 @@
             </a:pPr>
             <a:r>
               <a:rPr lang="en-US" dirty="0" smtClean="0"/>
-              <a:t>For </a:t>
-            </a:r>
-            <a:r>
-              <a:rPr lang="en-US" dirty="0" smtClean="0"/>
-              <a:t>thinking, </a:t>
-            </a:r>
-            <a:r>
-              <a:rPr lang="en-US" dirty="0" smtClean="0"/>
-              <a:t>create PBS script ‘my-</a:t>
+              <a:t>For thinking, create PBS script ‘my-</a:t>
             </a:r>
             <a:r>
               <a:rPr lang="en-US" dirty="0" err="1" smtClean="0"/>

--- a/doc/worker.pptx
+++ b/doc/worker.pptx
@@ -5,7 +5,7 @@
     <p:sldMasterId id="2147483648" r:id="rId1"/>
   </p:sldMasterIdLst>
   <p:notesMasterIdLst>
-    <p:notesMasterId r:id="rId33"/>
+    <p:notesMasterId r:id="rId39"/>
   </p:notesMasterIdLst>
   <p:sldIdLst>
     <p:sldId id="257" r:id="rId2"/>
@@ -30,15 +30,21 @@
     <p:sldId id="288" r:id="rId21"/>
     <p:sldId id="281" r:id="rId22"/>
     <p:sldId id="284" r:id="rId23"/>
-    <p:sldId id="285" r:id="rId24"/>
-    <p:sldId id="286" r:id="rId25"/>
-    <p:sldId id="293" r:id="rId26"/>
-    <p:sldId id="275" r:id="rId27"/>
-    <p:sldId id="276" r:id="rId28"/>
-    <p:sldId id="277" r:id="rId29"/>
-    <p:sldId id="278" r:id="rId30"/>
-    <p:sldId id="292" r:id="rId31"/>
-    <p:sldId id="280" r:id="rId32"/>
+    <p:sldId id="294" r:id="rId24"/>
+    <p:sldId id="295" r:id="rId25"/>
+    <p:sldId id="296" r:id="rId26"/>
+    <p:sldId id="297" r:id="rId27"/>
+    <p:sldId id="298" r:id="rId28"/>
+    <p:sldId id="285" r:id="rId29"/>
+    <p:sldId id="299" r:id="rId30"/>
+    <p:sldId id="286" r:id="rId31"/>
+    <p:sldId id="293" r:id="rId32"/>
+    <p:sldId id="275" r:id="rId33"/>
+    <p:sldId id="276" r:id="rId34"/>
+    <p:sldId id="277" r:id="rId35"/>
+    <p:sldId id="278" r:id="rId36"/>
+    <p:sldId id="292" r:id="rId37"/>
+    <p:sldId id="280" r:id="rId38"/>
   </p:sldIdLst>
   <p:sldSz cx="9144000" cy="6858000" type="screen4x3"/>
   <p:notesSz cx="6858000" cy="9144000"/>
@@ -193,6 +199,834 @@
           <c:order val="0"/>
           <c:tx>
             <c:strRef>
+              <c:f>Sheet1!$B$1</c:f>
+              <c:strCache>
+                <c:ptCount val="1"/>
+                <c:pt idx="0">
+                  <c:v>execution time</c:v>
+                </c:pt>
+              </c:strCache>
+            </c:strRef>
+          </c:tx>
+          <c:xVal>
+            <c:numRef>
+              <c:f>Sheet1!$A$2:$A$9</c:f>
+              <c:numCache>
+                <c:formatCode>General</c:formatCode>
+                <c:ptCount val="8"/>
+                <c:pt idx="0">
+                  <c:v>1</c:v>
+                </c:pt>
+                <c:pt idx="1">
+                  <c:v>2</c:v>
+                </c:pt>
+                <c:pt idx="2">
+                  <c:v>4</c:v>
+                </c:pt>
+                <c:pt idx="3">
+                  <c:v>8</c:v>
+                </c:pt>
+                <c:pt idx="4">
+                  <c:v>16</c:v>
+                </c:pt>
+                <c:pt idx="5">
+                  <c:v>32</c:v>
+                </c:pt>
+                <c:pt idx="6">
+                  <c:v>64</c:v>
+                </c:pt>
+                <c:pt idx="7">
+                  <c:v>128</c:v>
+                </c:pt>
+              </c:numCache>
+            </c:numRef>
+          </c:xVal>
+          <c:yVal>
+            <c:numRef>
+              <c:f>Sheet1!$B$2:$B$9</c:f>
+              <c:numCache>
+                <c:formatCode>General</c:formatCode>
+                <c:ptCount val="8"/>
+                <c:pt idx="0">
+                  <c:v>128</c:v>
+                </c:pt>
+                <c:pt idx="1">
+                  <c:v>64</c:v>
+                </c:pt>
+                <c:pt idx="2">
+                  <c:v>32</c:v>
+                </c:pt>
+                <c:pt idx="3">
+                  <c:v>16</c:v>
+                </c:pt>
+                <c:pt idx="4">
+                  <c:v>8</c:v>
+                </c:pt>
+                <c:pt idx="5">
+                  <c:v>4</c:v>
+                </c:pt>
+                <c:pt idx="6">
+                  <c:v>2</c:v>
+                </c:pt>
+                <c:pt idx="7">
+                  <c:v>1</c:v>
+                </c:pt>
+              </c:numCache>
+            </c:numRef>
+          </c:yVal>
+          <c:smooth val="0"/>
+        </c:ser>
+        <c:dLbls>
+          <c:showLegendKey val="0"/>
+          <c:showVal val="0"/>
+          <c:showCatName val="0"/>
+          <c:showSerName val="0"/>
+          <c:showPercent val="0"/>
+          <c:showBubbleSize val="0"/>
+        </c:dLbls>
+        <c:axId val="443329008"/>
+        <c:axId val="443329792"/>
+      </c:scatterChart>
+      <c:valAx>
+        <c:axId val="443329008"/>
+        <c:scaling>
+          <c:logBase val="2"/>
+          <c:orientation val="minMax"/>
+          <c:max val="128"/>
+        </c:scaling>
+        <c:delete val="0"/>
+        <c:axPos val="b"/>
+        <c:numFmt formatCode="General" sourceLinked="1"/>
+        <c:majorTickMark val="out"/>
+        <c:minorTickMark val="none"/>
+        <c:tickLblPos val="nextTo"/>
+        <c:crossAx val="443329792"/>
+        <c:crosses val="autoZero"/>
+        <c:crossBetween val="midCat"/>
+        <c:majorUnit val="4"/>
+        <c:minorUnit val="4"/>
+      </c:valAx>
+      <c:valAx>
+        <c:axId val="443329792"/>
+        <c:scaling>
+          <c:logBase val="2"/>
+          <c:orientation val="minMax"/>
+          <c:max val="128"/>
+        </c:scaling>
+        <c:delete val="0"/>
+        <c:axPos val="l"/>
+        <c:majorGridlines/>
+        <c:numFmt formatCode="General" sourceLinked="1"/>
+        <c:majorTickMark val="out"/>
+        <c:minorTickMark val="none"/>
+        <c:tickLblPos val="nextTo"/>
+        <c:crossAx val="443329008"/>
+        <c:crosses val="autoZero"/>
+        <c:crossBetween val="midCat"/>
+        <c:majorUnit val="4"/>
+        <c:minorUnit val="2"/>
+      </c:valAx>
+    </c:plotArea>
+    <c:plotVisOnly val="1"/>
+    <c:dispBlanksAs val="gap"/>
+    <c:showDLblsOverMax val="0"/>
+  </c:chart>
+  <c:externalData r:id="rId1">
+    <c:autoUpdate val="0"/>
+  </c:externalData>
+</c:chartSpace>
+</file>
+
+<file path=ppt/charts/chart2.xml><?xml version="1.0" encoding="utf-8"?>
+<c:chartSpace xmlns:c="http://schemas.openxmlformats.org/drawingml/2006/chart" xmlns:a="http://schemas.openxmlformats.org/drawingml/2006/main" xmlns:r="http://schemas.openxmlformats.org/officeDocument/2006/relationships">
+  <c:date1904 val="0"/>
+  <c:lang val="en-US"/>
+  <c:roundedCorners val="0"/>
+  <mc:AlternateContent xmlns:mc="http://schemas.openxmlformats.org/markup-compatibility/2006">
+    <mc:Choice xmlns:c14="http://schemas.microsoft.com/office/drawing/2007/8/2/chart" Requires="c14">
+      <c14:style val="102"/>
+    </mc:Choice>
+    <mc:Fallback>
+      <c:style val="2"/>
+    </mc:Fallback>
+  </mc:AlternateContent>
+  <c:chart>
+    <c:autoTitleDeleted val="0"/>
+    <c:plotArea>
+      <c:layout/>
+      <c:scatterChart>
+        <c:scatterStyle val="lineMarker"/>
+        <c:varyColors val="0"/>
+        <c:ser>
+          <c:idx val="0"/>
+          <c:order val="0"/>
+          <c:tx>
+            <c:strRef>
+              <c:f>Sheet1!$C$1</c:f>
+              <c:strCache>
+                <c:ptCount val="1"/>
+                <c:pt idx="0">
+                  <c:v>serial 0.1</c:v>
+                </c:pt>
+              </c:strCache>
+            </c:strRef>
+          </c:tx>
+          <c:xVal>
+            <c:numRef>
+              <c:f>Sheet1!$A$2:$A$9</c:f>
+              <c:numCache>
+                <c:formatCode>General</c:formatCode>
+                <c:ptCount val="8"/>
+                <c:pt idx="0">
+                  <c:v>1</c:v>
+                </c:pt>
+                <c:pt idx="1">
+                  <c:v>2</c:v>
+                </c:pt>
+                <c:pt idx="2">
+                  <c:v>4</c:v>
+                </c:pt>
+                <c:pt idx="3">
+                  <c:v>8</c:v>
+                </c:pt>
+                <c:pt idx="4">
+                  <c:v>16</c:v>
+                </c:pt>
+                <c:pt idx="5">
+                  <c:v>32</c:v>
+                </c:pt>
+                <c:pt idx="6">
+                  <c:v>64</c:v>
+                </c:pt>
+                <c:pt idx="7">
+                  <c:v>128</c:v>
+                </c:pt>
+              </c:numCache>
+            </c:numRef>
+          </c:xVal>
+          <c:yVal>
+            <c:numRef>
+              <c:f>Sheet1!$C$2:$C$9</c:f>
+              <c:numCache>
+                <c:formatCode>General</c:formatCode>
+                <c:ptCount val="8"/>
+                <c:pt idx="0">
+                  <c:v>1</c:v>
+                </c:pt>
+                <c:pt idx="1">
+                  <c:v>1.8181818181818181</c:v>
+                </c:pt>
+                <c:pt idx="2">
+                  <c:v>3.0769230769230766</c:v>
+                </c:pt>
+                <c:pt idx="3">
+                  <c:v>4.7058823529411757</c:v>
+                </c:pt>
+                <c:pt idx="4">
+                  <c:v>6.4</c:v>
+                </c:pt>
+                <c:pt idx="5">
+                  <c:v>7.8048780487804867</c:v>
+                </c:pt>
+                <c:pt idx="6">
+                  <c:v>8.7671232876712324</c:v>
+                </c:pt>
+                <c:pt idx="7">
+                  <c:v>9.3430656934306562</c:v>
+                </c:pt>
+              </c:numCache>
+            </c:numRef>
+          </c:yVal>
+          <c:smooth val="0"/>
+        </c:ser>
+        <c:ser>
+          <c:idx val="1"/>
+          <c:order val="1"/>
+          <c:tx>
+            <c:strRef>
+              <c:f>Sheet1!$D$1</c:f>
+              <c:strCache>
+                <c:ptCount val="1"/>
+                <c:pt idx="0">
+                  <c:v>serial 0.01</c:v>
+                </c:pt>
+              </c:strCache>
+            </c:strRef>
+          </c:tx>
+          <c:xVal>
+            <c:numRef>
+              <c:f>Sheet1!$A$2:$A$9</c:f>
+              <c:numCache>
+                <c:formatCode>General</c:formatCode>
+                <c:ptCount val="8"/>
+                <c:pt idx="0">
+                  <c:v>1</c:v>
+                </c:pt>
+                <c:pt idx="1">
+                  <c:v>2</c:v>
+                </c:pt>
+                <c:pt idx="2">
+                  <c:v>4</c:v>
+                </c:pt>
+                <c:pt idx="3">
+                  <c:v>8</c:v>
+                </c:pt>
+                <c:pt idx="4">
+                  <c:v>16</c:v>
+                </c:pt>
+                <c:pt idx="5">
+                  <c:v>32</c:v>
+                </c:pt>
+                <c:pt idx="6">
+                  <c:v>64</c:v>
+                </c:pt>
+                <c:pt idx="7">
+                  <c:v>128</c:v>
+                </c:pt>
+              </c:numCache>
+            </c:numRef>
+          </c:xVal>
+          <c:yVal>
+            <c:numRef>
+              <c:f>Sheet1!$D$2:$D$9</c:f>
+              <c:numCache>
+                <c:formatCode>General</c:formatCode>
+                <c:ptCount val="8"/>
+                <c:pt idx="0">
+                  <c:v>1</c:v>
+                </c:pt>
+                <c:pt idx="1">
+                  <c:v>1.9801980198019802</c:v>
+                </c:pt>
+                <c:pt idx="2">
+                  <c:v>3.883495145631068</c:v>
+                </c:pt>
+                <c:pt idx="3">
+                  <c:v>7.4766355140186915</c:v>
+                </c:pt>
+                <c:pt idx="4">
+                  <c:v>13.913043478260871</c:v>
+                </c:pt>
+                <c:pt idx="5">
+                  <c:v>24.427480916030532</c:v>
+                </c:pt>
+                <c:pt idx="6">
+                  <c:v>39.263803680981596</c:v>
+                </c:pt>
+                <c:pt idx="7">
+                  <c:v>56.387665198237883</c:v>
+                </c:pt>
+              </c:numCache>
+            </c:numRef>
+          </c:yVal>
+          <c:smooth val="0"/>
+        </c:ser>
+        <c:ser>
+          <c:idx val="3"/>
+          <c:order val="2"/>
+          <c:tx>
+            <c:strRef>
+              <c:f>Sheet1!$E$1</c:f>
+              <c:strCache>
+                <c:ptCount val="1"/>
+                <c:pt idx="0">
+                  <c:v>serial 0.001</c:v>
+                </c:pt>
+              </c:strCache>
+            </c:strRef>
+          </c:tx>
+          <c:xVal>
+            <c:numRef>
+              <c:f>Sheet1!$A$2:$A$9</c:f>
+              <c:numCache>
+                <c:formatCode>General</c:formatCode>
+                <c:ptCount val="8"/>
+                <c:pt idx="0">
+                  <c:v>1</c:v>
+                </c:pt>
+                <c:pt idx="1">
+                  <c:v>2</c:v>
+                </c:pt>
+                <c:pt idx="2">
+                  <c:v>4</c:v>
+                </c:pt>
+                <c:pt idx="3">
+                  <c:v>8</c:v>
+                </c:pt>
+                <c:pt idx="4">
+                  <c:v>16</c:v>
+                </c:pt>
+                <c:pt idx="5">
+                  <c:v>32</c:v>
+                </c:pt>
+                <c:pt idx="6">
+                  <c:v>64</c:v>
+                </c:pt>
+                <c:pt idx="7">
+                  <c:v>128</c:v>
+                </c:pt>
+              </c:numCache>
+            </c:numRef>
+          </c:xVal>
+          <c:yVal>
+            <c:numRef>
+              <c:f>Sheet1!$E$2:$E$9</c:f>
+              <c:numCache>
+                <c:formatCode>General</c:formatCode>
+                <c:ptCount val="8"/>
+                <c:pt idx="0">
+                  <c:v>1</c:v>
+                </c:pt>
+                <c:pt idx="1">
+                  <c:v>1.9980019980019983</c:v>
+                </c:pt>
+                <c:pt idx="2">
+                  <c:v>3.9880358923230315</c:v>
+                </c:pt>
+                <c:pt idx="3">
+                  <c:v>7.9443892750744798</c:v>
+                </c:pt>
+                <c:pt idx="4">
+                  <c:v>15.763546798029559</c:v>
+                </c:pt>
+                <c:pt idx="5">
+                  <c:v>31.037827352085358</c:v>
+                </c:pt>
+                <c:pt idx="6">
+                  <c:v>60.206961429915339</c:v>
+                </c:pt>
+                <c:pt idx="7">
+                  <c:v>113.57586512866015</c:v>
+                </c:pt>
+              </c:numCache>
+            </c:numRef>
+          </c:yVal>
+          <c:smooth val="0"/>
+        </c:ser>
+        <c:ser>
+          <c:idx val="4"/>
+          <c:order val="3"/>
+          <c:tx>
+            <c:strRef>
+              <c:f>Sheet1!$F$1</c:f>
+              <c:strCache>
+                <c:ptCount val="1"/>
+                <c:pt idx="0">
+                  <c:v>perfect</c:v>
+                </c:pt>
+              </c:strCache>
+            </c:strRef>
+          </c:tx>
+          <c:xVal>
+            <c:numRef>
+              <c:f>Sheet1!$A$2:$A$9</c:f>
+              <c:numCache>
+                <c:formatCode>General</c:formatCode>
+                <c:ptCount val="8"/>
+                <c:pt idx="0">
+                  <c:v>1</c:v>
+                </c:pt>
+                <c:pt idx="1">
+                  <c:v>2</c:v>
+                </c:pt>
+                <c:pt idx="2">
+                  <c:v>4</c:v>
+                </c:pt>
+                <c:pt idx="3">
+                  <c:v>8</c:v>
+                </c:pt>
+                <c:pt idx="4">
+                  <c:v>16</c:v>
+                </c:pt>
+                <c:pt idx="5">
+                  <c:v>32</c:v>
+                </c:pt>
+                <c:pt idx="6">
+                  <c:v>64</c:v>
+                </c:pt>
+                <c:pt idx="7">
+                  <c:v>128</c:v>
+                </c:pt>
+              </c:numCache>
+            </c:numRef>
+          </c:xVal>
+          <c:yVal>
+            <c:numRef>
+              <c:f>Sheet1!$F$2:$F$9</c:f>
+              <c:numCache>
+                <c:formatCode>General</c:formatCode>
+                <c:ptCount val="8"/>
+                <c:pt idx="0">
+                  <c:v>1</c:v>
+                </c:pt>
+                <c:pt idx="1">
+                  <c:v>2</c:v>
+                </c:pt>
+                <c:pt idx="2">
+                  <c:v>4</c:v>
+                </c:pt>
+                <c:pt idx="3">
+                  <c:v>8</c:v>
+                </c:pt>
+                <c:pt idx="4">
+                  <c:v>16</c:v>
+                </c:pt>
+                <c:pt idx="5">
+                  <c:v>32</c:v>
+                </c:pt>
+                <c:pt idx="6">
+                  <c:v>64</c:v>
+                </c:pt>
+                <c:pt idx="7">
+                  <c:v>128</c:v>
+                </c:pt>
+              </c:numCache>
+            </c:numRef>
+          </c:yVal>
+          <c:smooth val="0"/>
+        </c:ser>
+        <c:dLbls>
+          <c:showLegendKey val="0"/>
+          <c:showVal val="0"/>
+          <c:showCatName val="0"/>
+          <c:showSerName val="0"/>
+          <c:showPercent val="0"/>
+          <c:showBubbleSize val="0"/>
+        </c:dLbls>
+        <c:axId val="443330576"/>
+        <c:axId val="443341944"/>
+      </c:scatterChart>
+      <c:valAx>
+        <c:axId val="443330576"/>
+        <c:scaling>
+          <c:logBase val="2"/>
+          <c:orientation val="minMax"/>
+          <c:max val="128"/>
+          <c:min val="1"/>
+        </c:scaling>
+        <c:delete val="0"/>
+        <c:axPos val="b"/>
+        <c:numFmt formatCode="General" sourceLinked="1"/>
+        <c:majorTickMark val="out"/>
+        <c:minorTickMark val="none"/>
+        <c:tickLblPos val="nextTo"/>
+        <c:crossAx val="443341944"/>
+        <c:crosses val="autoZero"/>
+        <c:crossBetween val="midCat"/>
+        <c:majorUnit val="4"/>
+        <c:minorUnit val="4"/>
+      </c:valAx>
+      <c:valAx>
+        <c:axId val="443341944"/>
+        <c:scaling>
+          <c:logBase val="2"/>
+          <c:orientation val="minMax"/>
+          <c:max val="128"/>
+          <c:min val="1"/>
+        </c:scaling>
+        <c:delete val="0"/>
+        <c:axPos val="l"/>
+        <c:majorGridlines/>
+        <c:numFmt formatCode="General" sourceLinked="1"/>
+        <c:majorTickMark val="out"/>
+        <c:minorTickMark val="none"/>
+        <c:tickLblPos val="nextTo"/>
+        <c:crossAx val="443330576"/>
+        <c:crosses val="autoZero"/>
+        <c:crossBetween val="midCat"/>
+        <c:majorUnit val="4"/>
+        <c:minorUnit val="4"/>
+      </c:valAx>
+    </c:plotArea>
+    <c:legend>
+      <c:legendPos val="r"/>
+      <c:overlay val="0"/>
+    </c:legend>
+    <c:plotVisOnly val="1"/>
+    <c:dispBlanksAs val="gap"/>
+    <c:showDLblsOverMax val="0"/>
+  </c:chart>
+  <c:externalData r:id="rId1">
+    <c:autoUpdate val="0"/>
+  </c:externalData>
+</c:chartSpace>
+</file>
+
+<file path=ppt/charts/chart3.xml><?xml version="1.0" encoding="utf-8"?>
+<c:chartSpace xmlns:c="http://schemas.openxmlformats.org/drawingml/2006/chart" xmlns:a="http://schemas.openxmlformats.org/drawingml/2006/main" xmlns:r="http://schemas.openxmlformats.org/officeDocument/2006/relationships">
+  <c:date1904 val="0"/>
+  <c:lang val="en-US"/>
+  <c:roundedCorners val="0"/>
+  <mc:AlternateContent xmlns:mc="http://schemas.openxmlformats.org/markup-compatibility/2006">
+    <mc:Choice xmlns:c14="http://schemas.microsoft.com/office/drawing/2007/8/2/chart" Requires="c14">
+      <c14:style val="102"/>
+    </mc:Choice>
+    <mc:Fallback>
+      <c:style val="2"/>
+    </mc:Fallback>
+  </mc:AlternateContent>
+  <c:chart>
+    <c:autoTitleDeleted val="0"/>
+    <c:plotArea>
+      <c:layout/>
+      <c:scatterChart>
+        <c:scatterStyle val="lineMarker"/>
+        <c:varyColors val="0"/>
+        <c:ser>
+          <c:idx val="0"/>
+          <c:order val="0"/>
+          <c:tx>
+            <c:strRef>
+              <c:f>Sheet1!$G$1</c:f>
+              <c:strCache>
+                <c:ptCount val="1"/>
+                <c:pt idx="0">
+                  <c:v>reality</c:v>
+                </c:pt>
+              </c:strCache>
+            </c:strRef>
+          </c:tx>
+          <c:xVal>
+            <c:numRef>
+              <c:f>Sheet1!$A$2:$A$9</c:f>
+              <c:numCache>
+                <c:formatCode>General</c:formatCode>
+                <c:ptCount val="8"/>
+                <c:pt idx="0">
+                  <c:v>1</c:v>
+                </c:pt>
+                <c:pt idx="1">
+                  <c:v>2</c:v>
+                </c:pt>
+                <c:pt idx="2">
+                  <c:v>4</c:v>
+                </c:pt>
+                <c:pt idx="3">
+                  <c:v>8</c:v>
+                </c:pt>
+                <c:pt idx="4">
+                  <c:v>16</c:v>
+                </c:pt>
+                <c:pt idx="5">
+                  <c:v>32</c:v>
+                </c:pt>
+                <c:pt idx="6">
+                  <c:v>64</c:v>
+                </c:pt>
+                <c:pt idx="7">
+                  <c:v>128</c:v>
+                </c:pt>
+              </c:numCache>
+            </c:numRef>
+          </c:xVal>
+          <c:yVal>
+            <c:numRef>
+              <c:f>Sheet1!$G$2:$G$9</c:f>
+              <c:numCache>
+                <c:formatCode>General</c:formatCode>
+                <c:ptCount val="8"/>
+                <c:pt idx="0">
+                  <c:v>1</c:v>
+                </c:pt>
+                <c:pt idx="1">
+                  <c:v>1.8091135985321496</c:v>
+                </c:pt>
+                <c:pt idx="2">
+                  <c:v>3.0311136603171156</c:v>
+                </c:pt>
+                <c:pt idx="3">
+                  <c:v>4.5440254882709006</c:v>
+                </c:pt>
+                <c:pt idx="4">
+                  <c:v>5.9375583125027385</c:v>
+                </c:pt>
+                <c:pt idx="5">
+                  <c:v>6.6842160193842997</c:v>
+                </c:pt>
+                <c:pt idx="6">
+                  <c:v>6.3981490346876209</c:v>
+                </c:pt>
+                <c:pt idx="7">
+                  <c:v>4.9512220806312968</c:v>
+                </c:pt>
+              </c:numCache>
+            </c:numRef>
+          </c:yVal>
+          <c:smooth val="0"/>
+        </c:ser>
+        <c:ser>
+          <c:idx val="1"/>
+          <c:order val="1"/>
+          <c:tx>
+            <c:strRef>
+              <c:f>Sheet1!$H$1</c:f>
+              <c:strCache>
+                <c:ptCount val="1"/>
+                <c:pt idx="0">
+                  <c:v>Amdahl's law</c:v>
+                </c:pt>
+              </c:strCache>
+            </c:strRef>
+          </c:tx>
+          <c:xVal>
+            <c:numRef>
+              <c:f>Sheet1!$A$2:$A$9</c:f>
+              <c:numCache>
+                <c:formatCode>General</c:formatCode>
+                <c:ptCount val="8"/>
+                <c:pt idx="0">
+                  <c:v>1</c:v>
+                </c:pt>
+                <c:pt idx="1">
+                  <c:v>2</c:v>
+                </c:pt>
+                <c:pt idx="2">
+                  <c:v>4</c:v>
+                </c:pt>
+                <c:pt idx="3">
+                  <c:v>8</c:v>
+                </c:pt>
+                <c:pt idx="4">
+                  <c:v>16</c:v>
+                </c:pt>
+                <c:pt idx="5">
+                  <c:v>32</c:v>
+                </c:pt>
+                <c:pt idx="6">
+                  <c:v>64</c:v>
+                </c:pt>
+                <c:pt idx="7">
+                  <c:v>128</c:v>
+                </c:pt>
+              </c:numCache>
+            </c:numRef>
+          </c:xVal>
+          <c:yVal>
+            <c:numRef>
+              <c:f>Sheet1!$H$2:$H$9</c:f>
+              <c:numCache>
+                <c:formatCode>General</c:formatCode>
+                <c:ptCount val="8"/>
+                <c:pt idx="0">
+                  <c:v>1</c:v>
+                </c:pt>
+                <c:pt idx="1">
+                  <c:v>1.8181818181818181</c:v>
+                </c:pt>
+                <c:pt idx="2">
+                  <c:v>3.0769230769230766</c:v>
+                </c:pt>
+                <c:pt idx="3">
+                  <c:v>4.7058823529411757</c:v>
+                </c:pt>
+                <c:pt idx="4">
+                  <c:v>6.4</c:v>
+                </c:pt>
+                <c:pt idx="5">
+                  <c:v>7.8048780487804867</c:v>
+                </c:pt>
+                <c:pt idx="6">
+                  <c:v>8.7671232876712324</c:v>
+                </c:pt>
+                <c:pt idx="7">
+                  <c:v>9.3430656934306562</c:v>
+                </c:pt>
+              </c:numCache>
+            </c:numRef>
+          </c:yVal>
+          <c:smooth val="0"/>
+        </c:ser>
+        <c:dLbls>
+          <c:showLegendKey val="0"/>
+          <c:showVal val="0"/>
+          <c:showCatName val="0"/>
+          <c:showSerName val="0"/>
+          <c:showPercent val="0"/>
+          <c:showBubbleSize val="0"/>
+        </c:dLbls>
+        <c:axId val="443341552"/>
+        <c:axId val="443340768"/>
+      </c:scatterChart>
+      <c:valAx>
+        <c:axId val="443341552"/>
+        <c:scaling>
+          <c:logBase val="2"/>
+          <c:orientation val="minMax"/>
+          <c:max val="128"/>
+          <c:min val="1"/>
+        </c:scaling>
+        <c:delete val="0"/>
+        <c:axPos val="b"/>
+        <c:numFmt formatCode="General" sourceLinked="1"/>
+        <c:majorTickMark val="out"/>
+        <c:minorTickMark val="none"/>
+        <c:tickLblPos val="nextTo"/>
+        <c:crossAx val="443340768"/>
+        <c:crosses val="autoZero"/>
+        <c:crossBetween val="midCat"/>
+        <c:minorUnit val="4"/>
+      </c:valAx>
+      <c:valAx>
+        <c:axId val="443340768"/>
+        <c:scaling>
+          <c:logBase val="2"/>
+          <c:orientation val="minMax"/>
+          <c:max val="10"/>
+          <c:min val="1"/>
+        </c:scaling>
+        <c:delete val="0"/>
+        <c:axPos val="l"/>
+        <c:majorGridlines/>
+        <c:numFmt formatCode="General" sourceLinked="1"/>
+        <c:majorTickMark val="out"/>
+        <c:minorTickMark val="none"/>
+        <c:tickLblPos val="nextTo"/>
+        <c:crossAx val="443341552"/>
+        <c:crosses val="autoZero"/>
+        <c:crossBetween val="midCat"/>
+        <c:majorUnit val="2"/>
+        <c:minorUnit val="2"/>
+      </c:valAx>
+    </c:plotArea>
+    <c:legend>
+      <c:legendPos val="r"/>
+      <c:overlay val="0"/>
+    </c:legend>
+    <c:plotVisOnly val="1"/>
+    <c:dispBlanksAs val="gap"/>
+    <c:showDLblsOverMax val="0"/>
+  </c:chart>
+  <c:externalData r:id="rId1">
+    <c:autoUpdate val="0"/>
+  </c:externalData>
+</c:chartSpace>
+</file>
+
+<file path=ppt/charts/chart4.xml><?xml version="1.0" encoding="utf-8"?>
+<c:chartSpace xmlns:c="http://schemas.openxmlformats.org/drawingml/2006/chart" xmlns:a="http://schemas.openxmlformats.org/drawingml/2006/main" xmlns:r="http://schemas.openxmlformats.org/officeDocument/2006/relationships">
+  <c:date1904 val="0"/>
+  <c:lang val="en-US"/>
+  <c:roundedCorners val="0"/>
+  <mc:AlternateContent xmlns:mc="http://schemas.openxmlformats.org/markup-compatibility/2006">
+    <mc:Choice xmlns:c14="http://schemas.microsoft.com/office/drawing/2007/8/2/chart" Requires="c14">
+      <c14:style val="102"/>
+    </mc:Choice>
+    <mc:Fallback>
+      <c:style val="2"/>
+    </mc:Fallback>
+  </mc:AlternateContent>
+  <c:chart>
+    <c:autoTitleDeleted val="1"/>
+    <c:plotArea>
+      <c:layout/>
+      <c:scatterChart>
+        <c:scatterStyle val="lineMarker"/>
+        <c:varyColors val="0"/>
+        <c:ser>
+          <c:idx val="0"/>
+          <c:order val="0"/>
+          <c:tx>
+            <c:strRef>
               <c:f>Sheet1!$G$1</c:f>
               <c:strCache>
                 <c:ptCount val="1"/>
@@ -278,11 +1112,11 @@
           <c:showPercent val="0"/>
           <c:showBubbleSize val="0"/>
         </c:dLbls>
-        <c:axId val="335203680"/>
-        <c:axId val="335208776"/>
+        <c:axId val="361472592"/>
+        <c:axId val="361471808"/>
       </c:scatterChart>
       <c:valAx>
-        <c:axId val="335203680"/>
+        <c:axId val="361472592"/>
         <c:scaling>
           <c:logBase val="2"/>
           <c:orientation val="minMax"/>
@@ -295,13 +1129,13 @@
         <c:majorTickMark val="out"/>
         <c:minorTickMark val="none"/>
         <c:tickLblPos val="nextTo"/>
-        <c:crossAx val="335208776"/>
+        <c:crossAx val="361471808"/>
         <c:crosses val="autoZero"/>
         <c:crossBetween val="midCat"/>
         <c:majorUnit val="4"/>
       </c:valAx>
       <c:valAx>
-        <c:axId val="335208776"/>
+        <c:axId val="361471808"/>
         <c:scaling>
           <c:logBase val="2"/>
           <c:orientation val="minMax"/>
@@ -314,7 +1148,7 @@
         <c:majorTickMark val="out"/>
         <c:minorTickMark val="none"/>
         <c:tickLblPos val="nextTo"/>
-        <c:crossAx val="335203680"/>
+        <c:crossAx val="361472592"/>
         <c:crosses val="autoZero"/>
         <c:crossBetween val="midCat"/>
         <c:majorUnit val="2"/>
@@ -330,7 +1164,7 @@
 </c:chartSpace>
 </file>
 
-<file path=ppt/charts/chart2.xml><?xml version="1.0" encoding="utf-8"?>
+<file path=ppt/charts/chart5.xml><?xml version="1.0" encoding="utf-8"?>
 <c:chartSpace xmlns:c="http://schemas.openxmlformats.org/drawingml/2006/chart" xmlns:a="http://schemas.openxmlformats.org/drawingml/2006/main" xmlns:r="http://schemas.openxmlformats.org/officeDocument/2006/relationships">
   <c:date1904 val="0"/>
   <c:lang val="en-US"/>
@@ -440,11 +1274,11 @@
           <c:showPercent val="0"/>
           <c:showBubbleSize val="0"/>
         </c:dLbls>
-        <c:axId val="335207600"/>
-        <c:axId val="335208384"/>
+        <c:axId val="361476512"/>
+        <c:axId val="361475728"/>
       </c:scatterChart>
       <c:valAx>
-        <c:axId val="335207600"/>
+        <c:axId val="361476512"/>
         <c:scaling>
           <c:logBase val="2"/>
           <c:orientation val="minMax"/>
@@ -457,14 +1291,14 @@
         <c:majorTickMark val="out"/>
         <c:minorTickMark val="none"/>
         <c:tickLblPos val="nextTo"/>
-        <c:crossAx val="335208384"/>
+        <c:crossAx val="361475728"/>
         <c:crosses val="autoZero"/>
         <c:crossBetween val="midCat"/>
         <c:majorUnit val="4"/>
         <c:minorUnit val="4"/>
       </c:valAx>
       <c:valAx>
-        <c:axId val="335208384"/>
+        <c:axId val="361475728"/>
         <c:scaling>
           <c:orientation val="minMax"/>
           <c:max val="1"/>
@@ -476,7 +1310,7 @@
         <c:majorTickMark val="out"/>
         <c:minorTickMark val="none"/>
         <c:tickLblPos val="nextTo"/>
-        <c:crossAx val="335207600"/>
+        <c:crossAx val="361476512"/>
         <c:crosses val="autoZero"/>
         <c:crossBetween val="midCat"/>
       </c:valAx>
@@ -2325,7 +3159,7 @@
           <a:p>
             <a:fld id="{19D97038-7595-45D6-8411-BE59ABE7F953}" type="slidenum">
               <a:rPr lang="en-US" smtClean="0"/>
-              <a:t>25</a:t>
+              <a:t>31</a:t>
             </a:fld>
             <a:endParaRPr lang="en-US"/>
           </a:p>
@@ -2432,7 +3266,7 @@
           <a:p>
             <a:fld id="{19D97038-7595-45D6-8411-BE59ABE7F953}" type="slidenum">
               <a:rPr lang="en-US" smtClean="0"/>
-              <a:t>26</a:t>
+              <a:t>32</a:t>
             </a:fld>
             <a:endParaRPr lang="en-US"/>
           </a:p>
@@ -2539,7 +3373,7 @@
           <a:p>
             <a:fld id="{19D97038-7595-45D6-8411-BE59ABE7F953}" type="slidenum">
               <a:rPr lang="en-US" smtClean="0"/>
-              <a:t>27</a:t>
+              <a:t>33</a:t>
             </a:fld>
             <a:endParaRPr lang="en-US"/>
           </a:p>
@@ -2646,7 +3480,7 @@
           <a:p>
             <a:fld id="{19D97038-7595-45D6-8411-BE59ABE7F953}" type="slidenum">
               <a:rPr lang="en-US" smtClean="0"/>
-              <a:t>28</a:t>
+              <a:t>34</a:t>
             </a:fld>
             <a:endParaRPr lang="en-US"/>
           </a:p>
@@ -2753,7 +3587,7 @@
           <a:p>
             <a:fld id="{19D97038-7595-45D6-8411-BE59ABE7F953}" type="slidenum">
               <a:rPr lang="en-US" smtClean="0"/>
-              <a:t>29</a:t>
+              <a:t>35</a:t>
             </a:fld>
             <a:endParaRPr lang="en-US"/>
           </a:p>
@@ -2860,7 +3694,7 @@
           <a:p>
             <a:fld id="{19D97038-7595-45D6-8411-BE59ABE7F953}" type="slidenum">
               <a:rPr lang="en-US" smtClean="0"/>
-              <a:t>30</a:t>
+              <a:t>36</a:t>
             </a:fld>
             <a:endParaRPr lang="en-US"/>
           </a:p>
@@ -2967,7 +3801,7 @@
           <a:p>
             <a:fld id="{19D97038-7595-45D6-8411-BE59ABE7F953}" type="slidenum">
               <a:rPr lang="en-US" smtClean="0"/>
-              <a:t>31</a:t>
+              <a:t>37</a:t>
             </a:fld>
             <a:endParaRPr lang="en-US"/>
           </a:p>
@@ -6806,15 +7640,7 @@
                   <a:schemeClr val="tx1"/>
                 </a:solidFill>
               </a:rPr>
-              <a:t>Geert Jan </a:t>
-            </a:r>
-            <a:r>
-              <a:rPr lang="nl-BE" dirty="0" smtClean="0">
-                <a:solidFill>
-                  <a:schemeClr val="tx1"/>
-                </a:solidFill>
-              </a:rPr>
-              <a:t>Bex </a:t>
+              <a:t>Geert Jan Bex </a:t>
             </a:r>
             <a:r>
               <a:rPr lang="nl-BE" dirty="0" smtClean="0"/>
@@ -6830,7 +7656,6 @@
               <a:rPr lang="nl-BE" dirty="0" smtClean="0"/>
               <a:t>)</a:t>
             </a:r>
-            <a:endParaRPr lang="nl-BE" dirty="0" smtClean="0"/>
           </a:p>
         </p:txBody>
       </p:sp>
@@ -6976,7 +7801,6 @@
               <a:rPr lang="en-US" dirty="0" smtClean="0"/>
               <a:t>Implementation</a:t>
             </a:r>
-            <a:endParaRPr lang="en-US" dirty="0" smtClean="0"/>
           </a:p>
           <a:p>
             <a:r>
@@ -16339,11 +17163,7 @@
           <a:p>
             <a:r>
               <a:rPr lang="en-US" dirty="0" smtClean="0"/>
-              <a:t>Redoing </a:t>
-            </a:r>
-            <a:r>
-              <a:rPr lang="en-US" dirty="0" smtClean="0"/>
-              <a:t>failed work items</a:t>
+              <a:t>Redoing failed work items</a:t>
             </a:r>
             <a:endParaRPr lang="nl-BE" dirty="0" smtClean="0"/>
           </a:p>
@@ -17061,7 +17881,6 @@
               <a:rPr lang="en-US" dirty="0" smtClean="0"/>
               <a:t>Implementation</a:t>
             </a:r>
-            <a:endParaRPr lang="en-US" dirty="0" smtClean="0"/>
           </a:p>
           <a:p>
             <a:r>
@@ -17751,14 +18570,7 @@
                   <a:latin typeface="Courier New" panose="02070309020205020404" pitchFamily="49" charset="0"/>
                   <a:cs typeface="Courier New" panose="02070309020205020404" pitchFamily="49" charset="0"/>
                 </a:rPr>
-                <a:t>time_limitied</a:t>
-              </a:r>
-              <a:r>
-                <a:rPr lang="en-US" sz="1200" b="1" dirty="0" err="1" smtClean="0">
-                  <a:latin typeface="Courier New" panose="02070309020205020404" pitchFamily="49" charset="0"/>
-                  <a:cs typeface="Courier New" panose="02070309020205020404" pitchFamily="49" charset="0"/>
-                </a:rPr>
-                <a:t>.pbs</a:t>
+                <a:t>time_limitied.pbs</a:t>
               </a:r>
               <a:endParaRPr lang="nl-BE" sz="1200" b="1" dirty="0">
                 <a:latin typeface="Courier New" panose="02070309020205020404" pitchFamily="49" charset="0"/>
@@ -19536,7 +20348,6 @@
               <a:rPr lang="en-US" dirty="0" smtClean="0"/>
               <a:t> option)</a:t>
             </a:r>
-            <a:endParaRPr lang="en-US" dirty="0" smtClean="0"/>
           </a:p>
           <a:p>
             <a:pPr lvl="1"/>
@@ -19689,14 +20500,7 @@
                 <a:latin typeface="Courier New" pitchFamily="49" charset="0"/>
                 <a:cs typeface="Courier New" pitchFamily="49" charset="0"/>
               </a:rPr>
-              <a:t>wcat  </a:t>
-            </a:r>
-            <a:r>
-              <a:rPr lang="nl-BE" sz="2400" dirty="0" smtClean="0">
-                <a:latin typeface="Courier New" pitchFamily="49" charset="0"/>
-                <a:cs typeface="Courier New" pitchFamily="49" charset="0"/>
-              </a:rPr>
-              <a:t>–data my-data.csv                \</a:t>
+              <a:t>wcat  –data my-data.csv                \</a:t>
             </a:r>
           </a:p>
           <a:p>
@@ -19706,14 +20510,7 @@
                 <a:latin typeface="Courier New" pitchFamily="49" charset="0"/>
                 <a:cs typeface="Courier New" pitchFamily="49" charset="0"/>
               </a:rPr>
-              <a:t>      -</a:t>
-            </a:r>
-            <a:r>
-              <a:rPr lang="nl-BE" sz="2400" dirty="0" smtClean="0">
-                <a:latin typeface="Courier New" pitchFamily="49" charset="0"/>
-                <a:cs typeface="Courier New" pitchFamily="49" charset="0"/>
-              </a:rPr>
-              <a:t>pattern output-</a:t>
+              <a:t>      -pattern output-</a:t>
             </a:r>
             <a:r>
               <a:rPr lang="nl-BE" sz="2400" b="1" dirty="0" smtClean="0">
@@ -19757,14 +20554,7 @@
                 <a:latin typeface="Courier New" pitchFamily="49" charset="0"/>
                 <a:cs typeface="Courier New" pitchFamily="49" charset="0"/>
               </a:rPr>
-              <a:t>      </a:t>
-            </a:r>
-            <a:r>
-              <a:rPr lang="nl-BE" sz="2400" dirty="0" smtClean="0">
-                <a:latin typeface="Courier New" pitchFamily="49" charset="0"/>
-                <a:cs typeface="Courier New" pitchFamily="49" charset="0"/>
-              </a:rPr>
-              <a:t>-output output.txt</a:t>
+              <a:t>      -output output.txt</a:t>
             </a:r>
             <a:endParaRPr lang="nl-BE" sz="2400" dirty="0">
               <a:latin typeface="Courier New" pitchFamily="49" charset="0"/>
@@ -20513,7 +21303,6 @@
               <a:rPr lang="en-US" dirty="0" smtClean="0"/>
               <a:t>Implementation</a:t>
             </a:r>
-            <a:endParaRPr lang="en-US" dirty="0" smtClean="0"/>
           </a:p>
           <a:p>
             <a:r>
@@ -20666,7 +21455,6 @@
               <a:rPr lang="en-US" dirty="0" smtClean="0"/>
               <a:t>Implementation</a:t>
             </a:r>
-            <a:endParaRPr lang="en-US" dirty="0" smtClean="0"/>
           </a:p>
           <a:p>
             <a:r>
@@ -20811,15 +21599,7 @@
                   <a:srgbClr val="FF0000"/>
                 </a:solidFill>
               </a:rPr>
-              <a:t>time(work item) </a:t>
-            </a:r>
-            <a:r>
-              <a:rPr lang="en-US" dirty="0" smtClean="0">
-                <a:solidFill>
-                  <a:srgbClr val="FF0000"/>
-                </a:solidFill>
-              </a:rPr>
-              <a:t>&gt; 1 minute</a:t>
+              <a:t>time(work item) &gt; 1 minute</a:t>
             </a:r>
           </a:p>
           <a:p>
@@ -20846,22 +21626,11 @@
                 <a:latin typeface="Courier New" panose="02070309020205020404" pitchFamily="49" charset="0"/>
                 <a:cs typeface="Courier New" panose="02070309020205020404" pitchFamily="49" charset="0"/>
               </a:rPr>
-              <a:t>–</a:t>
-            </a:r>
-            <a:r>
-              <a:rPr lang="en-US" dirty="0" smtClean="0">
-                <a:latin typeface="Courier New" panose="02070309020205020404" pitchFamily="49" charset="0"/>
-                <a:cs typeface="Courier New" panose="02070309020205020404" pitchFamily="49" charset="0"/>
-              </a:rPr>
-              <a:t>threaded &lt;n&gt;</a:t>
+              <a:t>–threaded &lt;n&gt;</a:t>
             </a:r>
             <a:r>
               <a:rPr lang="en-US" dirty="0" smtClean="0"/>
-              <a:t>  flag </a:t>
-            </a:r>
-            <a:r>
-              <a:rPr lang="en-US" dirty="0" smtClean="0"/>
-              <a:t>with </a:t>
+              <a:t>  flag with </a:t>
             </a:r>
             <a:r>
               <a:rPr lang="en-US" dirty="0" err="1" smtClean="0">
@@ -21200,11 +21969,7 @@
             </a:r>
             <a:r>
               <a:rPr lang="en-US" dirty="0" smtClean="0"/>
-              <a:t>orker </a:t>
-            </a:r>
-            <a:r>
-              <a:rPr lang="en-US" dirty="0" smtClean="0"/>
-              <a:t>&amp; multithreading</a:t>
+              <a:t>orker &amp; multithreading</a:t>
             </a:r>
             <a:endParaRPr lang="nl-BE" dirty="0"/>
           </a:p>
@@ -21227,13 +21992,8 @@
           <a:p>
             <a:r>
               <a:rPr lang="en-US" dirty="0" smtClean="0"/>
-              <a:t>Some software uses multithreading </a:t>
+              <a:t>Some software uses multithreading automatically, e.g.,</a:t>
             </a:r>
-            <a:r>
-              <a:rPr lang="en-US" dirty="0" smtClean="0"/>
-              <a:t>automatically, e.g.,</a:t>
-            </a:r>
-            <a:endParaRPr lang="en-US" dirty="0" smtClean="0"/>
           </a:p>
           <a:p>
             <a:pPr lvl="1"/>
@@ -21414,15 +22174,7 @@
                   <a:srgbClr val="C00000"/>
                 </a:solidFill>
               </a:rPr>
-              <a:t> </a:t>
-            </a:r>
-            <a:r>
-              <a:rPr lang="en-US" sz="3600" dirty="0" smtClean="0">
-                <a:solidFill>
-                  <a:srgbClr val="C00000"/>
-                </a:solidFill>
-              </a:rPr>
-              <a:t>inefficient!!!</a:t>
+              <a:t> inefficient!!!</a:t>
             </a:r>
             <a:endParaRPr lang="nl-BE" sz="3600" dirty="0">
               <a:solidFill>
@@ -21836,6 +22588,4001 @@
 </file>
 
 <file path=ppt/slides/slide23.xml><?xml version="1.0" encoding="utf-8"?>
+<p:sld xmlns:a="http://schemas.openxmlformats.org/drawingml/2006/main" xmlns:r="http://schemas.openxmlformats.org/officeDocument/2006/relationships" xmlns:p="http://schemas.openxmlformats.org/presentationml/2006/main">
+  <p:cSld>
+    <p:spTree>
+      <p:nvGrpSpPr>
+        <p:cNvPr id="1" name=""/>
+        <p:cNvGrpSpPr/>
+        <p:nvPr/>
+      </p:nvGrpSpPr>
+      <p:grpSpPr>
+        <a:xfrm>
+          <a:off x="0" y="0"/>
+          <a:ext cx="0" cy="0"/>
+          <a:chOff x="0" y="0"/>
+          <a:chExt cx="0" cy="0"/>
+        </a:xfrm>
+      </p:grpSpPr>
+      <p:sp>
+        <p:nvSpPr>
+          <p:cNvPr id="2" name="Title 1"/>
+          <p:cNvSpPr>
+            <a:spLocks noGrp="1"/>
+          </p:cNvSpPr>
+          <p:nvPr>
+            <p:ph type="title"/>
+          </p:nvPr>
+        </p:nvSpPr>
+        <p:spPr/>
+        <p:txBody>
+          <a:bodyPr/>
+          <a:lstStyle/>
+          <a:p>
+            <a:r>
+              <a:rPr lang="en-US" dirty="0" smtClean="0"/>
+              <a:t>What you hope/expect for…</a:t>
+            </a:r>
+            <a:endParaRPr lang="nl-BE" dirty="0"/>
+          </a:p>
+        </p:txBody>
+      </p:sp>
+      <p:sp>
+        <p:nvSpPr>
+          <p:cNvPr id="3" name="Content Placeholder 2"/>
+          <p:cNvSpPr>
+            <a:spLocks noGrp="1"/>
+          </p:cNvSpPr>
+          <p:nvPr>
+            <p:ph idx="1"/>
+          </p:nvPr>
+        </p:nvSpPr>
+        <p:spPr/>
+        <p:txBody>
+          <a:bodyPr/>
+          <a:lstStyle/>
+          <a:p>
+            <a:r>
+              <a:rPr lang="en-US" dirty="0" smtClean="0"/>
+              <a:t>strong scaling</a:t>
+            </a:r>
+          </a:p>
+          <a:p>
+            <a:endParaRPr lang="en-US" dirty="0"/>
+          </a:p>
+          <a:p>
+            <a:endParaRPr lang="en-US" dirty="0" smtClean="0"/>
+          </a:p>
+          <a:p>
+            <a:endParaRPr lang="en-US" dirty="0"/>
+          </a:p>
+          <a:p>
+            <a:endParaRPr lang="en-US" dirty="0" smtClean="0"/>
+          </a:p>
+          <a:p>
+            <a:r>
+              <a:rPr lang="en-US" dirty="0" smtClean="0"/>
+              <a:t>weak scaling</a:t>
+            </a:r>
+            <a:endParaRPr lang="nl-BE" dirty="0"/>
+          </a:p>
+        </p:txBody>
+      </p:sp>
+      <p:grpSp>
+        <p:nvGrpSpPr>
+          <p:cNvPr id="7" name="Group 6"/>
+          <p:cNvGrpSpPr/>
+          <p:nvPr/>
+        </p:nvGrpSpPr>
+        <p:grpSpPr>
+          <a:xfrm>
+            <a:off x="1508667" y="2348880"/>
+            <a:ext cx="3999436" cy="1714796"/>
+            <a:chOff x="1527630" y="2348880"/>
+            <a:chExt cx="5792166" cy="3247256"/>
+          </a:xfrm>
+        </p:grpSpPr>
+        <p:graphicFrame>
+          <p:nvGraphicFramePr>
+            <p:cNvPr id="4" name="Chart 3"/>
+            <p:cNvGraphicFramePr>
+              <a:graphicFrameLocks/>
+            </p:cNvGraphicFramePr>
+            <p:nvPr>
+              <p:extLst/>
+            </p:nvPr>
+          </p:nvGraphicFramePr>
+          <p:xfrm>
+            <a:off x="1907703" y="2348880"/>
+            <a:ext cx="5412093" cy="3247256"/>
+          </p:xfrm>
+          <a:graphic>
+            <a:graphicData uri="http://schemas.openxmlformats.org/drawingml/2006/chart">
+              <c:chart xmlns:c="http://schemas.openxmlformats.org/drawingml/2006/chart" xmlns:r="http://schemas.openxmlformats.org/officeDocument/2006/relationships" r:id="rId2"/>
+            </a:graphicData>
+          </a:graphic>
+        </p:graphicFrame>
+        <p:sp>
+          <p:nvSpPr>
+            <p:cNvPr id="5" name="TextBox 4"/>
+            <p:cNvSpPr txBox="1"/>
+            <p:nvPr/>
+          </p:nvSpPr>
+          <p:spPr>
+            <a:xfrm>
+              <a:off x="3995937" y="5212425"/>
+              <a:ext cx="1392048" cy="369332"/>
+            </a:xfrm>
+            <a:prstGeom prst="rect">
+              <a:avLst/>
+            </a:prstGeom>
+            <a:noFill/>
+          </p:spPr>
+          <p:txBody>
+            <a:bodyPr wrap="none" rtlCol="0">
+              <a:spAutoFit/>
+            </a:bodyPr>
+            <a:lstStyle/>
+            <a:p>
+              <a:r>
+                <a:rPr lang="en-US" dirty="0" smtClean="0"/>
+                <a:t>nr. processes</a:t>
+              </a:r>
+              <a:endParaRPr lang="nl-BE" dirty="0"/>
+            </a:p>
+          </p:txBody>
+        </p:sp>
+        <p:sp>
+          <p:nvSpPr>
+            <p:cNvPr id="6" name="TextBox 5"/>
+            <p:cNvSpPr txBox="1"/>
+            <p:nvPr/>
+          </p:nvSpPr>
+          <p:spPr>
+            <a:xfrm rot="16200000">
+              <a:off x="921822" y="4373645"/>
+              <a:ext cx="1580947" cy="369332"/>
+            </a:xfrm>
+            <a:prstGeom prst="rect">
+              <a:avLst/>
+            </a:prstGeom>
+            <a:noFill/>
+          </p:spPr>
+          <p:txBody>
+            <a:bodyPr wrap="none" rtlCol="0">
+              <a:spAutoFit/>
+            </a:bodyPr>
+            <a:lstStyle/>
+            <a:p>
+              <a:r>
+                <a:rPr lang="en-US" dirty="0" smtClean="0"/>
+                <a:t>execution time</a:t>
+              </a:r>
+              <a:endParaRPr lang="nl-BE" dirty="0"/>
+            </a:p>
+          </p:txBody>
+        </p:sp>
+      </p:grpSp>
+      <p:grpSp>
+        <p:nvGrpSpPr>
+          <p:cNvPr id="15" name="Group 14"/>
+          <p:cNvGrpSpPr/>
+          <p:nvPr/>
+        </p:nvGrpSpPr>
+        <p:grpSpPr>
+          <a:xfrm>
+            <a:off x="1619672" y="5517232"/>
+            <a:ext cx="3096344" cy="648072"/>
+            <a:chOff x="1979712" y="5589240"/>
+            <a:chExt cx="3096344" cy="648072"/>
+          </a:xfrm>
+        </p:grpSpPr>
+        <p:sp>
+          <p:nvSpPr>
+            <p:cNvPr id="9" name="TextBox 8"/>
+            <p:cNvSpPr txBox="1"/>
+            <p:nvPr/>
+          </p:nvSpPr>
+          <p:spPr>
+            <a:xfrm>
+              <a:off x="1979712" y="5733256"/>
+              <a:ext cx="1750864" cy="369332"/>
+            </a:xfrm>
+            <a:prstGeom prst="rect">
+              <a:avLst/>
+            </a:prstGeom>
+            <a:noFill/>
+          </p:spPr>
+          <p:txBody>
+            <a:bodyPr wrap="none" rtlCol="0">
+              <a:spAutoFit/>
+            </a:bodyPr>
+            <a:lstStyle/>
+            <a:p>
+              <a:r>
+                <a:rPr lang="en-US" dirty="0" smtClean="0"/>
+                <a:t>execution time </a:t>
+              </a:r>
+              <a:r>
+                <a:rPr lang="en-US" dirty="0" smtClean="0">
+                  <a:sym typeface="Symbol"/>
+                </a:rPr>
+                <a:t></a:t>
+              </a:r>
+              <a:endParaRPr lang="nl-BE" dirty="0"/>
+            </a:p>
+          </p:txBody>
+        </p:sp>
+        <p:sp>
+          <p:nvSpPr>
+            <p:cNvPr id="10" name="TextBox 9"/>
+            <p:cNvSpPr txBox="1"/>
+            <p:nvPr/>
+          </p:nvSpPr>
+          <p:spPr>
+            <a:xfrm>
+              <a:off x="3730243" y="5589240"/>
+              <a:ext cx="1230914" cy="369332"/>
+            </a:xfrm>
+            <a:prstGeom prst="rect">
+              <a:avLst/>
+            </a:prstGeom>
+            <a:noFill/>
+          </p:spPr>
+          <p:txBody>
+            <a:bodyPr wrap="none" rtlCol="0">
+              <a:spAutoFit/>
+            </a:bodyPr>
+            <a:lstStyle/>
+            <a:p>
+              <a:r>
+                <a:rPr lang="en-US" dirty="0" smtClean="0"/>
+                <a:t>system size</a:t>
+              </a:r>
+              <a:endParaRPr lang="nl-BE" dirty="0"/>
+            </a:p>
+          </p:txBody>
+        </p:sp>
+        <p:sp>
+          <p:nvSpPr>
+            <p:cNvPr id="11" name="TextBox 10"/>
+            <p:cNvSpPr txBox="1"/>
+            <p:nvPr/>
+          </p:nvSpPr>
+          <p:spPr>
+            <a:xfrm>
+              <a:off x="3684008" y="5867980"/>
+              <a:ext cx="1392048" cy="369332"/>
+            </a:xfrm>
+            <a:prstGeom prst="rect">
+              <a:avLst/>
+            </a:prstGeom>
+            <a:noFill/>
+          </p:spPr>
+          <p:txBody>
+            <a:bodyPr wrap="none" rtlCol="0">
+              <a:spAutoFit/>
+            </a:bodyPr>
+            <a:lstStyle/>
+            <a:p>
+              <a:r>
+                <a:rPr lang="en-US" dirty="0" smtClean="0"/>
+                <a:t>nr. processes</a:t>
+              </a:r>
+              <a:endParaRPr lang="nl-BE" dirty="0"/>
+            </a:p>
+          </p:txBody>
+        </p:sp>
+        <p:cxnSp>
+          <p:nvCxnSpPr>
+            <p:cNvPr id="13" name="Straight Connector 12"/>
+            <p:cNvCxnSpPr/>
+            <p:nvPr/>
+          </p:nvCxnSpPr>
+          <p:spPr>
+            <a:xfrm>
+              <a:off x="3707904" y="5948181"/>
+              <a:ext cx="1368152" cy="0"/>
+            </a:xfrm>
+            <a:prstGeom prst="line">
+              <a:avLst/>
+            </a:prstGeom>
+            <a:ln w="19050">
+              <a:solidFill>
+                <a:schemeClr val="tx1"/>
+              </a:solidFill>
+            </a:ln>
+          </p:spPr>
+          <p:style>
+            <a:lnRef idx="1">
+              <a:schemeClr val="accent1"/>
+            </a:lnRef>
+            <a:fillRef idx="0">
+              <a:schemeClr val="accent1"/>
+            </a:fillRef>
+            <a:effectRef idx="0">
+              <a:schemeClr val="accent1"/>
+            </a:effectRef>
+            <a:fontRef idx="minor">
+              <a:schemeClr val="tx1"/>
+            </a:fontRef>
+          </p:style>
+        </p:cxnSp>
+      </p:grpSp>
+      <p:sp>
+        <p:nvSpPr>
+          <p:cNvPr id="16" name="TextBox 15"/>
+          <p:cNvSpPr txBox="1"/>
+          <p:nvPr/>
+        </p:nvSpPr>
+        <p:spPr>
+          <a:xfrm>
+            <a:off x="6228184" y="4347101"/>
+            <a:ext cx="1905458" cy="954107"/>
+          </a:xfrm>
+          <a:prstGeom prst="rect">
+            <a:avLst/>
+          </a:prstGeom>
+          <a:noFill/>
+          <a:ln>
+            <a:solidFill>
+              <a:schemeClr val="tx1"/>
+            </a:solidFill>
+          </a:ln>
+        </p:spPr>
+        <p:txBody>
+          <a:bodyPr wrap="none" rtlCol="0">
+            <a:spAutoFit/>
+          </a:bodyPr>
+          <a:lstStyle/>
+          <a:p>
+            <a:r>
+              <a:rPr lang="en-US" sz="2800" dirty="0" smtClean="0"/>
+              <a:t>Is this going</a:t>
+            </a:r>
+          </a:p>
+          <a:p>
+            <a:r>
+              <a:rPr lang="en-US" sz="2800" dirty="0" smtClean="0"/>
+              <a:t>to happen?</a:t>
+            </a:r>
+            <a:endParaRPr lang="nl-BE" sz="2800" dirty="0"/>
+          </a:p>
+        </p:txBody>
+      </p:sp>
+      <p:sp>
+        <p:nvSpPr>
+          <p:cNvPr id="8" name="Slide Number Placeholder 7"/>
+          <p:cNvSpPr>
+            <a:spLocks noGrp="1"/>
+          </p:cNvSpPr>
+          <p:nvPr>
+            <p:ph type="sldNum" sz="quarter" idx="12"/>
+          </p:nvPr>
+        </p:nvSpPr>
+        <p:spPr/>
+        <p:txBody>
+          <a:bodyPr/>
+          <a:lstStyle/>
+          <a:p>
+            <a:fld id="{6597116C-F94B-4B5B-973A-17F07FB5C418}" type="slidenum">
+              <a:rPr lang="nl-BE" smtClean="0"/>
+              <a:t>23</a:t>
+            </a:fld>
+            <a:endParaRPr lang="nl-BE"/>
+          </a:p>
+        </p:txBody>
+      </p:sp>
+    </p:spTree>
+    <p:extLst>
+      <p:ext uri="{BB962C8B-B14F-4D97-AF65-F5344CB8AC3E}">
+        <p14:creationId xmlns:p14="http://schemas.microsoft.com/office/powerpoint/2010/main" val="872071653"/>
+      </p:ext>
+    </p:extLst>
+  </p:cSld>
+  <p:clrMapOvr>
+    <a:masterClrMapping/>
+  </p:clrMapOvr>
+  <p:timing>
+    <p:tnLst>
+      <p:par>
+        <p:cTn id="1" dur="indefinite" restart="never" nodeType="tmRoot">
+          <p:childTnLst>
+            <p:seq concurrent="1" nextAc="seek">
+              <p:cTn id="2" dur="indefinite" nodeType="mainSeq">
+                <p:childTnLst>
+                  <p:par>
+                    <p:cTn id="3" fill="hold">
+                      <p:stCondLst>
+                        <p:cond delay="indefinite"/>
+                        <p:cond evt="onBegin" delay="0">
+                          <p:tn val="2"/>
+                        </p:cond>
+                      </p:stCondLst>
+                      <p:childTnLst>
+                        <p:par>
+                          <p:cTn id="4" fill="hold">
+                            <p:stCondLst>
+                              <p:cond delay="0"/>
+                            </p:stCondLst>
+                            <p:childTnLst>
+                              <p:par>
+                                <p:cTn id="5" presetID="1" presetClass="entr" presetSubtype="0" fill="hold" grpId="0" nodeType="withEffect">
+                                  <p:stCondLst>
+                                    <p:cond delay="0"/>
+                                  </p:stCondLst>
+                                  <p:childTnLst>
+                                    <p:set>
+                                      <p:cBhvr>
+                                        <p:cTn id="6" dur="1" fill="hold">
+                                          <p:stCondLst>
+                                            <p:cond delay="0"/>
+                                          </p:stCondLst>
+                                        </p:cTn>
+                                        <p:tgtEl>
+                                          <p:spTgt spid="3">
+                                            <p:txEl>
+                                              <p:pRg st="0" end="0"/>
+                                            </p:txEl>
+                                          </p:spTgt>
+                                        </p:tgtEl>
+                                        <p:attrNameLst>
+                                          <p:attrName>style.visibility</p:attrName>
+                                        </p:attrNameLst>
+                                      </p:cBhvr>
+                                      <p:to>
+                                        <p:strVal val="visible"/>
+                                      </p:to>
+                                    </p:set>
+                                  </p:childTnLst>
+                                </p:cTn>
+                              </p:par>
+                            </p:childTnLst>
+                          </p:cTn>
+                        </p:par>
+                      </p:childTnLst>
+                    </p:cTn>
+                  </p:par>
+                  <p:par>
+                    <p:cTn id="7" fill="hold">
+                      <p:stCondLst>
+                        <p:cond delay="indefinite"/>
+                      </p:stCondLst>
+                      <p:childTnLst>
+                        <p:par>
+                          <p:cTn id="8" fill="hold">
+                            <p:stCondLst>
+                              <p:cond delay="0"/>
+                            </p:stCondLst>
+                            <p:childTnLst>
+                              <p:par>
+                                <p:cTn id="9" presetID="1" presetClass="entr" presetSubtype="0" fill="hold" grpId="0" nodeType="clickEffect">
+                                  <p:stCondLst>
+                                    <p:cond delay="0"/>
+                                  </p:stCondLst>
+                                  <p:childTnLst>
+                                    <p:set>
+                                      <p:cBhvr>
+                                        <p:cTn id="10" dur="1" fill="hold">
+                                          <p:stCondLst>
+                                            <p:cond delay="0"/>
+                                          </p:stCondLst>
+                                        </p:cTn>
+                                        <p:tgtEl>
+                                          <p:spTgt spid="3">
+                                            <p:txEl>
+                                              <p:pRg st="5" end="5"/>
+                                            </p:txEl>
+                                          </p:spTgt>
+                                        </p:tgtEl>
+                                        <p:attrNameLst>
+                                          <p:attrName>style.visibility</p:attrName>
+                                        </p:attrNameLst>
+                                      </p:cBhvr>
+                                      <p:to>
+                                        <p:strVal val="visible"/>
+                                      </p:to>
+                                    </p:set>
+                                  </p:childTnLst>
+                                </p:cTn>
+                              </p:par>
+                              <p:par>
+                                <p:cTn id="11" presetID="1" presetClass="entr" presetSubtype="0" fill="hold" nodeType="withEffect">
+                                  <p:stCondLst>
+                                    <p:cond delay="0"/>
+                                  </p:stCondLst>
+                                  <p:childTnLst>
+                                    <p:set>
+                                      <p:cBhvr>
+                                        <p:cTn id="12" dur="1" fill="hold">
+                                          <p:stCondLst>
+                                            <p:cond delay="0"/>
+                                          </p:stCondLst>
+                                        </p:cTn>
+                                        <p:tgtEl>
+                                          <p:spTgt spid="15"/>
+                                        </p:tgtEl>
+                                        <p:attrNameLst>
+                                          <p:attrName>style.visibility</p:attrName>
+                                        </p:attrNameLst>
+                                      </p:cBhvr>
+                                      <p:to>
+                                        <p:strVal val="visible"/>
+                                      </p:to>
+                                    </p:set>
+                                  </p:childTnLst>
+                                </p:cTn>
+                              </p:par>
+                            </p:childTnLst>
+                          </p:cTn>
+                        </p:par>
+                      </p:childTnLst>
+                    </p:cTn>
+                  </p:par>
+                </p:childTnLst>
+              </p:cTn>
+              <p:prevCondLst>
+                <p:cond evt="onPrev" delay="0">
+                  <p:tgtEl>
+                    <p:sldTgt/>
+                  </p:tgtEl>
+                </p:cond>
+              </p:prevCondLst>
+              <p:nextCondLst>
+                <p:cond evt="onNext" delay="0">
+                  <p:tgtEl>
+                    <p:sldTgt/>
+                  </p:tgtEl>
+                </p:cond>
+              </p:nextCondLst>
+            </p:seq>
+          </p:childTnLst>
+        </p:cTn>
+      </p:par>
+    </p:tnLst>
+    <p:bldLst>
+      <p:bldP spid="3" grpId="0" build="p"/>
+    </p:bldLst>
+  </p:timing>
+</p:sld>
+</file>
+
+<file path=ppt/slides/slide24.xml><?xml version="1.0" encoding="utf-8"?>
+<p:sld xmlns:a="http://schemas.openxmlformats.org/drawingml/2006/main" xmlns:r="http://schemas.openxmlformats.org/officeDocument/2006/relationships" xmlns:p="http://schemas.openxmlformats.org/presentationml/2006/main">
+  <p:cSld>
+    <p:spTree>
+      <p:nvGrpSpPr>
+        <p:cNvPr id="1" name=""/>
+        <p:cNvGrpSpPr/>
+        <p:nvPr/>
+      </p:nvGrpSpPr>
+      <p:grpSpPr>
+        <a:xfrm>
+          <a:off x="0" y="0"/>
+          <a:ext cx="0" cy="0"/>
+          <a:chOff x="0" y="0"/>
+          <a:chExt cx="0" cy="0"/>
+        </a:xfrm>
+      </p:grpSpPr>
+      <p:sp>
+        <p:nvSpPr>
+          <p:cNvPr id="2" name="Title 1"/>
+          <p:cNvSpPr>
+            <a:spLocks noGrp="1"/>
+          </p:cNvSpPr>
+          <p:nvPr>
+            <p:ph type="title"/>
+          </p:nvPr>
+        </p:nvSpPr>
+        <p:spPr/>
+        <p:txBody>
+          <a:bodyPr/>
+          <a:lstStyle/>
+          <a:p>
+            <a:r>
+              <a:rPr lang="en-US" dirty="0" smtClean="0"/>
+              <a:t>Definitions</a:t>
+            </a:r>
+            <a:endParaRPr lang="nl-BE" dirty="0"/>
+          </a:p>
+        </p:txBody>
+      </p:sp>
+      <mc:AlternateContent xmlns:mc="http://schemas.openxmlformats.org/markup-compatibility/2006" xmlns:a14="http://schemas.microsoft.com/office/drawing/2010/main">
+        <mc:Choice Requires="a14">
+          <p:sp>
+            <p:nvSpPr>
+              <p:cNvPr id="3" name="Content Placeholder 2"/>
+              <p:cNvSpPr>
+                <a:spLocks noGrp="1"/>
+              </p:cNvSpPr>
+              <p:nvPr>
+                <p:ph idx="1"/>
+              </p:nvPr>
+            </p:nvSpPr>
+            <p:spPr/>
+            <p:txBody>
+              <a:bodyPr/>
+              <a:lstStyle/>
+              <a:p>
+                <a:r>
+                  <a:rPr lang="en-US" dirty="0" smtClean="0"/>
+                  <a:t>Parallel speedup </a:t>
+                </a:r>
+                <a14:m>
+                  <m:oMath xmlns:m="http://schemas.openxmlformats.org/officeDocument/2006/math">
+                    <m:r>
+                      <a:rPr lang="en-US" i="1" dirty="0" smtClean="0">
+                        <a:latin typeface="Cambria Math"/>
+                      </a:rPr>
+                      <m:t>𝑆</m:t>
+                    </m:r>
+                    <m:r>
+                      <a:rPr lang="en-US" b="0" i="1" dirty="0" smtClean="0">
+                        <a:latin typeface="Cambria Math"/>
+                      </a:rPr>
+                      <m:t>(</m:t>
+                    </m:r>
+                    <m:r>
+                      <a:rPr lang="en-US" b="0" i="1" dirty="0" smtClean="0">
+                        <a:latin typeface="Cambria Math"/>
+                      </a:rPr>
+                      <m:t>𝑛</m:t>
+                    </m:r>
+                    <m:r>
+                      <a:rPr lang="en-US" b="0" i="1" dirty="0" smtClean="0">
+                        <a:latin typeface="Cambria Math"/>
+                      </a:rPr>
+                      <m:t>)</m:t>
+                    </m:r>
+                  </m:oMath>
+                </a14:m>
+                <a:r>
+                  <a:rPr lang="en-US" dirty="0" smtClean="0"/>
+                  <a:t> for </a:t>
+                </a:r>
+                <a14:m>
+                  <m:oMath xmlns:m="http://schemas.openxmlformats.org/officeDocument/2006/math">
+                    <m:r>
+                      <a:rPr lang="en-US" i="1" dirty="0" smtClean="0">
+                        <a:latin typeface="Cambria Math"/>
+                      </a:rPr>
+                      <m:t>𝑛</m:t>
+                    </m:r>
+                  </m:oMath>
+                </a14:m>
+                <a:r>
+                  <a:rPr lang="en-US" dirty="0" smtClean="0"/>
+                  <a:t> processes:</a:t>
+                </a:r>
+              </a:p>
+              <a:p>
+                <a:pPr marL="0" indent="0">
+                  <a:buNone/>
+                </a:pPr>
+                <a:endParaRPr lang="en-US" dirty="0" smtClean="0"/>
+              </a:p>
+              <a:p>
+                <a:pPr lvl="1"/>
+                <a:r>
+                  <a:rPr lang="en-US" dirty="0" smtClean="0"/>
+                  <a:t>Ideally,</a:t>
+                </a:r>
+              </a:p>
+              <a:p>
+                <a:pPr lvl="1"/>
+                <a:endParaRPr lang="en-US" dirty="0"/>
+              </a:p>
+              <a:p>
+                <a:r>
+                  <a:rPr lang="en-US" dirty="0" smtClean="0"/>
+                  <a:t>Parallel efficiency </a:t>
+                </a:r>
+                <a14:m>
+                  <m:oMath xmlns:m="http://schemas.openxmlformats.org/officeDocument/2006/math">
+                    <m:r>
+                      <a:rPr lang="en-US" b="0" i="1" dirty="0" smtClean="0">
+                        <a:latin typeface="Cambria Math"/>
+                      </a:rPr>
+                      <m:t>𝐸</m:t>
+                    </m:r>
+                    <m:r>
+                      <a:rPr lang="en-US" b="0" i="1" dirty="0" smtClean="0">
+                        <a:latin typeface="Cambria Math"/>
+                      </a:rPr>
+                      <m:t>(</m:t>
+                    </m:r>
+                    <m:r>
+                      <a:rPr lang="en-US" b="0" i="1" dirty="0" smtClean="0">
+                        <a:latin typeface="Cambria Math"/>
+                      </a:rPr>
+                      <m:t>𝑛</m:t>
+                    </m:r>
+                    <m:r>
+                      <a:rPr lang="en-US" b="0" i="1" dirty="0" smtClean="0">
+                        <a:latin typeface="Cambria Math"/>
+                      </a:rPr>
+                      <m:t>)</m:t>
+                    </m:r>
+                  </m:oMath>
+                </a14:m>
+                <a:r>
+                  <a:rPr lang="en-US" dirty="0" smtClean="0"/>
+                  <a:t> for </a:t>
+                </a:r>
+                <a14:m>
+                  <m:oMath xmlns:m="http://schemas.openxmlformats.org/officeDocument/2006/math">
+                    <m:r>
+                      <a:rPr lang="en-US" i="1" dirty="0" smtClean="0">
+                        <a:latin typeface="Cambria Math"/>
+                      </a:rPr>
+                      <m:t>𝑛</m:t>
+                    </m:r>
+                  </m:oMath>
+                </a14:m>
+                <a:r>
+                  <a:rPr lang="en-US" dirty="0" smtClean="0"/>
+                  <a:t> processes:</a:t>
+                </a:r>
+              </a:p>
+              <a:p>
+                <a:endParaRPr lang="en-US" dirty="0"/>
+              </a:p>
+              <a:p>
+                <a:pPr lvl="1"/>
+                <a:r>
+                  <a:rPr lang="en-US" dirty="0" smtClean="0"/>
+                  <a:t>Ideally,</a:t>
+                </a:r>
+                <a:endParaRPr lang="nl-BE" dirty="0"/>
+              </a:p>
+            </p:txBody>
+          </p:sp>
+        </mc:Choice>
+        <mc:Fallback xmlns="">
+          <p:sp>
+            <p:nvSpPr>
+              <p:cNvPr id="3" name="Content Placeholder 2"/>
+              <p:cNvSpPr>
+                <a:spLocks noGrp="1" noRot="1" noChangeAspect="1" noMove="1" noResize="1" noEditPoints="1" noAdjustHandles="1" noChangeArrowheads="1" noChangeShapeType="1" noTextEdit="1"/>
+              </p:cNvSpPr>
+              <p:nvPr>
+                <p:ph idx="1"/>
+              </p:nvPr>
+            </p:nvSpPr>
+            <p:spPr>
+              <a:blipFill rotWithShape="1">
+                <a:blip r:embed="rId2"/>
+                <a:stretch>
+                  <a:fillRect l="-1630" t="-1617"/>
+                </a:stretch>
+              </a:blipFill>
+            </p:spPr>
+            <p:txBody>
+              <a:bodyPr/>
+              <a:lstStyle/>
+              <a:p>
+                <a:r>
+                  <a:rPr lang="nl-BE">
+                    <a:noFill/>
+                  </a:rPr>
+                  <a:t> </a:t>
+                </a:r>
+              </a:p>
+            </p:txBody>
+          </p:sp>
+        </mc:Fallback>
+      </mc:AlternateContent>
+      <mc:AlternateContent xmlns:mc="http://schemas.openxmlformats.org/markup-compatibility/2006" xmlns:a14="http://schemas.microsoft.com/office/drawing/2010/main">
+        <mc:Choice Requires="a14">
+          <p:sp>
+            <p:nvSpPr>
+              <p:cNvPr id="4" name="TextBox 3"/>
+              <p:cNvSpPr txBox="1"/>
+              <p:nvPr/>
+            </p:nvSpPr>
+            <p:spPr>
+              <a:xfrm>
+                <a:off x="3059832" y="2204864"/>
+                <a:ext cx="2088232" cy="969433"/>
+              </a:xfrm>
+              <a:prstGeom prst="rect">
+                <a:avLst/>
+              </a:prstGeom>
+              <a:noFill/>
+            </p:spPr>
+            <p:txBody>
+              <a:bodyPr wrap="square" rtlCol="0">
+                <a:spAutoFit/>
+              </a:bodyPr>
+              <a:lstStyle/>
+              <a:p>
+                <a:pPr/>
+                <a14:m>
+                  <m:oMathPara xmlns:m="http://schemas.openxmlformats.org/officeDocument/2006/math">
+                    <m:oMathParaPr>
+                      <m:jc m:val="centerGroup"/>
+                    </m:oMathParaPr>
+                    <m:oMath xmlns:m="http://schemas.openxmlformats.org/officeDocument/2006/math">
+                      <m:r>
+                        <a:rPr lang="en-US" sz="2800" b="0" i="1" smtClean="0">
+                          <a:latin typeface="Cambria Math"/>
+                        </a:rPr>
+                        <m:t>𝑆</m:t>
+                      </m:r>
+                      <m:r>
+                        <a:rPr lang="en-US" sz="2800" b="0" i="1" smtClean="0">
+                          <a:latin typeface="Cambria Math"/>
+                        </a:rPr>
+                        <m:t>(</m:t>
+                      </m:r>
+                      <m:r>
+                        <a:rPr lang="en-US" sz="2800" b="0" i="1" smtClean="0">
+                          <a:latin typeface="Cambria Math"/>
+                        </a:rPr>
+                        <m:t>𝑛</m:t>
+                      </m:r>
+                      <m:r>
+                        <a:rPr lang="en-US" sz="2800" b="0" i="1" smtClean="0">
+                          <a:latin typeface="Cambria Math"/>
+                        </a:rPr>
+                        <m:t>)=</m:t>
+                      </m:r>
+                      <m:f>
+                        <m:fPr>
+                          <m:ctrlPr>
+                            <a:rPr lang="en-US" sz="2800" b="0" i="1" smtClean="0">
+                              <a:latin typeface="Cambria Math" panose="02040503050406030204" pitchFamily="18" charset="0"/>
+                            </a:rPr>
+                          </m:ctrlPr>
+                        </m:fPr>
+                        <m:num>
+                          <m:sSub>
+                            <m:sSubPr>
+                              <m:ctrlPr>
+                                <a:rPr lang="en-US" sz="2800" b="0" i="1" smtClean="0">
+                                  <a:latin typeface="Cambria Math" panose="02040503050406030204" pitchFamily="18" charset="0"/>
+                                </a:rPr>
+                              </m:ctrlPr>
+                            </m:sSubPr>
+                            <m:e>
+                              <m:r>
+                                <a:rPr lang="en-US" sz="2800" b="0" i="1" smtClean="0">
+                                  <a:latin typeface="Cambria Math"/>
+                                </a:rPr>
+                                <m:t>𝑇</m:t>
+                              </m:r>
+                            </m:e>
+                            <m:sub>
+                              <m:r>
+                                <a:rPr lang="en-US" sz="2800" b="0" i="1" smtClean="0">
+                                  <a:latin typeface="Cambria Math"/>
+                                </a:rPr>
+                                <m:t>1</m:t>
+                              </m:r>
+                            </m:sub>
+                          </m:sSub>
+                        </m:num>
+                        <m:den>
+                          <m:sSub>
+                            <m:sSubPr>
+                              <m:ctrlPr>
+                                <a:rPr lang="en-US" sz="2800" b="0" i="1" smtClean="0">
+                                  <a:latin typeface="Cambria Math" panose="02040503050406030204" pitchFamily="18" charset="0"/>
+                                </a:rPr>
+                              </m:ctrlPr>
+                            </m:sSubPr>
+                            <m:e>
+                              <m:r>
+                                <a:rPr lang="en-US" sz="2800" b="0" i="1" smtClean="0">
+                                  <a:latin typeface="Cambria Math"/>
+                                </a:rPr>
+                                <m:t>𝑇</m:t>
+                              </m:r>
+                            </m:e>
+                            <m:sub>
+                              <m:r>
+                                <a:rPr lang="en-US" sz="2800" b="0" i="1" smtClean="0">
+                                  <a:latin typeface="Cambria Math"/>
+                                </a:rPr>
+                                <m:t>𝑛</m:t>
+                              </m:r>
+                            </m:sub>
+                          </m:sSub>
+                        </m:den>
+                      </m:f>
+                    </m:oMath>
+                  </m:oMathPara>
+                </a14:m>
+                <a:endParaRPr lang="nl-BE" sz="2800" dirty="0"/>
+              </a:p>
+            </p:txBody>
+          </p:sp>
+        </mc:Choice>
+        <mc:Fallback xmlns="">
+          <p:sp>
+            <p:nvSpPr>
+              <p:cNvPr id="4" name="TextBox 3"/>
+              <p:cNvSpPr txBox="1">
+                <a:spLocks noRot="1" noChangeAspect="1" noMove="1" noResize="1" noEditPoints="1" noAdjustHandles="1" noChangeArrowheads="1" noChangeShapeType="1" noTextEdit="1"/>
+              </p:cNvSpPr>
+              <p:nvPr/>
+            </p:nvSpPr>
+            <p:spPr>
+              <a:xfrm>
+                <a:off x="3059832" y="2204864"/>
+                <a:ext cx="2088232" cy="969433"/>
+              </a:xfrm>
+              <a:prstGeom prst="rect">
+                <a:avLst/>
+              </a:prstGeom>
+              <a:blipFill rotWithShape="1">
+                <a:blip r:embed="rId3"/>
+                <a:stretch>
+                  <a:fillRect/>
+                </a:stretch>
+              </a:blipFill>
+            </p:spPr>
+            <p:txBody>
+              <a:bodyPr/>
+              <a:lstStyle/>
+              <a:p>
+                <a:r>
+                  <a:rPr lang="nl-BE">
+                    <a:noFill/>
+                  </a:rPr>
+                  <a:t> </a:t>
+                </a:r>
+              </a:p>
+            </p:txBody>
+          </p:sp>
+        </mc:Fallback>
+      </mc:AlternateContent>
+      <mc:AlternateContent xmlns:mc="http://schemas.openxmlformats.org/markup-compatibility/2006" xmlns:a14="http://schemas.microsoft.com/office/drawing/2010/main">
+        <mc:Choice Requires="a14">
+          <p:sp>
+            <p:nvSpPr>
+              <p:cNvPr id="5" name="TextBox 4"/>
+              <p:cNvSpPr txBox="1"/>
+              <p:nvPr/>
+            </p:nvSpPr>
+            <p:spPr>
+              <a:xfrm>
+                <a:off x="2987824" y="3284984"/>
+                <a:ext cx="2088232" cy="523220"/>
+              </a:xfrm>
+              <a:prstGeom prst="rect">
+                <a:avLst/>
+              </a:prstGeom>
+              <a:noFill/>
+            </p:spPr>
+            <p:txBody>
+              <a:bodyPr wrap="square" rtlCol="0">
+                <a:spAutoFit/>
+              </a:bodyPr>
+              <a:lstStyle/>
+              <a:p>
+                <a:pPr/>
+                <a14:m>
+                  <m:oMathPara xmlns:m="http://schemas.openxmlformats.org/officeDocument/2006/math">
+                    <m:oMathParaPr>
+                      <m:jc m:val="centerGroup"/>
+                    </m:oMathParaPr>
+                    <m:oMath xmlns:m="http://schemas.openxmlformats.org/officeDocument/2006/math">
+                      <m:r>
+                        <a:rPr lang="en-US" sz="2800" b="0" i="1" smtClean="0">
+                          <a:latin typeface="Cambria Math"/>
+                        </a:rPr>
+                        <m:t>𝑆</m:t>
+                      </m:r>
+                      <m:r>
+                        <a:rPr lang="en-US" sz="2800" b="0" i="1" smtClean="0">
+                          <a:latin typeface="Cambria Math"/>
+                        </a:rPr>
+                        <m:t>(</m:t>
+                      </m:r>
+                      <m:r>
+                        <a:rPr lang="en-US" sz="2800" b="0" i="1" smtClean="0">
+                          <a:latin typeface="Cambria Math"/>
+                        </a:rPr>
+                        <m:t>𝑛</m:t>
+                      </m:r>
+                      <m:r>
+                        <a:rPr lang="en-US" sz="2800" b="0" i="1" smtClean="0">
+                          <a:latin typeface="Cambria Math"/>
+                        </a:rPr>
+                        <m:t>)=</m:t>
+                      </m:r>
+                      <m:r>
+                        <a:rPr lang="en-US" sz="2800" b="0" i="1" smtClean="0">
+                          <a:latin typeface="Cambria Math"/>
+                        </a:rPr>
+                        <m:t>𝑛</m:t>
+                      </m:r>
+                    </m:oMath>
+                  </m:oMathPara>
+                </a14:m>
+                <a:endParaRPr lang="nl-BE" sz="2800" dirty="0"/>
+              </a:p>
+            </p:txBody>
+          </p:sp>
+        </mc:Choice>
+        <mc:Fallback xmlns="">
+          <p:sp>
+            <p:nvSpPr>
+              <p:cNvPr id="5" name="TextBox 4"/>
+              <p:cNvSpPr txBox="1">
+                <a:spLocks noRot="1" noChangeAspect="1" noMove="1" noResize="1" noEditPoints="1" noAdjustHandles="1" noChangeArrowheads="1" noChangeShapeType="1" noTextEdit="1"/>
+              </p:cNvSpPr>
+              <p:nvPr/>
+            </p:nvSpPr>
+            <p:spPr>
+              <a:xfrm>
+                <a:off x="2987824" y="3284984"/>
+                <a:ext cx="2088232" cy="523220"/>
+              </a:xfrm>
+              <a:prstGeom prst="rect">
+                <a:avLst/>
+              </a:prstGeom>
+              <a:blipFill rotWithShape="1">
+                <a:blip r:embed="rId4"/>
+                <a:stretch>
+                  <a:fillRect/>
+                </a:stretch>
+              </a:blipFill>
+            </p:spPr>
+            <p:txBody>
+              <a:bodyPr/>
+              <a:lstStyle/>
+              <a:p>
+                <a:r>
+                  <a:rPr lang="nl-BE">
+                    <a:noFill/>
+                  </a:rPr>
+                  <a:t> </a:t>
+                </a:r>
+              </a:p>
+            </p:txBody>
+          </p:sp>
+        </mc:Fallback>
+      </mc:AlternateContent>
+      <mc:AlternateContent xmlns:mc="http://schemas.openxmlformats.org/markup-compatibility/2006" xmlns:a14="http://schemas.microsoft.com/office/drawing/2010/main">
+        <mc:Choice Requires="a14">
+          <p:sp>
+            <p:nvSpPr>
+              <p:cNvPr id="6" name="TextBox 5"/>
+              <p:cNvSpPr txBox="1"/>
+              <p:nvPr/>
+            </p:nvSpPr>
+            <p:spPr>
+              <a:xfrm>
+                <a:off x="3131840" y="4365104"/>
+                <a:ext cx="2088232" cy="971741"/>
+              </a:xfrm>
+              <a:prstGeom prst="rect">
+                <a:avLst/>
+              </a:prstGeom>
+              <a:noFill/>
+            </p:spPr>
+            <p:txBody>
+              <a:bodyPr wrap="square" rtlCol="0">
+                <a:spAutoFit/>
+              </a:bodyPr>
+              <a:lstStyle/>
+              <a:p>
+                <a:pPr/>
+                <a14:m>
+                  <m:oMathPara xmlns:m="http://schemas.openxmlformats.org/officeDocument/2006/math">
+                    <m:oMathParaPr>
+                      <m:jc m:val="centerGroup"/>
+                    </m:oMathParaPr>
+                    <m:oMath xmlns:m="http://schemas.openxmlformats.org/officeDocument/2006/math">
+                      <m:r>
+                        <a:rPr lang="en-US" sz="2800" b="0" i="1" smtClean="0">
+                          <a:latin typeface="Cambria Math"/>
+                        </a:rPr>
+                        <m:t>𝐸</m:t>
+                      </m:r>
+                      <m:r>
+                        <a:rPr lang="en-US" sz="2800" b="0" i="1" smtClean="0">
+                          <a:latin typeface="Cambria Math"/>
+                        </a:rPr>
+                        <m:t>(</m:t>
+                      </m:r>
+                      <m:r>
+                        <a:rPr lang="en-US" sz="2800" b="0" i="1" smtClean="0">
+                          <a:latin typeface="Cambria Math"/>
+                        </a:rPr>
+                        <m:t>𝑛</m:t>
+                      </m:r>
+                      <m:r>
+                        <a:rPr lang="en-US" sz="2800" b="0" i="1" smtClean="0">
+                          <a:latin typeface="Cambria Math"/>
+                        </a:rPr>
+                        <m:t>)=</m:t>
+                      </m:r>
+                      <m:f>
+                        <m:fPr>
+                          <m:ctrlPr>
+                            <a:rPr lang="en-US" sz="2800" b="0" i="1" smtClean="0">
+                              <a:latin typeface="Cambria Math" panose="02040503050406030204" pitchFamily="18" charset="0"/>
+                            </a:rPr>
+                          </m:ctrlPr>
+                        </m:fPr>
+                        <m:num>
+                          <m:sSub>
+                            <m:sSubPr>
+                              <m:ctrlPr>
+                                <a:rPr lang="en-US" sz="2800" b="0" i="1" smtClean="0">
+                                  <a:latin typeface="Cambria Math" panose="02040503050406030204" pitchFamily="18" charset="0"/>
+                                </a:rPr>
+                              </m:ctrlPr>
+                            </m:sSubPr>
+                            <m:e>
+                              <m:r>
+                                <a:rPr lang="en-US" sz="2800" b="0" i="1" smtClean="0">
+                                  <a:latin typeface="Cambria Math"/>
+                                </a:rPr>
+                                <m:t>𝑇</m:t>
+                              </m:r>
+                            </m:e>
+                            <m:sub>
+                              <m:r>
+                                <a:rPr lang="en-US" sz="2800" b="0" i="1" smtClean="0">
+                                  <a:latin typeface="Cambria Math"/>
+                                </a:rPr>
+                                <m:t>1</m:t>
+                              </m:r>
+                            </m:sub>
+                          </m:sSub>
+                        </m:num>
+                        <m:den>
+                          <m:r>
+                            <a:rPr lang="en-US" sz="2800" b="0" i="1" smtClean="0">
+                              <a:latin typeface="Cambria Math"/>
+                            </a:rPr>
+                            <m:t>𝑛</m:t>
+                          </m:r>
+                          <m:sSub>
+                            <m:sSubPr>
+                              <m:ctrlPr>
+                                <a:rPr lang="en-US" sz="2800" b="0" i="1" smtClean="0">
+                                  <a:latin typeface="Cambria Math" panose="02040503050406030204" pitchFamily="18" charset="0"/>
+                                </a:rPr>
+                              </m:ctrlPr>
+                            </m:sSubPr>
+                            <m:e>
+                              <m:r>
+                                <a:rPr lang="en-US" sz="2800" b="0" i="1" smtClean="0">
+                                  <a:latin typeface="Cambria Math"/>
+                                </a:rPr>
+                                <m:t>𝑇</m:t>
+                              </m:r>
+                            </m:e>
+                            <m:sub>
+                              <m:r>
+                                <a:rPr lang="en-US" sz="2800" b="0" i="1" smtClean="0">
+                                  <a:latin typeface="Cambria Math"/>
+                                </a:rPr>
+                                <m:t>𝑛</m:t>
+                              </m:r>
+                            </m:sub>
+                          </m:sSub>
+                        </m:den>
+                      </m:f>
+                    </m:oMath>
+                  </m:oMathPara>
+                </a14:m>
+                <a:endParaRPr lang="nl-BE" sz="2800" dirty="0"/>
+              </a:p>
+            </p:txBody>
+          </p:sp>
+        </mc:Choice>
+        <mc:Fallback xmlns="">
+          <p:sp>
+            <p:nvSpPr>
+              <p:cNvPr id="6" name="TextBox 5"/>
+              <p:cNvSpPr txBox="1">
+                <a:spLocks noRot="1" noChangeAspect="1" noMove="1" noResize="1" noEditPoints="1" noAdjustHandles="1" noChangeArrowheads="1" noChangeShapeType="1" noTextEdit="1"/>
+              </p:cNvSpPr>
+              <p:nvPr/>
+            </p:nvSpPr>
+            <p:spPr>
+              <a:xfrm>
+                <a:off x="3131840" y="4365104"/>
+                <a:ext cx="2088232" cy="971741"/>
+              </a:xfrm>
+              <a:prstGeom prst="rect">
+                <a:avLst/>
+              </a:prstGeom>
+              <a:blipFill rotWithShape="1">
+                <a:blip r:embed="rId5"/>
+                <a:stretch>
+                  <a:fillRect/>
+                </a:stretch>
+              </a:blipFill>
+            </p:spPr>
+            <p:txBody>
+              <a:bodyPr/>
+              <a:lstStyle/>
+              <a:p>
+                <a:r>
+                  <a:rPr lang="nl-BE">
+                    <a:noFill/>
+                  </a:rPr>
+                  <a:t> </a:t>
+                </a:r>
+              </a:p>
+            </p:txBody>
+          </p:sp>
+        </mc:Fallback>
+      </mc:AlternateContent>
+      <mc:AlternateContent xmlns:mc="http://schemas.openxmlformats.org/markup-compatibility/2006" xmlns:a14="http://schemas.microsoft.com/office/drawing/2010/main">
+        <mc:Choice Requires="a14">
+          <p:sp>
+            <p:nvSpPr>
+              <p:cNvPr id="7" name="TextBox 6"/>
+              <p:cNvSpPr txBox="1"/>
+              <p:nvPr/>
+            </p:nvSpPr>
+            <p:spPr>
+              <a:xfrm>
+                <a:off x="2987824" y="5498068"/>
+                <a:ext cx="2088232" cy="523220"/>
+              </a:xfrm>
+              <a:prstGeom prst="rect">
+                <a:avLst/>
+              </a:prstGeom>
+              <a:noFill/>
+            </p:spPr>
+            <p:txBody>
+              <a:bodyPr wrap="square" rtlCol="0">
+                <a:spAutoFit/>
+              </a:bodyPr>
+              <a:lstStyle/>
+              <a:p>
+                <a:pPr/>
+                <a14:m>
+                  <m:oMathPara xmlns:m="http://schemas.openxmlformats.org/officeDocument/2006/math">
+                    <m:oMathParaPr>
+                      <m:jc m:val="centerGroup"/>
+                    </m:oMathParaPr>
+                    <m:oMath xmlns:m="http://schemas.openxmlformats.org/officeDocument/2006/math">
+                      <m:r>
+                        <a:rPr lang="en-US" sz="2800" b="0" i="1" smtClean="0">
+                          <a:latin typeface="Cambria Math"/>
+                        </a:rPr>
+                        <m:t>𝐸</m:t>
+                      </m:r>
+                      <m:r>
+                        <a:rPr lang="en-US" sz="2800" b="0" i="1" smtClean="0">
+                          <a:latin typeface="Cambria Math"/>
+                        </a:rPr>
+                        <m:t>(</m:t>
+                      </m:r>
+                      <m:r>
+                        <a:rPr lang="en-US" sz="2800" b="0" i="1" smtClean="0">
+                          <a:latin typeface="Cambria Math"/>
+                        </a:rPr>
+                        <m:t>𝑛</m:t>
+                      </m:r>
+                      <m:r>
+                        <a:rPr lang="en-US" sz="2800" b="0" i="1" smtClean="0">
+                          <a:latin typeface="Cambria Math"/>
+                        </a:rPr>
+                        <m:t>)=1</m:t>
+                      </m:r>
+                    </m:oMath>
+                  </m:oMathPara>
+                </a14:m>
+                <a:endParaRPr lang="nl-BE" sz="2800" dirty="0"/>
+              </a:p>
+            </p:txBody>
+          </p:sp>
+        </mc:Choice>
+        <mc:Fallback xmlns="">
+          <p:sp>
+            <p:nvSpPr>
+              <p:cNvPr id="7" name="TextBox 6"/>
+              <p:cNvSpPr txBox="1">
+                <a:spLocks noRot="1" noChangeAspect="1" noMove="1" noResize="1" noEditPoints="1" noAdjustHandles="1" noChangeArrowheads="1" noChangeShapeType="1" noTextEdit="1"/>
+              </p:cNvSpPr>
+              <p:nvPr/>
+            </p:nvSpPr>
+            <p:spPr>
+              <a:xfrm>
+                <a:off x="2987824" y="5498068"/>
+                <a:ext cx="2088232" cy="523220"/>
+              </a:xfrm>
+              <a:prstGeom prst="rect">
+                <a:avLst/>
+              </a:prstGeom>
+              <a:blipFill rotWithShape="1">
+                <a:blip r:embed="rId6"/>
+                <a:stretch>
+                  <a:fillRect/>
+                </a:stretch>
+              </a:blipFill>
+            </p:spPr>
+            <p:txBody>
+              <a:bodyPr/>
+              <a:lstStyle/>
+              <a:p>
+                <a:r>
+                  <a:rPr lang="nl-BE">
+                    <a:noFill/>
+                  </a:rPr>
+                  <a:t> </a:t>
+                </a:r>
+              </a:p>
+            </p:txBody>
+          </p:sp>
+        </mc:Fallback>
+      </mc:AlternateContent>
+      <p:sp>
+        <p:nvSpPr>
+          <p:cNvPr id="8" name="Slide Number Placeholder 7"/>
+          <p:cNvSpPr>
+            <a:spLocks noGrp="1"/>
+          </p:cNvSpPr>
+          <p:nvPr>
+            <p:ph type="sldNum" sz="quarter" idx="12"/>
+          </p:nvPr>
+        </p:nvSpPr>
+        <p:spPr/>
+        <p:txBody>
+          <a:bodyPr/>
+          <a:lstStyle/>
+          <a:p>
+            <a:fld id="{6597116C-F94B-4B5B-973A-17F07FB5C418}" type="slidenum">
+              <a:rPr lang="nl-BE" smtClean="0"/>
+              <a:t>24</a:t>
+            </a:fld>
+            <a:endParaRPr lang="nl-BE"/>
+          </a:p>
+        </p:txBody>
+      </p:sp>
+    </p:spTree>
+    <p:extLst>
+      <p:ext uri="{BB962C8B-B14F-4D97-AF65-F5344CB8AC3E}">
+        <p14:creationId xmlns:p14="http://schemas.microsoft.com/office/powerpoint/2010/main" val="963037433"/>
+      </p:ext>
+    </p:extLst>
+  </p:cSld>
+  <p:clrMapOvr>
+    <a:masterClrMapping/>
+  </p:clrMapOvr>
+  <p:timing>
+    <p:tnLst>
+      <p:par>
+        <p:cTn id="1" dur="indefinite" restart="never" nodeType="tmRoot">
+          <p:childTnLst>
+            <p:seq concurrent="1" nextAc="seek">
+              <p:cTn id="2" dur="indefinite" nodeType="mainSeq">
+                <p:childTnLst>
+                  <p:par>
+                    <p:cTn id="3" fill="hold">
+                      <p:stCondLst>
+                        <p:cond delay="indefinite"/>
+                        <p:cond evt="onBegin" delay="0">
+                          <p:tn val="2"/>
+                        </p:cond>
+                      </p:stCondLst>
+                      <p:childTnLst>
+                        <p:par>
+                          <p:cTn id="4" fill="hold">
+                            <p:stCondLst>
+                              <p:cond delay="0"/>
+                            </p:stCondLst>
+                            <p:childTnLst>
+                              <p:par>
+                                <p:cTn id="5" presetID="1" presetClass="entr" presetSubtype="0" fill="hold" grpId="0" nodeType="withEffect">
+                                  <p:stCondLst>
+                                    <p:cond delay="0"/>
+                                  </p:stCondLst>
+                                  <p:childTnLst>
+                                    <p:set>
+                                      <p:cBhvr>
+                                        <p:cTn id="6" dur="1" fill="hold">
+                                          <p:stCondLst>
+                                            <p:cond delay="0"/>
+                                          </p:stCondLst>
+                                        </p:cTn>
+                                        <p:tgtEl>
+                                          <p:spTgt spid="3">
+                                            <p:txEl>
+                                              <p:pRg st="0" end="0"/>
+                                            </p:txEl>
+                                          </p:spTgt>
+                                        </p:tgtEl>
+                                        <p:attrNameLst>
+                                          <p:attrName>style.visibility</p:attrName>
+                                        </p:attrNameLst>
+                                      </p:cBhvr>
+                                      <p:to>
+                                        <p:strVal val="visible"/>
+                                      </p:to>
+                                    </p:set>
+                                  </p:childTnLst>
+                                </p:cTn>
+                              </p:par>
+                              <p:par>
+                                <p:cTn id="7" presetID="1" presetClass="entr" presetSubtype="0" fill="hold" grpId="0" nodeType="withEffect">
+                                  <p:stCondLst>
+                                    <p:cond delay="0"/>
+                                  </p:stCondLst>
+                                  <p:childTnLst>
+                                    <p:set>
+                                      <p:cBhvr>
+                                        <p:cTn id="8" dur="1" fill="hold">
+                                          <p:stCondLst>
+                                            <p:cond delay="0"/>
+                                          </p:stCondLst>
+                                        </p:cTn>
+                                        <p:tgtEl>
+                                          <p:spTgt spid="3">
+                                            <p:txEl>
+                                              <p:pRg st="2" end="2"/>
+                                            </p:txEl>
+                                          </p:spTgt>
+                                        </p:tgtEl>
+                                        <p:attrNameLst>
+                                          <p:attrName>style.visibility</p:attrName>
+                                        </p:attrNameLst>
+                                      </p:cBhvr>
+                                      <p:to>
+                                        <p:strVal val="visible"/>
+                                      </p:to>
+                                    </p:set>
+                                  </p:childTnLst>
+                                </p:cTn>
+                              </p:par>
+                            </p:childTnLst>
+                          </p:cTn>
+                        </p:par>
+                      </p:childTnLst>
+                    </p:cTn>
+                  </p:par>
+                  <p:par>
+                    <p:cTn id="9" fill="hold">
+                      <p:stCondLst>
+                        <p:cond delay="indefinite"/>
+                      </p:stCondLst>
+                      <p:childTnLst>
+                        <p:par>
+                          <p:cTn id="10" fill="hold">
+                            <p:stCondLst>
+                              <p:cond delay="0"/>
+                            </p:stCondLst>
+                            <p:childTnLst>
+                              <p:par>
+                                <p:cTn id="11" presetID="1" presetClass="entr" presetSubtype="0" fill="hold" grpId="0" nodeType="clickEffect">
+                                  <p:stCondLst>
+                                    <p:cond delay="0"/>
+                                  </p:stCondLst>
+                                  <p:childTnLst>
+                                    <p:set>
+                                      <p:cBhvr>
+                                        <p:cTn id="12" dur="1" fill="hold">
+                                          <p:stCondLst>
+                                            <p:cond delay="0"/>
+                                          </p:stCondLst>
+                                        </p:cTn>
+                                        <p:tgtEl>
+                                          <p:spTgt spid="3">
+                                            <p:txEl>
+                                              <p:pRg st="4" end="4"/>
+                                            </p:txEl>
+                                          </p:spTgt>
+                                        </p:tgtEl>
+                                        <p:attrNameLst>
+                                          <p:attrName>style.visibility</p:attrName>
+                                        </p:attrNameLst>
+                                      </p:cBhvr>
+                                      <p:to>
+                                        <p:strVal val="visible"/>
+                                      </p:to>
+                                    </p:set>
+                                  </p:childTnLst>
+                                </p:cTn>
+                              </p:par>
+                              <p:par>
+                                <p:cTn id="13" presetID="1" presetClass="entr" presetSubtype="0" fill="hold" grpId="0" nodeType="withEffect">
+                                  <p:stCondLst>
+                                    <p:cond delay="0"/>
+                                  </p:stCondLst>
+                                  <p:childTnLst>
+                                    <p:set>
+                                      <p:cBhvr>
+                                        <p:cTn id="14" dur="1" fill="hold">
+                                          <p:stCondLst>
+                                            <p:cond delay="0"/>
+                                          </p:stCondLst>
+                                        </p:cTn>
+                                        <p:tgtEl>
+                                          <p:spTgt spid="3">
+                                            <p:txEl>
+                                              <p:pRg st="6" end="6"/>
+                                            </p:txEl>
+                                          </p:spTgt>
+                                        </p:tgtEl>
+                                        <p:attrNameLst>
+                                          <p:attrName>style.visibility</p:attrName>
+                                        </p:attrNameLst>
+                                      </p:cBhvr>
+                                      <p:to>
+                                        <p:strVal val="visible"/>
+                                      </p:to>
+                                    </p:set>
+                                  </p:childTnLst>
+                                </p:cTn>
+                              </p:par>
+                              <p:par>
+                                <p:cTn id="15" presetID="1" presetClass="entr" presetSubtype="0" fill="hold" grpId="0" nodeType="withEffect">
+                                  <p:stCondLst>
+                                    <p:cond delay="0"/>
+                                  </p:stCondLst>
+                                  <p:childTnLst>
+                                    <p:set>
+                                      <p:cBhvr>
+                                        <p:cTn id="16" dur="1" fill="hold">
+                                          <p:stCondLst>
+                                            <p:cond delay="0"/>
+                                          </p:stCondLst>
+                                        </p:cTn>
+                                        <p:tgtEl>
+                                          <p:spTgt spid="6"/>
+                                        </p:tgtEl>
+                                        <p:attrNameLst>
+                                          <p:attrName>style.visibility</p:attrName>
+                                        </p:attrNameLst>
+                                      </p:cBhvr>
+                                      <p:to>
+                                        <p:strVal val="visible"/>
+                                      </p:to>
+                                    </p:set>
+                                  </p:childTnLst>
+                                </p:cTn>
+                              </p:par>
+                              <p:par>
+                                <p:cTn id="17" presetID="1" presetClass="entr" presetSubtype="0" fill="hold" grpId="0" nodeType="withEffect">
+                                  <p:stCondLst>
+                                    <p:cond delay="0"/>
+                                  </p:stCondLst>
+                                  <p:childTnLst>
+                                    <p:set>
+                                      <p:cBhvr>
+                                        <p:cTn id="18" dur="1" fill="hold">
+                                          <p:stCondLst>
+                                            <p:cond delay="0"/>
+                                          </p:stCondLst>
+                                        </p:cTn>
+                                        <p:tgtEl>
+                                          <p:spTgt spid="7"/>
+                                        </p:tgtEl>
+                                        <p:attrNameLst>
+                                          <p:attrName>style.visibility</p:attrName>
+                                        </p:attrNameLst>
+                                      </p:cBhvr>
+                                      <p:to>
+                                        <p:strVal val="visible"/>
+                                      </p:to>
+                                    </p:set>
+                                  </p:childTnLst>
+                                </p:cTn>
+                              </p:par>
+                            </p:childTnLst>
+                          </p:cTn>
+                        </p:par>
+                      </p:childTnLst>
+                    </p:cTn>
+                  </p:par>
+                </p:childTnLst>
+              </p:cTn>
+              <p:prevCondLst>
+                <p:cond evt="onPrev" delay="0">
+                  <p:tgtEl>
+                    <p:sldTgt/>
+                  </p:tgtEl>
+                </p:cond>
+              </p:prevCondLst>
+              <p:nextCondLst>
+                <p:cond evt="onNext" delay="0">
+                  <p:tgtEl>
+                    <p:sldTgt/>
+                  </p:tgtEl>
+                </p:cond>
+              </p:nextCondLst>
+            </p:seq>
+          </p:childTnLst>
+        </p:cTn>
+      </p:par>
+    </p:tnLst>
+    <p:bldLst>
+      <p:bldP spid="3" grpId="0" build="p"/>
+      <p:bldP spid="6" grpId="0"/>
+      <p:bldP spid="7" grpId="0"/>
+    </p:bldLst>
+  </p:timing>
+</p:sld>
+</file>
+
+<file path=ppt/slides/slide25.xml><?xml version="1.0" encoding="utf-8"?>
+<p:sld xmlns:a="http://schemas.openxmlformats.org/drawingml/2006/main" xmlns:r="http://schemas.openxmlformats.org/officeDocument/2006/relationships" xmlns:p="http://schemas.openxmlformats.org/presentationml/2006/main">
+  <p:cSld>
+    <p:spTree>
+      <p:nvGrpSpPr>
+        <p:cNvPr id="1" name=""/>
+        <p:cNvGrpSpPr/>
+        <p:nvPr/>
+      </p:nvGrpSpPr>
+      <p:grpSpPr>
+        <a:xfrm>
+          <a:off x="0" y="0"/>
+          <a:ext cx="0" cy="0"/>
+          <a:chOff x="0" y="0"/>
+          <a:chExt cx="0" cy="0"/>
+        </a:xfrm>
+      </p:grpSpPr>
+      <p:sp>
+        <p:nvSpPr>
+          <p:cNvPr id="2" name="Title 1"/>
+          <p:cNvSpPr>
+            <a:spLocks noGrp="1"/>
+          </p:cNvSpPr>
+          <p:nvPr>
+            <p:ph type="title"/>
+          </p:nvPr>
+        </p:nvSpPr>
+        <p:spPr/>
+        <p:txBody>
+          <a:bodyPr/>
+          <a:lstStyle/>
+          <a:p>
+            <a:r>
+              <a:rPr lang="en-US" dirty="0" smtClean="0"/>
+              <a:t>Strong scaling: oops!?!</a:t>
+            </a:r>
+            <a:endParaRPr lang="nl-BE" dirty="0"/>
+          </a:p>
+        </p:txBody>
+      </p:sp>
+      <mc:AlternateContent xmlns:mc="http://schemas.openxmlformats.org/markup-compatibility/2006" xmlns:a14="http://schemas.microsoft.com/office/drawing/2010/main">
+        <mc:Choice Requires="a14">
+          <p:sp>
+            <p:nvSpPr>
+              <p:cNvPr id="3" name="Content Placeholder 2"/>
+              <p:cNvSpPr>
+                <a:spLocks noGrp="1"/>
+              </p:cNvSpPr>
+              <p:nvPr>
+                <p:ph idx="1"/>
+              </p:nvPr>
+            </p:nvSpPr>
+            <p:spPr/>
+            <p:txBody>
+              <a:bodyPr>
+                <a:normAutofit lnSpcReduction="10000"/>
+              </a:bodyPr>
+              <a:lstStyle/>
+              <a:p>
+                <a:r>
+                  <a:rPr lang="en-US" dirty="0" smtClean="0"/>
+                  <a:t>Some parts of a program </a:t>
+                </a:r>
+                <a:r>
+                  <a:rPr lang="en-US" dirty="0" err="1" smtClean="0"/>
+                  <a:t>can not</a:t>
+                </a:r>
+                <a:r>
+                  <a:rPr lang="en-US" dirty="0" smtClean="0"/>
+                  <a:t> be parallelized (effectively)</a:t>
+                </a:r>
+              </a:p>
+              <a:p>
+                <a:pPr lvl="1"/>
+                <a:r>
+                  <a:rPr lang="en-US" dirty="0" smtClean="0"/>
+                  <a:t>so </a:t>
+                </a:r>
+                <a14:m>
+                  <m:oMath xmlns:m="http://schemas.openxmlformats.org/officeDocument/2006/math">
+                    <m:sSub>
+                      <m:sSubPr>
+                        <m:ctrlPr>
+                          <a:rPr lang="en-US" i="1" smtClean="0">
+                            <a:latin typeface="Cambria Math" panose="02040503050406030204" pitchFamily="18" charset="0"/>
+                          </a:rPr>
+                        </m:ctrlPr>
+                      </m:sSubPr>
+                      <m:e>
+                        <m:r>
+                          <a:rPr lang="en-US" b="0" i="1" smtClean="0">
+                            <a:latin typeface="Cambria Math"/>
+                          </a:rPr>
+                          <m:t>𝑇</m:t>
+                        </m:r>
+                      </m:e>
+                      <m:sub>
+                        <m:r>
+                          <a:rPr lang="en-US" b="0" i="1" smtClean="0">
+                            <a:latin typeface="Cambria Math"/>
+                          </a:rPr>
+                          <m:t>1</m:t>
+                        </m:r>
+                      </m:sub>
+                    </m:sSub>
+                    <m:r>
+                      <a:rPr lang="en-US" b="0" i="1" smtClean="0">
+                        <a:latin typeface="Cambria Math"/>
+                      </a:rPr>
+                      <m:t>=</m:t>
+                    </m:r>
+                    <m:sSub>
+                      <m:sSubPr>
+                        <m:ctrlPr>
+                          <a:rPr lang="en-US" b="0" i="1" smtClean="0">
+                            <a:latin typeface="Cambria Math" panose="02040503050406030204" pitchFamily="18" charset="0"/>
+                          </a:rPr>
+                        </m:ctrlPr>
+                      </m:sSubPr>
+                      <m:e>
+                        <m:r>
+                          <a:rPr lang="en-US" b="0" i="1" smtClean="0">
+                            <a:latin typeface="Cambria Math"/>
+                          </a:rPr>
+                          <m:t>𝑇</m:t>
+                        </m:r>
+                      </m:e>
+                      <m:sub>
+                        <m:r>
+                          <a:rPr lang="en-US" b="0" i="1" smtClean="0">
+                            <a:latin typeface="Cambria Math"/>
+                          </a:rPr>
+                          <m:t>𝑠</m:t>
+                        </m:r>
+                      </m:sub>
+                    </m:sSub>
+                    <m:r>
+                      <a:rPr lang="en-US" b="0" i="1" smtClean="0">
+                        <a:latin typeface="Cambria Math"/>
+                      </a:rPr>
+                      <m:t>+</m:t>
+                    </m:r>
+                    <m:sSub>
+                      <m:sSubPr>
+                        <m:ctrlPr>
+                          <a:rPr lang="en-US" b="0" i="1" smtClean="0">
+                            <a:latin typeface="Cambria Math" panose="02040503050406030204" pitchFamily="18" charset="0"/>
+                          </a:rPr>
+                        </m:ctrlPr>
+                      </m:sSubPr>
+                      <m:e>
+                        <m:r>
+                          <a:rPr lang="en-US" b="0" i="1" smtClean="0">
+                            <a:latin typeface="Cambria Math"/>
+                          </a:rPr>
+                          <m:t>𝑇</m:t>
+                        </m:r>
+                      </m:e>
+                      <m:sub>
+                        <m:r>
+                          <a:rPr lang="en-US" b="0" i="1" smtClean="0">
+                            <a:latin typeface="Cambria Math"/>
+                          </a:rPr>
+                          <m:t>𝑝</m:t>
+                        </m:r>
+                      </m:sub>
+                    </m:sSub>
+                  </m:oMath>
+                </a14:m>
+                <a:endParaRPr lang="en-US" b="0" dirty="0" smtClean="0"/>
+              </a:p>
+              <a:p>
+                <a:pPr lvl="1"/>
+                <a:r>
+                  <a:rPr lang="en-US" dirty="0" smtClean="0"/>
+                  <a:t>b</a:t>
+                </a:r>
+                <a14:m>
+                  <m:oMath xmlns:m="http://schemas.openxmlformats.org/officeDocument/2006/math">
+                    <m:r>
+                      <m:rPr>
+                        <m:sty m:val="p"/>
+                      </m:rPr>
+                      <a:rPr lang="en-US" b="0" i="0" smtClean="0">
+                        <a:latin typeface="Cambria Math"/>
+                      </a:rPr>
+                      <m:t>ut</m:t>
+                    </m:r>
+                    <m:r>
+                      <a:rPr lang="en-US" b="0" i="0" smtClean="0">
+                        <a:latin typeface="Cambria Math"/>
+                      </a:rPr>
+                      <m:t> </m:t>
+                    </m:r>
+                    <m:r>
+                      <m:rPr>
+                        <m:sty m:val="p"/>
+                      </m:rPr>
+                      <a:rPr lang="en-US" b="0" i="0" smtClean="0">
+                        <a:latin typeface="Cambria Math"/>
+                      </a:rPr>
+                      <m:t>also</m:t>
+                    </m:r>
+                    <m:r>
+                      <a:rPr lang="en-US" b="0" i="0" smtClean="0">
+                        <a:latin typeface="Cambria Math"/>
+                      </a:rPr>
+                      <m:t> </m:t>
+                    </m:r>
+                    <m:sSub>
+                      <m:sSubPr>
+                        <m:ctrlPr>
+                          <a:rPr lang="en-US" i="1" smtClean="0">
+                            <a:latin typeface="Cambria Math" panose="02040503050406030204" pitchFamily="18" charset="0"/>
+                          </a:rPr>
+                        </m:ctrlPr>
+                      </m:sSubPr>
+                      <m:e>
+                        <m:r>
+                          <a:rPr lang="en-US" b="0" i="1" smtClean="0">
+                            <a:latin typeface="Cambria Math"/>
+                          </a:rPr>
+                          <m:t>𝑇</m:t>
+                        </m:r>
+                      </m:e>
+                      <m:sub>
+                        <m:r>
+                          <a:rPr lang="en-US" b="0" i="1" smtClean="0">
+                            <a:latin typeface="Cambria Math"/>
+                          </a:rPr>
+                          <m:t>𝑛</m:t>
+                        </m:r>
+                      </m:sub>
+                    </m:sSub>
+                    <m:r>
+                      <a:rPr lang="en-US" b="0" i="1" smtClean="0">
+                        <a:latin typeface="Cambria Math"/>
+                      </a:rPr>
+                      <m:t>=</m:t>
+                    </m:r>
+                    <m:sSub>
+                      <m:sSubPr>
+                        <m:ctrlPr>
+                          <a:rPr lang="en-US" b="0" i="1" smtClean="0">
+                            <a:latin typeface="Cambria Math" panose="02040503050406030204" pitchFamily="18" charset="0"/>
+                          </a:rPr>
+                        </m:ctrlPr>
+                      </m:sSubPr>
+                      <m:e>
+                        <m:r>
+                          <a:rPr lang="en-US" b="0" i="1" smtClean="0">
+                            <a:latin typeface="Cambria Math"/>
+                          </a:rPr>
+                          <m:t>𝑇</m:t>
+                        </m:r>
+                      </m:e>
+                      <m:sub>
+                        <m:r>
+                          <a:rPr lang="en-US" b="0" i="1" smtClean="0">
+                            <a:latin typeface="Cambria Math"/>
+                          </a:rPr>
+                          <m:t>𝑠</m:t>
+                        </m:r>
+                      </m:sub>
+                    </m:sSub>
+                    <m:r>
+                      <a:rPr lang="en-US" b="0" i="1" smtClean="0">
+                        <a:latin typeface="Cambria Math"/>
+                      </a:rPr>
+                      <m:t>+</m:t>
+                    </m:r>
+                    <m:f>
+                      <m:fPr>
+                        <m:ctrlPr>
+                          <a:rPr lang="en-US" b="0" i="1" smtClean="0">
+                            <a:latin typeface="Cambria Math" panose="02040503050406030204" pitchFamily="18" charset="0"/>
+                          </a:rPr>
+                        </m:ctrlPr>
+                      </m:fPr>
+                      <m:num>
+                        <m:sSub>
+                          <m:sSubPr>
+                            <m:ctrlPr>
+                              <a:rPr lang="en-US" b="0" i="1" smtClean="0">
+                                <a:latin typeface="Cambria Math" panose="02040503050406030204" pitchFamily="18" charset="0"/>
+                              </a:rPr>
+                            </m:ctrlPr>
+                          </m:sSubPr>
+                          <m:e>
+                            <m:r>
+                              <a:rPr lang="en-US" b="0" i="1" smtClean="0">
+                                <a:latin typeface="Cambria Math"/>
+                              </a:rPr>
+                              <m:t>𝑇</m:t>
+                            </m:r>
+                          </m:e>
+                          <m:sub>
+                            <m:r>
+                              <a:rPr lang="en-US" b="0" i="1" smtClean="0">
+                                <a:latin typeface="Cambria Math"/>
+                              </a:rPr>
+                              <m:t>𝑝</m:t>
+                            </m:r>
+                          </m:sub>
+                        </m:sSub>
+                      </m:num>
+                      <m:den>
+                        <m:r>
+                          <a:rPr lang="en-US" b="0" i="1" smtClean="0">
+                            <a:latin typeface="Cambria Math"/>
+                          </a:rPr>
+                          <m:t>𝑛</m:t>
+                        </m:r>
+                      </m:den>
+                    </m:f>
+                  </m:oMath>
+                </a14:m>
+                <a:endParaRPr lang="en-US" b="0" dirty="0" smtClean="0"/>
+              </a:p>
+              <a:p>
+                <a:pPr lvl="1"/>
+                <a:r>
+                  <a:rPr lang="en-US" dirty="0" smtClean="0"/>
+                  <a:t>and hence </a:t>
+                </a:r>
+                <a14:m>
+                  <m:oMath xmlns:m="http://schemas.openxmlformats.org/officeDocument/2006/math">
+                    <m:r>
+                      <a:rPr lang="en-US" b="0" i="1" smtClean="0">
+                        <a:latin typeface="Cambria Math"/>
+                      </a:rPr>
+                      <m:t>𝑆</m:t>
+                    </m:r>
+                    <m:d>
+                      <m:dPr>
+                        <m:ctrlPr>
+                          <a:rPr lang="en-US" b="0" i="1" smtClean="0">
+                            <a:latin typeface="Cambria Math" panose="02040503050406030204" pitchFamily="18" charset="0"/>
+                          </a:rPr>
+                        </m:ctrlPr>
+                      </m:dPr>
+                      <m:e>
+                        <m:r>
+                          <a:rPr lang="en-US" b="0" i="1" smtClean="0">
+                            <a:latin typeface="Cambria Math"/>
+                          </a:rPr>
+                          <m:t>𝑛</m:t>
+                        </m:r>
+                      </m:e>
+                    </m:d>
+                    <m:r>
+                      <a:rPr lang="en-US" b="0" i="1" smtClean="0">
+                        <a:latin typeface="Cambria Math"/>
+                      </a:rPr>
+                      <m:t>=</m:t>
+                    </m:r>
+                    <m:f>
+                      <m:fPr>
+                        <m:ctrlPr>
+                          <a:rPr lang="en-US" b="0" i="1" smtClean="0">
+                            <a:latin typeface="Cambria Math" panose="02040503050406030204" pitchFamily="18" charset="0"/>
+                          </a:rPr>
+                        </m:ctrlPr>
+                      </m:fPr>
+                      <m:num>
+                        <m:sSub>
+                          <m:sSubPr>
+                            <m:ctrlPr>
+                              <a:rPr lang="en-US" b="0" i="1" smtClean="0">
+                                <a:latin typeface="Cambria Math" panose="02040503050406030204" pitchFamily="18" charset="0"/>
+                              </a:rPr>
+                            </m:ctrlPr>
+                          </m:sSubPr>
+                          <m:e>
+                            <m:r>
+                              <a:rPr lang="en-US" b="0" i="1" smtClean="0">
+                                <a:latin typeface="Cambria Math"/>
+                              </a:rPr>
+                              <m:t>𝑇</m:t>
+                            </m:r>
+                          </m:e>
+                          <m:sub>
+                            <m:r>
+                              <a:rPr lang="en-US" b="0" i="1" smtClean="0">
+                                <a:latin typeface="Cambria Math"/>
+                              </a:rPr>
+                              <m:t>𝑠</m:t>
+                            </m:r>
+                          </m:sub>
+                        </m:sSub>
+                        <m:r>
+                          <a:rPr lang="en-US" b="0" i="1" smtClean="0">
+                            <a:latin typeface="Cambria Math"/>
+                          </a:rPr>
+                          <m:t>+</m:t>
+                        </m:r>
+                        <m:sSub>
+                          <m:sSubPr>
+                            <m:ctrlPr>
+                              <a:rPr lang="en-US" b="0" i="1" smtClean="0">
+                                <a:latin typeface="Cambria Math" panose="02040503050406030204" pitchFamily="18" charset="0"/>
+                              </a:rPr>
+                            </m:ctrlPr>
+                          </m:sSubPr>
+                          <m:e>
+                            <m:r>
+                              <a:rPr lang="en-US" b="0" i="1" smtClean="0">
+                                <a:latin typeface="Cambria Math"/>
+                              </a:rPr>
+                              <m:t>𝑇</m:t>
+                            </m:r>
+                          </m:e>
+                          <m:sub>
+                            <m:r>
+                              <a:rPr lang="en-US" b="0" i="1" smtClean="0">
+                                <a:latin typeface="Cambria Math"/>
+                              </a:rPr>
+                              <m:t>𝑝</m:t>
+                            </m:r>
+                          </m:sub>
+                        </m:sSub>
+                      </m:num>
+                      <m:den>
+                        <m:sSub>
+                          <m:sSubPr>
+                            <m:ctrlPr>
+                              <a:rPr lang="en-US" b="0" i="1" smtClean="0">
+                                <a:latin typeface="Cambria Math" panose="02040503050406030204" pitchFamily="18" charset="0"/>
+                              </a:rPr>
+                            </m:ctrlPr>
+                          </m:sSubPr>
+                          <m:e>
+                            <m:r>
+                              <a:rPr lang="en-US" b="0" i="1" smtClean="0">
+                                <a:latin typeface="Cambria Math"/>
+                              </a:rPr>
+                              <m:t>𝑇</m:t>
+                            </m:r>
+                          </m:e>
+                          <m:sub>
+                            <m:r>
+                              <a:rPr lang="en-US" b="0" i="1" smtClean="0">
+                                <a:latin typeface="Cambria Math"/>
+                              </a:rPr>
+                              <m:t>𝑠</m:t>
+                            </m:r>
+                          </m:sub>
+                        </m:sSub>
+                        <m:r>
+                          <a:rPr lang="en-US" b="0" i="1" smtClean="0">
+                            <a:latin typeface="Cambria Math"/>
+                          </a:rPr>
+                          <m:t>+</m:t>
+                        </m:r>
+                        <m:f>
+                          <m:fPr>
+                            <m:ctrlPr>
+                              <a:rPr lang="en-US" b="0" i="1" smtClean="0">
+                                <a:latin typeface="Cambria Math" panose="02040503050406030204" pitchFamily="18" charset="0"/>
+                              </a:rPr>
+                            </m:ctrlPr>
+                          </m:fPr>
+                          <m:num>
+                            <m:sSub>
+                              <m:sSubPr>
+                                <m:ctrlPr>
+                                  <a:rPr lang="en-US" b="0" i="1" smtClean="0">
+                                    <a:latin typeface="Cambria Math" panose="02040503050406030204" pitchFamily="18" charset="0"/>
+                                  </a:rPr>
+                                </m:ctrlPr>
+                              </m:sSubPr>
+                              <m:e>
+                                <m:r>
+                                  <a:rPr lang="en-US" b="0" i="1" smtClean="0">
+                                    <a:latin typeface="Cambria Math"/>
+                                  </a:rPr>
+                                  <m:t>𝑇</m:t>
+                                </m:r>
+                              </m:e>
+                              <m:sub>
+                                <m:r>
+                                  <a:rPr lang="en-US" b="0" i="1" smtClean="0">
+                                    <a:latin typeface="Cambria Math"/>
+                                  </a:rPr>
+                                  <m:t>𝑝</m:t>
+                                </m:r>
+                              </m:sub>
+                            </m:sSub>
+                          </m:num>
+                          <m:den>
+                            <m:r>
+                              <a:rPr lang="en-US" b="0" i="1" smtClean="0">
+                                <a:latin typeface="Cambria Math"/>
+                              </a:rPr>
+                              <m:t>𝑛</m:t>
+                            </m:r>
+                          </m:den>
+                        </m:f>
+                      </m:den>
+                    </m:f>
+                  </m:oMath>
+                </a14:m>
+                <a:endParaRPr lang="en-US" dirty="0" smtClean="0"/>
+              </a:p>
+              <a:p>
+                <a:pPr lvl="1"/>
+                <a:r>
+                  <a:rPr lang="en-US" dirty="0" smtClean="0"/>
+                  <a:t>so even for </a:t>
+                </a:r>
+                <a14:m>
+                  <m:oMath xmlns:m="http://schemas.openxmlformats.org/officeDocument/2006/math">
+                    <m:r>
+                      <a:rPr lang="en-US" b="0" i="1" smtClean="0">
+                        <a:latin typeface="Cambria Math"/>
+                      </a:rPr>
+                      <m:t>𝑛</m:t>
+                    </m:r>
+                    <m:r>
+                      <a:rPr lang="en-US" b="0" i="1" smtClean="0">
+                        <a:latin typeface="Cambria Math"/>
+                        <a:ea typeface="Cambria Math"/>
+                      </a:rPr>
+                      <m:t>→∞</m:t>
+                    </m:r>
+                  </m:oMath>
+                </a14:m>
+                <a:r>
+                  <a:rPr lang="en-US" dirty="0" smtClean="0"/>
+                  <a:t> one has</a:t>
+                </a:r>
+                <a:br>
+                  <a:rPr lang="en-US" dirty="0" smtClean="0"/>
+                </a:br>
+                <a:r>
+                  <a:rPr lang="en-US" dirty="0" smtClean="0"/>
+                  <a:t>       </a:t>
+                </a:r>
+                <a14:m>
+                  <m:oMath xmlns:m="http://schemas.openxmlformats.org/officeDocument/2006/math">
+                    <m:r>
+                      <a:rPr lang="en-US" b="0" i="1" smtClean="0">
+                        <a:latin typeface="Cambria Math"/>
+                      </a:rPr>
+                      <m:t>𝑆</m:t>
+                    </m:r>
+                    <m:d>
+                      <m:dPr>
+                        <m:ctrlPr>
+                          <a:rPr lang="en-US" b="0" i="1" smtClean="0">
+                            <a:latin typeface="Cambria Math" panose="02040503050406030204" pitchFamily="18" charset="0"/>
+                          </a:rPr>
+                        </m:ctrlPr>
+                      </m:dPr>
+                      <m:e>
+                        <m:r>
+                          <a:rPr lang="en-US" b="0" i="1" smtClean="0">
+                            <a:latin typeface="Cambria Math"/>
+                            <a:ea typeface="Cambria Math"/>
+                          </a:rPr>
+                          <m:t>∞</m:t>
+                        </m:r>
+                      </m:e>
+                    </m:d>
+                    <m:r>
+                      <a:rPr lang="en-US" b="0" i="1" smtClean="0">
+                        <a:latin typeface="Cambria Math"/>
+                      </a:rPr>
+                      <m:t>=</m:t>
+                    </m:r>
+                    <m:f>
+                      <m:fPr>
+                        <m:ctrlPr>
+                          <a:rPr lang="en-US" b="0" i="1" smtClean="0">
+                            <a:latin typeface="Cambria Math" panose="02040503050406030204" pitchFamily="18" charset="0"/>
+                          </a:rPr>
+                        </m:ctrlPr>
+                      </m:fPr>
+                      <m:num>
+                        <m:sSub>
+                          <m:sSubPr>
+                            <m:ctrlPr>
+                              <a:rPr lang="en-US" b="0" i="1" smtClean="0">
+                                <a:latin typeface="Cambria Math" panose="02040503050406030204" pitchFamily="18" charset="0"/>
+                              </a:rPr>
+                            </m:ctrlPr>
+                          </m:sSubPr>
+                          <m:e>
+                            <m:r>
+                              <a:rPr lang="en-US" b="0" i="1" smtClean="0">
+                                <a:latin typeface="Cambria Math"/>
+                              </a:rPr>
+                              <m:t>𝑇</m:t>
+                            </m:r>
+                          </m:e>
+                          <m:sub>
+                            <m:r>
+                              <a:rPr lang="en-US" b="0" i="1" smtClean="0">
+                                <a:latin typeface="Cambria Math"/>
+                              </a:rPr>
+                              <m:t>𝑠</m:t>
+                            </m:r>
+                          </m:sub>
+                        </m:sSub>
+                        <m:r>
+                          <a:rPr lang="en-US" b="0" i="1" smtClean="0">
+                            <a:latin typeface="Cambria Math"/>
+                          </a:rPr>
+                          <m:t>+</m:t>
+                        </m:r>
+                        <m:sSub>
+                          <m:sSubPr>
+                            <m:ctrlPr>
+                              <a:rPr lang="en-US" b="0" i="1" smtClean="0">
+                                <a:latin typeface="Cambria Math" panose="02040503050406030204" pitchFamily="18" charset="0"/>
+                              </a:rPr>
+                            </m:ctrlPr>
+                          </m:sSubPr>
+                          <m:e>
+                            <m:r>
+                              <a:rPr lang="en-US" b="0" i="1" smtClean="0">
+                                <a:latin typeface="Cambria Math"/>
+                              </a:rPr>
+                              <m:t>𝑇</m:t>
+                            </m:r>
+                          </m:e>
+                          <m:sub>
+                            <m:r>
+                              <a:rPr lang="en-US" b="0" i="1" smtClean="0">
+                                <a:latin typeface="Cambria Math"/>
+                              </a:rPr>
+                              <m:t>𝑝</m:t>
+                            </m:r>
+                          </m:sub>
+                        </m:sSub>
+                      </m:num>
+                      <m:den>
+                        <m:sSub>
+                          <m:sSubPr>
+                            <m:ctrlPr>
+                              <a:rPr lang="en-US" b="0" i="1" smtClean="0">
+                                <a:latin typeface="Cambria Math" panose="02040503050406030204" pitchFamily="18" charset="0"/>
+                              </a:rPr>
+                            </m:ctrlPr>
+                          </m:sSubPr>
+                          <m:e>
+                            <m:r>
+                              <a:rPr lang="en-US" b="0" i="1" smtClean="0">
+                                <a:latin typeface="Cambria Math"/>
+                              </a:rPr>
+                              <m:t>𝑇</m:t>
+                            </m:r>
+                          </m:e>
+                          <m:sub>
+                            <m:r>
+                              <a:rPr lang="en-US" b="0" i="1" smtClean="0">
+                                <a:latin typeface="Cambria Math"/>
+                              </a:rPr>
+                              <m:t>𝑠</m:t>
+                            </m:r>
+                          </m:sub>
+                        </m:sSub>
+                      </m:den>
+                    </m:f>
+                    <m:r>
+                      <a:rPr lang="en-US" b="0" i="1" smtClean="0">
+                        <a:latin typeface="Cambria Math"/>
+                      </a:rPr>
+                      <m:t>=1+</m:t>
+                    </m:r>
+                    <m:f>
+                      <m:fPr>
+                        <m:ctrlPr>
+                          <a:rPr lang="en-US" b="0" i="1" smtClean="0">
+                            <a:latin typeface="Cambria Math" panose="02040503050406030204" pitchFamily="18" charset="0"/>
+                          </a:rPr>
+                        </m:ctrlPr>
+                      </m:fPr>
+                      <m:num>
+                        <m:sSub>
+                          <m:sSubPr>
+                            <m:ctrlPr>
+                              <a:rPr lang="en-US" b="0" i="1" smtClean="0">
+                                <a:latin typeface="Cambria Math" panose="02040503050406030204" pitchFamily="18" charset="0"/>
+                              </a:rPr>
+                            </m:ctrlPr>
+                          </m:sSubPr>
+                          <m:e>
+                            <m:r>
+                              <a:rPr lang="en-US" b="0" i="1" smtClean="0">
+                                <a:latin typeface="Cambria Math"/>
+                              </a:rPr>
+                              <m:t>𝑇</m:t>
+                            </m:r>
+                          </m:e>
+                          <m:sub>
+                            <m:r>
+                              <a:rPr lang="en-US" b="0" i="1" smtClean="0">
+                                <a:latin typeface="Cambria Math"/>
+                              </a:rPr>
+                              <m:t>𝑝</m:t>
+                            </m:r>
+                          </m:sub>
+                        </m:sSub>
+                      </m:num>
+                      <m:den>
+                        <m:sSub>
+                          <m:sSubPr>
+                            <m:ctrlPr>
+                              <a:rPr lang="en-US" b="0" i="1" smtClean="0">
+                                <a:latin typeface="Cambria Math" panose="02040503050406030204" pitchFamily="18" charset="0"/>
+                              </a:rPr>
+                            </m:ctrlPr>
+                          </m:sSubPr>
+                          <m:e>
+                            <m:r>
+                              <a:rPr lang="en-US" b="0" i="1" smtClean="0">
+                                <a:latin typeface="Cambria Math"/>
+                              </a:rPr>
+                              <m:t>𝑇</m:t>
+                            </m:r>
+                          </m:e>
+                          <m:sub>
+                            <m:r>
+                              <a:rPr lang="en-US" b="0" i="1" smtClean="0">
+                                <a:latin typeface="Cambria Math"/>
+                              </a:rPr>
+                              <m:t>𝑠</m:t>
+                            </m:r>
+                          </m:sub>
+                        </m:sSub>
+                      </m:den>
+                    </m:f>
+                  </m:oMath>
+                </a14:m>
+                <a:endParaRPr lang="en-US" dirty="0" smtClean="0"/>
+              </a:p>
+            </p:txBody>
+          </p:sp>
+        </mc:Choice>
+        <mc:Fallback xmlns="">
+          <p:sp>
+            <p:nvSpPr>
+              <p:cNvPr id="3" name="Content Placeholder 2"/>
+              <p:cNvSpPr>
+                <a:spLocks noGrp="1" noRot="1" noChangeAspect="1" noMove="1" noResize="1" noEditPoints="1" noAdjustHandles="1" noChangeArrowheads="1" noChangeShapeType="1" noTextEdit="1"/>
+              </p:cNvSpPr>
+              <p:nvPr>
+                <p:ph idx="1"/>
+              </p:nvPr>
+            </p:nvSpPr>
+            <p:spPr>
+              <a:blipFill rotWithShape="1">
+                <a:blip r:embed="rId2"/>
+                <a:stretch>
+                  <a:fillRect l="-1630" t="-2830"/>
+                </a:stretch>
+              </a:blipFill>
+            </p:spPr>
+            <p:txBody>
+              <a:bodyPr/>
+              <a:lstStyle/>
+              <a:p>
+                <a:r>
+                  <a:rPr lang="nl-BE">
+                    <a:noFill/>
+                  </a:rPr>
+                  <a:t> </a:t>
+                </a:r>
+              </a:p>
+            </p:txBody>
+          </p:sp>
+        </mc:Fallback>
+      </mc:AlternateContent>
+      <p:sp>
+        <p:nvSpPr>
+          <p:cNvPr id="4" name="TextBox 3"/>
+          <p:cNvSpPr txBox="1"/>
+          <p:nvPr/>
+        </p:nvSpPr>
+        <p:spPr>
+          <a:xfrm>
+            <a:off x="5364088" y="2780928"/>
+            <a:ext cx="3419398" cy="1384995"/>
+          </a:xfrm>
+          <a:prstGeom prst="rect">
+            <a:avLst/>
+          </a:prstGeom>
+          <a:noFill/>
+          <a:ln>
+            <a:solidFill>
+              <a:schemeClr val="tx1"/>
+            </a:solidFill>
+          </a:ln>
+        </p:spPr>
+        <p:txBody>
+          <a:bodyPr wrap="none" rtlCol="0">
+            <a:spAutoFit/>
+          </a:bodyPr>
+          <a:lstStyle/>
+          <a:p>
+            <a:r>
+              <a:rPr lang="en-US" sz="2800" dirty="0" smtClean="0"/>
+              <a:t>Hard limit on speedup</a:t>
+            </a:r>
+            <a:br>
+              <a:rPr lang="en-US" sz="2800" dirty="0" smtClean="0"/>
+            </a:br>
+            <a:r>
+              <a:rPr lang="en-US" sz="2800" dirty="0" smtClean="0"/>
+              <a:t>due to serial part:</a:t>
+            </a:r>
+            <a:br>
+              <a:rPr lang="en-US" sz="2800" dirty="0" smtClean="0"/>
+            </a:br>
+            <a:r>
+              <a:rPr lang="en-US" sz="2800" dirty="0" smtClean="0"/>
+              <a:t>Amdahl's law</a:t>
+            </a:r>
+            <a:endParaRPr lang="nl-BE" sz="2800" dirty="0"/>
+          </a:p>
+        </p:txBody>
+      </p:sp>
+      <p:sp>
+        <p:nvSpPr>
+          <p:cNvPr id="5" name="Slide Number Placeholder 4"/>
+          <p:cNvSpPr>
+            <a:spLocks noGrp="1"/>
+          </p:cNvSpPr>
+          <p:nvPr>
+            <p:ph type="sldNum" sz="quarter" idx="12"/>
+          </p:nvPr>
+        </p:nvSpPr>
+        <p:spPr/>
+        <p:txBody>
+          <a:bodyPr/>
+          <a:lstStyle/>
+          <a:p>
+            <a:fld id="{6597116C-F94B-4B5B-973A-17F07FB5C418}" type="slidenum">
+              <a:rPr lang="nl-BE" smtClean="0"/>
+              <a:t>25</a:t>
+            </a:fld>
+            <a:endParaRPr lang="nl-BE"/>
+          </a:p>
+        </p:txBody>
+      </p:sp>
+    </p:spTree>
+    <p:extLst>
+      <p:ext uri="{BB962C8B-B14F-4D97-AF65-F5344CB8AC3E}">
+        <p14:creationId xmlns:p14="http://schemas.microsoft.com/office/powerpoint/2010/main" val="3946563152"/>
+      </p:ext>
+    </p:extLst>
+  </p:cSld>
+  <p:clrMapOvr>
+    <a:masterClrMapping/>
+  </p:clrMapOvr>
+  <p:timing>
+    <p:tnLst>
+      <p:par>
+        <p:cTn id="1" dur="indefinite" restart="never" nodeType="tmRoot">
+          <p:childTnLst>
+            <p:seq concurrent="1" nextAc="seek">
+              <p:cTn id="2" dur="indefinite" nodeType="mainSeq">
+                <p:childTnLst>
+                  <p:par>
+                    <p:cTn id="3" fill="hold">
+                      <p:stCondLst>
+                        <p:cond delay="indefinite"/>
+                        <p:cond evt="onBegin" delay="0">
+                          <p:tn val="2"/>
+                        </p:cond>
+                      </p:stCondLst>
+                      <p:childTnLst>
+                        <p:par>
+                          <p:cTn id="4" fill="hold">
+                            <p:stCondLst>
+                              <p:cond delay="0"/>
+                            </p:stCondLst>
+                            <p:childTnLst>
+                              <p:par>
+                                <p:cTn id="5" presetID="1" presetClass="entr" presetSubtype="0" fill="hold" grpId="0" nodeType="withEffect">
+                                  <p:stCondLst>
+                                    <p:cond delay="0"/>
+                                  </p:stCondLst>
+                                  <p:childTnLst>
+                                    <p:set>
+                                      <p:cBhvr>
+                                        <p:cTn id="6" dur="1" fill="hold">
+                                          <p:stCondLst>
+                                            <p:cond delay="0"/>
+                                          </p:stCondLst>
+                                        </p:cTn>
+                                        <p:tgtEl>
+                                          <p:spTgt spid="3">
+                                            <p:txEl>
+                                              <p:pRg st="0" end="0"/>
+                                            </p:txEl>
+                                          </p:spTgt>
+                                        </p:tgtEl>
+                                        <p:attrNameLst>
+                                          <p:attrName>style.visibility</p:attrName>
+                                        </p:attrNameLst>
+                                      </p:cBhvr>
+                                      <p:to>
+                                        <p:strVal val="visible"/>
+                                      </p:to>
+                                    </p:set>
+                                  </p:childTnLst>
+                                </p:cTn>
+                              </p:par>
+                            </p:childTnLst>
+                          </p:cTn>
+                        </p:par>
+                      </p:childTnLst>
+                    </p:cTn>
+                  </p:par>
+                  <p:par>
+                    <p:cTn id="7" fill="hold">
+                      <p:stCondLst>
+                        <p:cond delay="indefinite"/>
+                      </p:stCondLst>
+                      <p:childTnLst>
+                        <p:par>
+                          <p:cTn id="8" fill="hold">
+                            <p:stCondLst>
+                              <p:cond delay="0"/>
+                            </p:stCondLst>
+                            <p:childTnLst>
+                              <p:par>
+                                <p:cTn id="9" presetID="1" presetClass="entr" presetSubtype="0" fill="hold" grpId="0" nodeType="clickEffect">
+                                  <p:stCondLst>
+                                    <p:cond delay="0"/>
+                                  </p:stCondLst>
+                                  <p:childTnLst>
+                                    <p:set>
+                                      <p:cBhvr>
+                                        <p:cTn id="10" dur="1" fill="hold">
+                                          <p:stCondLst>
+                                            <p:cond delay="0"/>
+                                          </p:stCondLst>
+                                        </p:cTn>
+                                        <p:tgtEl>
+                                          <p:spTgt spid="3">
+                                            <p:txEl>
+                                              <p:pRg st="1" end="1"/>
+                                            </p:txEl>
+                                          </p:spTgt>
+                                        </p:tgtEl>
+                                        <p:attrNameLst>
+                                          <p:attrName>style.visibility</p:attrName>
+                                        </p:attrNameLst>
+                                      </p:cBhvr>
+                                      <p:to>
+                                        <p:strVal val="visible"/>
+                                      </p:to>
+                                    </p:set>
+                                  </p:childTnLst>
+                                </p:cTn>
+                              </p:par>
+                            </p:childTnLst>
+                          </p:cTn>
+                        </p:par>
+                      </p:childTnLst>
+                    </p:cTn>
+                  </p:par>
+                  <p:par>
+                    <p:cTn id="11" fill="hold">
+                      <p:stCondLst>
+                        <p:cond delay="indefinite"/>
+                      </p:stCondLst>
+                      <p:childTnLst>
+                        <p:par>
+                          <p:cTn id="12" fill="hold">
+                            <p:stCondLst>
+                              <p:cond delay="0"/>
+                            </p:stCondLst>
+                            <p:childTnLst>
+                              <p:par>
+                                <p:cTn id="13" presetID="1" presetClass="entr" presetSubtype="0" fill="hold" grpId="0" nodeType="clickEffect">
+                                  <p:stCondLst>
+                                    <p:cond delay="0"/>
+                                  </p:stCondLst>
+                                  <p:childTnLst>
+                                    <p:set>
+                                      <p:cBhvr>
+                                        <p:cTn id="14" dur="1" fill="hold">
+                                          <p:stCondLst>
+                                            <p:cond delay="0"/>
+                                          </p:stCondLst>
+                                        </p:cTn>
+                                        <p:tgtEl>
+                                          <p:spTgt spid="3">
+                                            <p:txEl>
+                                              <p:pRg st="2" end="2"/>
+                                            </p:txEl>
+                                          </p:spTgt>
+                                        </p:tgtEl>
+                                        <p:attrNameLst>
+                                          <p:attrName>style.visibility</p:attrName>
+                                        </p:attrNameLst>
+                                      </p:cBhvr>
+                                      <p:to>
+                                        <p:strVal val="visible"/>
+                                      </p:to>
+                                    </p:set>
+                                  </p:childTnLst>
+                                </p:cTn>
+                              </p:par>
+                            </p:childTnLst>
+                          </p:cTn>
+                        </p:par>
+                      </p:childTnLst>
+                    </p:cTn>
+                  </p:par>
+                  <p:par>
+                    <p:cTn id="15" fill="hold">
+                      <p:stCondLst>
+                        <p:cond delay="indefinite"/>
+                      </p:stCondLst>
+                      <p:childTnLst>
+                        <p:par>
+                          <p:cTn id="16" fill="hold">
+                            <p:stCondLst>
+                              <p:cond delay="0"/>
+                            </p:stCondLst>
+                            <p:childTnLst>
+                              <p:par>
+                                <p:cTn id="17" presetID="1" presetClass="entr" presetSubtype="0" fill="hold" grpId="0" nodeType="clickEffect">
+                                  <p:stCondLst>
+                                    <p:cond delay="0"/>
+                                  </p:stCondLst>
+                                  <p:childTnLst>
+                                    <p:set>
+                                      <p:cBhvr>
+                                        <p:cTn id="18" dur="1" fill="hold">
+                                          <p:stCondLst>
+                                            <p:cond delay="0"/>
+                                          </p:stCondLst>
+                                        </p:cTn>
+                                        <p:tgtEl>
+                                          <p:spTgt spid="3">
+                                            <p:txEl>
+                                              <p:pRg st="3" end="3"/>
+                                            </p:txEl>
+                                          </p:spTgt>
+                                        </p:tgtEl>
+                                        <p:attrNameLst>
+                                          <p:attrName>style.visibility</p:attrName>
+                                        </p:attrNameLst>
+                                      </p:cBhvr>
+                                      <p:to>
+                                        <p:strVal val="visible"/>
+                                      </p:to>
+                                    </p:set>
+                                  </p:childTnLst>
+                                </p:cTn>
+                              </p:par>
+                            </p:childTnLst>
+                          </p:cTn>
+                        </p:par>
+                      </p:childTnLst>
+                    </p:cTn>
+                  </p:par>
+                  <p:par>
+                    <p:cTn id="19" fill="hold">
+                      <p:stCondLst>
+                        <p:cond delay="indefinite"/>
+                      </p:stCondLst>
+                      <p:childTnLst>
+                        <p:par>
+                          <p:cTn id="20" fill="hold">
+                            <p:stCondLst>
+                              <p:cond delay="0"/>
+                            </p:stCondLst>
+                            <p:childTnLst>
+                              <p:par>
+                                <p:cTn id="21" presetID="1" presetClass="entr" presetSubtype="0" fill="hold" grpId="0" nodeType="clickEffect">
+                                  <p:stCondLst>
+                                    <p:cond delay="0"/>
+                                  </p:stCondLst>
+                                  <p:childTnLst>
+                                    <p:set>
+                                      <p:cBhvr>
+                                        <p:cTn id="22" dur="1" fill="hold">
+                                          <p:stCondLst>
+                                            <p:cond delay="0"/>
+                                          </p:stCondLst>
+                                        </p:cTn>
+                                        <p:tgtEl>
+                                          <p:spTgt spid="3">
+                                            <p:txEl>
+                                              <p:pRg st="4" end="4"/>
+                                            </p:txEl>
+                                          </p:spTgt>
+                                        </p:tgtEl>
+                                        <p:attrNameLst>
+                                          <p:attrName>style.visibility</p:attrName>
+                                        </p:attrNameLst>
+                                      </p:cBhvr>
+                                      <p:to>
+                                        <p:strVal val="visible"/>
+                                      </p:to>
+                                    </p:set>
+                                  </p:childTnLst>
+                                </p:cTn>
+                              </p:par>
+                            </p:childTnLst>
+                          </p:cTn>
+                        </p:par>
+                      </p:childTnLst>
+                    </p:cTn>
+                  </p:par>
+                  <p:par>
+                    <p:cTn id="23" fill="hold">
+                      <p:stCondLst>
+                        <p:cond delay="indefinite"/>
+                      </p:stCondLst>
+                      <p:childTnLst>
+                        <p:par>
+                          <p:cTn id="24" fill="hold">
+                            <p:stCondLst>
+                              <p:cond delay="0"/>
+                            </p:stCondLst>
+                            <p:childTnLst>
+                              <p:par>
+                                <p:cTn id="25" presetID="1" presetClass="entr" presetSubtype="0" fill="hold" grpId="0" nodeType="clickEffect">
+                                  <p:stCondLst>
+                                    <p:cond delay="0"/>
+                                  </p:stCondLst>
+                                  <p:childTnLst>
+                                    <p:set>
+                                      <p:cBhvr>
+                                        <p:cTn id="26" dur="1" fill="hold">
+                                          <p:stCondLst>
+                                            <p:cond delay="0"/>
+                                          </p:stCondLst>
+                                        </p:cTn>
+                                        <p:tgtEl>
+                                          <p:spTgt spid="4"/>
+                                        </p:tgtEl>
+                                        <p:attrNameLst>
+                                          <p:attrName>style.visibility</p:attrName>
+                                        </p:attrNameLst>
+                                      </p:cBhvr>
+                                      <p:to>
+                                        <p:strVal val="visible"/>
+                                      </p:to>
+                                    </p:set>
+                                  </p:childTnLst>
+                                </p:cTn>
+                              </p:par>
+                            </p:childTnLst>
+                          </p:cTn>
+                        </p:par>
+                      </p:childTnLst>
+                    </p:cTn>
+                  </p:par>
+                </p:childTnLst>
+              </p:cTn>
+              <p:prevCondLst>
+                <p:cond evt="onPrev" delay="0">
+                  <p:tgtEl>
+                    <p:sldTgt/>
+                  </p:tgtEl>
+                </p:cond>
+              </p:prevCondLst>
+              <p:nextCondLst>
+                <p:cond evt="onNext" delay="0">
+                  <p:tgtEl>
+                    <p:sldTgt/>
+                  </p:tgtEl>
+                </p:cond>
+              </p:nextCondLst>
+            </p:seq>
+          </p:childTnLst>
+        </p:cTn>
+      </p:par>
+    </p:tnLst>
+    <p:bldLst>
+      <p:bldP spid="3" grpId="0" build="p"/>
+      <p:bldP spid="4" grpId="0" animBg="1"/>
+    </p:bldLst>
+  </p:timing>
+</p:sld>
+</file>
+
+<file path=ppt/slides/slide26.xml><?xml version="1.0" encoding="utf-8"?>
+<p:sld xmlns:a="http://schemas.openxmlformats.org/drawingml/2006/main" xmlns:r="http://schemas.openxmlformats.org/officeDocument/2006/relationships" xmlns:p="http://schemas.openxmlformats.org/presentationml/2006/main">
+  <p:cSld>
+    <p:spTree>
+      <p:nvGrpSpPr>
+        <p:cNvPr id="1" name=""/>
+        <p:cNvGrpSpPr/>
+        <p:nvPr/>
+      </p:nvGrpSpPr>
+      <p:grpSpPr>
+        <a:xfrm>
+          <a:off x="0" y="0"/>
+          <a:ext cx="0" cy="0"/>
+          <a:chOff x="0" y="0"/>
+          <a:chExt cx="0" cy="0"/>
+        </a:xfrm>
+      </p:grpSpPr>
+      <p:sp>
+        <p:nvSpPr>
+          <p:cNvPr id="2" name="Title 1"/>
+          <p:cNvSpPr>
+            <a:spLocks noGrp="1"/>
+          </p:cNvSpPr>
+          <p:nvPr>
+            <p:ph type="title"/>
+          </p:nvPr>
+        </p:nvSpPr>
+        <p:spPr/>
+        <p:txBody>
+          <a:bodyPr/>
+          <a:lstStyle/>
+          <a:p>
+            <a:r>
+              <a:rPr lang="en-US" dirty="0" smtClean="0"/>
+              <a:t>Amdahl's law</a:t>
+            </a:r>
+            <a:endParaRPr lang="nl-BE" dirty="0"/>
+          </a:p>
+        </p:txBody>
+      </p:sp>
+      <p:grpSp>
+        <p:nvGrpSpPr>
+          <p:cNvPr id="9" name="Group 8"/>
+          <p:cNvGrpSpPr/>
+          <p:nvPr/>
+        </p:nvGrpSpPr>
+        <p:grpSpPr>
+          <a:xfrm>
+            <a:off x="1907706" y="2057400"/>
+            <a:ext cx="4950294" cy="3109084"/>
+            <a:chOff x="1907706" y="2057400"/>
+            <a:chExt cx="4950294" cy="3109084"/>
+          </a:xfrm>
+        </p:grpSpPr>
+        <p:sp>
+          <p:nvSpPr>
+            <p:cNvPr id="4" name="TextBox 3"/>
+            <p:cNvSpPr txBox="1"/>
+            <p:nvPr/>
+          </p:nvSpPr>
+          <p:spPr>
+            <a:xfrm>
+              <a:off x="3491880" y="4797152"/>
+              <a:ext cx="1392048" cy="369332"/>
+            </a:xfrm>
+            <a:prstGeom prst="rect">
+              <a:avLst/>
+            </a:prstGeom>
+            <a:noFill/>
+          </p:spPr>
+          <p:txBody>
+            <a:bodyPr wrap="none" rtlCol="0">
+              <a:spAutoFit/>
+            </a:bodyPr>
+            <a:lstStyle/>
+            <a:p>
+              <a:r>
+                <a:rPr lang="en-US" dirty="0" smtClean="0"/>
+                <a:t>nr. processes</a:t>
+              </a:r>
+              <a:endParaRPr lang="nl-BE" dirty="0"/>
+            </a:p>
+          </p:txBody>
+        </p:sp>
+        <p:sp>
+          <p:nvSpPr>
+            <p:cNvPr id="5" name="TextBox 4"/>
+            <p:cNvSpPr txBox="1"/>
+            <p:nvPr/>
+          </p:nvSpPr>
+          <p:spPr>
+            <a:xfrm rot="16200000">
+              <a:off x="1596082" y="3220278"/>
+              <a:ext cx="992579" cy="369332"/>
+            </a:xfrm>
+            <a:prstGeom prst="rect">
+              <a:avLst/>
+            </a:prstGeom>
+            <a:noFill/>
+          </p:spPr>
+          <p:txBody>
+            <a:bodyPr wrap="none" rtlCol="0">
+              <a:spAutoFit/>
+            </a:bodyPr>
+            <a:lstStyle/>
+            <a:p>
+              <a:r>
+                <a:rPr lang="en-US" dirty="0" smtClean="0"/>
+                <a:t>speedup</a:t>
+              </a:r>
+              <a:endParaRPr lang="nl-BE" dirty="0"/>
+            </a:p>
+          </p:txBody>
+        </p:sp>
+        <p:graphicFrame>
+          <p:nvGraphicFramePr>
+            <p:cNvPr id="6" name="Chart 5"/>
+            <p:cNvGraphicFramePr>
+              <a:graphicFrameLocks/>
+            </p:cNvGraphicFramePr>
+            <p:nvPr>
+              <p:extLst/>
+            </p:nvPr>
+          </p:nvGraphicFramePr>
+          <p:xfrm>
+            <a:off x="2286000" y="2057400"/>
+            <a:ext cx="4572000" cy="2743200"/>
+          </p:xfrm>
+          <a:graphic>
+            <a:graphicData uri="http://schemas.openxmlformats.org/drawingml/2006/chart">
+              <c:chart xmlns:c="http://schemas.openxmlformats.org/drawingml/2006/chart" xmlns:r="http://schemas.openxmlformats.org/officeDocument/2006/relationships" r:id="rId2"/>
+            </a:graphicData>
+          </a:graphic>
+        </p:graphicFrame>
+      </p:grpSp>
+      <mc:AlternateContent xmlns:mc="http://schemas.openxmlformats.org/markup-compatibility/2006" xmlns:a14="http://schemas.microsoft.com/office/drawing/2010/main">
+        <mc:Choice Requires="a14">
+          <p:sp>
+            <p:nvSpPr>
+              <p:cNvPr id="7" name="TextBox 6"/>
+              <p:cNvSpPr txBox="1"/>
+              <p:nvPr/>
+            </p:nvSpPr>
+            <p:spPr>
+              <a:xfrm>
+                <a:off x="611560" y="5445224"/>
+                <a:ext cx="2688941" cy="855619"/>
+              </a:xfrm>
+              <a:prstGeom prst="rect">
+                <a:avLst/>
+              </a:prstGeom>
+              <a:noFill/>
+              <a:ln>
+                <a:solidFill>
+                  <a:schemeClr val="tx1"/>
+                </a:solidFill>
+              </a:ln>
+            </p:spPr>
+            <p:txBody>
+              <a:bodyPr wrap="none" rtlCol="0">
+                <a:spAutoFit/>
+              </a:bodyPr>
+              <a:lstStyle/>
+              <a:p>
+                <a:pPr/>
+                <a14:m>
+                  <m:oMathPara xmlns:m="http://schemas.openxmlformats.org/officeDocument/2006/math">
+                    <m:oMathParaPr>
+                      <m:jc m:val="centerGroup"/>
+                    </m:oMathParaPr>
+                    <m:oMath xmlns:m="http://schemas.openxmlformats.org/officeDocument/2006/math">
+                      <m:func>
+                        <m:funcPr>
+                          <m:ctrlPr>
+                            <a:rPr lang="nl-BE" sz="2400" i="1" smtClean="0">
+                              <a:latin typeface="Cambria Math" panose="02040503050406030204" pitchFamily="18" charset="0"/>
+                            </a:rPr>
+                          </m:ctrlPr>
+                        </m:funcPr>
+                        <m:fName>
+                          <m:limLow>
+                            <m:limLowPr>
+                              <m:ctrlPr>
+                                <a:rPr lang="nl-BE" sz="2400" i="1" smtClean="0">
+                                  <a:latin typeface="Cambria Math" panose="02040503050406030204" pitchFamily="18" charset="0"/>
+                                </a:rPr>
+                              </m:ctrlPr>
+                            </m:limLowPr>
+                            <m:e>
+                              <m:r>
+                                <m:rPr>
+                                  <m:sty m:val="p"/>
+                                </m:rPr>
+                                <a:rPr lang="nl-BE" sz="2400" i="0" smtClean="0">
+                                  <a:latin typeface="Cambria Math"/>
+                                </a:rPr>
+                                <m:t>lim</m:t>
+                              </m:r>
+                            </m:e>
+                            <m:lim>
+                              <m:r>
+                                <a:rPr lang="en-US" sz="2400" b="0" i="1" smtClean="0">
+                                  <a:latin typeface="Cambria Math"/>
+                                </a:rPr>
+                                <m:t>𝑛</m:t>
+                              </m:r>
+                              <m:r>
+                                <a:rPr lang="en-US" sz="2400" b="0" i="1" smtClean="0">
+                                  <a:latin typeface="Cambria Math"/>
+                                  <a:ea typeface="Cambria Math"/>
+                                </a:rPr>
+                                <m:t>→∞</m:t>
+                              </m:r>
+                            </m:lim>
+                          </m:limLow>
+                        </m:fName>
+                        <m:e>
+                          <m:r>
+                            <a:rPr lang="en-US" sz="2400" b="0" i="1" smtClean="0">
+                              <a:latin typeface="Cambria Math"/>
+                            </a:rPr>
+                            <m:t>𝑆</m:t>
+                          </m:r>
+                          <m:d>
+                            <m:dPr>
+                              <m:ctrlPr>
+                                <a:rPr lang="en-US" sz="2400" b="0" i="1" smtClean="0">
+                                  <a:latin typeface="Cambria Math" panose="02040503050406030204" pitchFamily="18" charset="0"/>
+                                </a:rPr>
+                              </m:ctrlPr>
+                            </m:dPr>
+                            <m:e>
+                              <m:r>
+                                <a:rPr lang="en-US" sz="2400" b="0" i="1" smtClean="0">
+                                  <a:latin typeface="Cambria Math"/>
+                                </a:rPr>
+                                <m:t>𝑛</m:t>
+                              </m:r>
+                            </m:e>
+                          </m:d>
+                          <m:r>
+                            <a:rPr lang="en-US" sz="2400" b="0" i="1" smtClean="0">
+                              <a:latin typeface="Cambria Math"/>
+                            </a:rPr>
+                            <m:t>=1+</m:t>
+                          </m:r>
+                          <m:f>
+                            <m:fPr>
+                              <m:ctrlPr>
+                                <a:rPr lang="en-US" sz="2400" b="0" i="1" smtClean="0">
+                                  <a:latin typeface="Cambria Math" panose="02040503050406030204" pitchFamily="18" charset="0"/>
+                                </a:rPr>
+                              </m:ctrlPr>
+                            </m:fPr>
+                            <m:num>
+                              <m:sSub>
+                                <m:sSubPr>
+                                  <m:ctrlPr>
+                                    <a:rPr lang="en-US" sz="2400" b="0" i="1" smtClean="0">
+                                      <a:latin typeface="Cambria Math" panose="02040503050406030204" pitchFamily="18" charset="0"/>
+                                    </a:rPr>
+                                  </m:ctrlPr>
+                                </m:sSubPr>
+                                <m:e>
+                                  <m:r>
+                                    <a:rPr lang="en-US" sz="2400" b="0" i="1" smtClean="0">
+                                      <a:latin typeface="Cambria Math"/>
+                                    </a:rPr>
+                                    <m:t>𝑇</m:t>
+                                  </m:r>
+                                </m:e>
+                                <m:sub>
+                                  <m:r>
+                                    <a:rPr lang="en-US" sz="2400" b="0" i="1" smtClean="0">
+                                      <a:latin typeface="Cambria Math"/>
+                                    </a:rPr>
+                                    <m:t>𝑝</m:t>
+                                  </m:r>
+                                </m:sub>
+                              </m:sSub>
+                            </m:num>
+                            <m:den>
+                              <m:sSub>
+                                <m:sSubPr>
+                                  <m:ctrlPr>
+                                    <a:rPr lang="en-US" sz="2400" b="0" i="1" smtClean="0">
+                                      <a:latin typeface="Cambria Math" panose="02040503050406030204" pitchFamily="18" charset="0"/>
+                                    </a:rPr>
+                                  </m:ctrlPr>
+                                </m:sSubPr>
+                                <m:e>
+                                  <m:r>
+                                    <a:rPr lang="en-US" sz="2400" b="0" i="1" smtClean="0">
+                                      <a:latin typeface="Cambria Math"/>
+                                    </a:rPr>
+                                    <m:t>𝑇</m:t>
+                                  </m:r>
+                                </m:e>
+                                <m:sub>
+                                  <m:r>
+                                    <a:rPr lang="en-US" sz="2400" b="0" i="1" smtClean="0">
+                                      <a:latin typeface="Cambria Math"/>
+                                    </a:rPr>
+                                    <m:t>𝑠</m:t>
+                                  </m:r>
+                                </m:sub>
+                              </m:sSub>
+                            </m:den>
+                          </m:f>
+                        </m:e>
+                      </m:func>
+                    </m:oMath>
+                  </m:oMathPara>
+                </a14:m>
+                <a:endParaRPr lang="nl-BE" sz="2400" dirty="0"/>
+              </a:p>
+            </p:txBody>
+          </p:sp>
+        </mc:Choice>
+        <mc:Fallback xmlns="">
+          <p:sp>
+            <p:nvSpPr>
+              <p:cNvPr id="7" name="TextBox 6"/>
+              <p:cNvSpPr txBox="1">
+                <a:spLocks noRot="1" noChangeAspect="1" noMove="1" noResize="1" noEditPoints="1" noAdjustHandles="1" noChangeArrowheads="1" noChangeShapeType="1" noTextEdit="1"/>
+              </p:cNvSpPr>
+              <p:nvPr/>
+            </p:nvSpPr>
+            <p:spPr>
+              <a:xfrm>
+                <a:off x="611560" y="5445224"/>
+                <a:ext cx="2688941" cy="855619"/>
+              </a:xfrm>
+              <a:prstGeom prst="rect">
+                <a:avLst/>
+              </a:prstGeom>
+              <a:blipFill rotWithShape="1">
+                <a:blip r:embed="rId3"/>
+                <a:stretch>
+                  <a:fillRect/>
+                </a:stretch>
+              </a:blipFill>
+              <a:ln>
+                <a:solidFill>
+                  <a:schemeClr val="tx1"/>
+                </a:solidFill>
+              </a:ln>
+            </p:spPr>
+            <p:txBody>
+              <a:bodyPr/>
+              <a:lstStyle/>
+              <a:p>
+                <a:r>
+                  <a:rPr lang="nl-BE">
+                    <a:noFill/>
+                  </a:rPr>
+                  <a:t> </a:t>
+                </a:r>
+              </a:p>
+            </p:txBody>
+          </p:sp>
+        </mc:Fallback>
+      </mc:AlternateContent>
+      <mc:AlternateContent xmlns:mc="http://schemas.openxmlformats.org/markup-compatibility/2006" xmlns:a14="http://schemas.microsoft.com/office/drawing/2010/main">
+        <mc:Choice Requires="a14">
+          <p:sp>
+            <p:nvSpPr>
+              <p:cNvPr id="8" name="TextBox 7"/>
+              <p:cNvSpPr txBox="1"/>
+              <p:nvPr/>
+            </p:nvSpPr>
+            <p:spPr>
+              <a:xfrm>
+                <a:off x="6131531" y="5445224"/>
+                <a:ext cx="2060500" cy="573106"/>
+              </a:xfrm>
+              <a:prstGeom prst="rect">
+                <a:avLst/>
+              </a:prstGeom>
+              <a:noFill/>
+              <a:ln>
+                <a:solidFill>
+                  <a:schemeClr val="tx1"/>
+                </a:solidFill>
+              </a:ln>
+            </p:spPr>
+            <p:txBody>
+              <a:bodyPr wrap="none" rtlCol="0">
+                <a:spAutoFit/>
+              </a:bodyPr>
+              <a:lstStyle/>
+              <a:p>
+                <a:pPr/>
+                <a14:m>
+                  <m:oMathPara xmlns:m="http://schemas.openxmlformats.org/officeDocument/2006/math">
+                    <m:oMathParaPr>
+                      <m:jc m:val="centerGroup"/>
+                    </m:oMathParaPr>
+                    <m:oMath xmlns:m="http://schemas.openxmlformats.org/officeDocument/2006/math">
+                      <m:func>
+                        <m:funcPr>
+                          <m:ctrlPr>
+                            <a:rPr lang="nl-BE" sz="2400" i="1" smtClean="0">
+                              <a:latin typeface="Cambria Math" panose="02040503050406030204" pitchFamily="18" charset="0"/>
+                            </a:rPr>
+                          </m:ctrlPr>
+                        </m:funcPr>
+                        <m:fName>
+                          <m:limLow>
+                            <m:limLowPr>
+                              <m:ctrlPr>
+                                <a:rPr lang="nl-BE" sz="2400" i="1" smtClean="0">
+                                  <a:latin typeface="Cambria Math" panose="02040503050406030204" pitchFamily="18" charset="0"/>
+                                </a:rPr>
+                              </m:ctrlPr>
+                            </m:limLowPr>
+                            <m:e>
+                              <m:r>
+                                <m:rPr>
+                                  <m:sty m:val="p"/>
+                                </m:rPr>
+                                <a:rPr lang="nl-BE" sz="2400" i="0" smtClean="0">
+                                  <a:latin typeface="Cambria Math"/>
+                                </a:rPr>
+                                <m:t>lim</m:t>
+                              </m:r>
+                            </m:e>
+                            <m:lim>
+                              <m:r>
+                                <a:rPr lang="en-US" sz="2400" b="0" i="1" smtClean="0">
+                                  <a:latin typeface="Cambria Math"/>
+                                </a:rPr>
+                                <m:t>𝑛</m:t>
+                              </m:r>
+                              <m:r>
+                                <a:rPr lang="en-US" sz="2400" b="0" i="1" smtClean="0">
+                                  <a:latin typeface="Cambria Math"/>
+                                  <a:ea typeface="Cambria Math"/>
+                                </a:rPr>
+                                <m:t>→∞</m:t>
+                              </m:r>
+                            </m:lim>
+                          </m:limLow>
+                        </m:fName>
+                        <m:e>
+                          <m:r>
+                            <a:rPr lang="en-US" sz="2400" b="0" i="1" smtClean="0">
+                              <a:latin typeface="Cambria Math"/>
+                            </a:rPr>
+                            <m:t>𝐸</m:t>
+                          </m:r>
+                          <m:d>
+                            <m:dPr>
+                              <m:ctrlPr>
+                                <a:rPr lang="en-US" sz="2400" b="0" i="1" smtClean="0">
+                                  <a:latin typeface="Cambria Math" panose="02040503050406030204" pitchFamily="18" charset="0"/>
+                                </a:rPr>
+                              </m:ctrlPr>
+                            </m:dPr>
+                            <m:e>
+                              <m:r>
+                                <a:rPr lang="en-US" sz="2400" b="0" i="1" smtClean="0">
+                                  <a:latin typeface="Cambria Math"/>
+                                </a:rPr>
+                                <m:t>𝑛</m:t>
+                              </m:r>
+                            </m:e>
+                          </m:d>
+                          <m:r>
+                            <a:rPr lang="en-US" sz="2400" b="0" i="1" smtClean="0">
+                              <a:latin typeface="Cambria Math"/>
+                            </a:rPr>
+                            <m:t>=0</m:t>
+                          </m:r>
+                        </m:e>
+                      </m:func>
+                    </m:oMath>
+                  </m:oMathPara>
+                </a14:m>
+                <a:endParaRPr lang="nl-BE" sz="2400" dirty="0"/>
+              </a:p>
+            </p:txBody>
+          </p:sp>
+        </mc:Choice>
+        <mc:Fallback xmlns="">
+          <p:sp>
+            <p:nvSpPr>
+              <p:cNvPr id="8" name="TextBox 7"/>
+              <p:cNvSpPr txBox="1">
+                <a:spLocks noRot="1" noChangeAspect="1" noMove="1" noResize="1" noEditPoints="1" noAdjustHandles="1" noChangeArrowheads="1" noChangeShapeType="1" noTextEdit="1"/>
+              </p:cNvSpPr>
+              <p:nvPr/>
+            </p:nvSpPr>
+            <p:spPr>
+              <a:xfrm>
+                <a:off x="6131531" y="5445224"/>
+                <a:ext cx="2060500" cy="573106"/>
+              </a:xfrm>
+              <a:prstGeom prst="rect">
+                <a:avLst/>
+              </a:prstGeom>
+              <a:blipFill rotWithShape="1">
+                <a:blip r:embed="rId4"/>
+                <a:stretch>
+                  <a:fillRect/>
+                </a:stretch>
+              </a:blipFill>
+              <a:ln>
+                <a:solidFill>
+                  <a:schemeClr val="tx1"/>
+                </a:solidFill>
+              </a:ln>
+            </p:spPr>
+            <p:txBody>
+              <a:bodyPr/>
+              <a:lstStyle/>
+              <a:p>
+                <a:r>
+                  <a:rPr lang="nl-BE">
+                    <a:noFill/>
+                  </a:rPr>
+                  <a:t> </a:t>
+                </a:r>
+              </a:p>
+            </p:txBody>
+          </p:sp>
+        </mc:Fallback>
+      </mc:AlternateContent>
+      <p:sp>
+        <p:nvSpPr>
+          <p:cNvPr id="3" name="Slide Number Placeholder 2"/>
+          <p:cNvSpPr>
+            <a:spLocks noGrp="1"/>
+          </p:cNvSpPr>
+          <p:nvPr>
+            <p:ph type="sldNum" sz="quarter" idx="12"/>
+          </p:nvPr>
+        </p:nvSpPr>
+        <p:spPr/>
+        <p:txBody>
+          <a:bodyPr/>
+          <a:lstStyle/>
+          <a:p>
+            <a:fld id="{6597116C-F94B-4B5B-973A-17F07FB5C418}" type="slidenum">
+              <a:rPr lang="nl-BE" smtClean="0"/>
+              <a:t>26</a:t>
+            </a:fld>
+            <a:endParaRPr lang="nl-BE"/>
+          </a:p>
+        </p:txBody>
+      </p:sp>
+    </p:spTree>
+    <p:extLst>
+      <p:ext uri="{BB962C8B-B14F-4D97-AF65-F5344CB8AC3E}">
+        <p14:creationId xmlns:p14="http://schemas.microsoft.com/office/powerpoint/2010/main" val="3099144561"/>
+      </p:ext>
+    </p:extLst>
+  </p:cSld>
+  <p:clrMapOvr>
+    <a:masterClrMapping/>
+  </p:clrMapOvr>
+  <p:timing>
+    <p:tnLst>
+      <p:par>
+        <p:cTn id="1" dur="indefinite" restart="never" nodeType="tmRoot">
+          <p:childTnLst>
+            <p:seq concurrent="1" nextAc="seek">
+              <p:cTn id="2" dur="indefinite" nodeType="mainSeq">
+                <p:childTnLst>
+                  <p:par>
+                    <p:cTn id="3" fill="hold">
+                      <p:stCondLst>
+                        <p:cond delay="indefinite"/>
+                      </p:stCondLst>
+                      <p:childTnLst>
+                        <p:par>
+                          <p:cTn id="4" fill="hold">
+                            <p:stCondLst>
+                              <p:cond delay="0"/>
+                            </p:stCondLst>
+                            <p:childTnLst>
+                              <p:par>
+                                <p:cTn id="5" presetID="1" presetClass="entr" presetSubtype="0" fill="hold" grpId="0" nodeType="clickEffect">
+                                  <p:stCondLst>
+                                    <p:cond delay="0"/>
+                                  </p:stCondLst>
+                                  <p:childTnLst>
+                                    <p:set>
+                                      <p:cBhvr>
+                                        <p:cTn id="6" dur="1" fill="hold">
+                                          <p:stCondLst>
+                                            <p:cond delay="0"/>
+                                          </p:stCondLst>
+                                        </p:cTn>
+                                        <p:tgtEl>
+                                          <p:spTgt spid="8"/>
+                                        </p:tgtEl>
+                                        <p:attrNameLst>
+                                          <p:attrName>style.visibility</p:attrName>
+                                        </p:attrNameLst>
+                                      </p:cBhvr>
+                                      <p:to>
+                                        <p:strVal val="visible"/>
+                                      </p:to>
+                                    </p:set>
+                                  </p:childTnLst>
+                                </p:cTn>
+                              </p:par>
+                            </p:childTnLst>
+                          </p:cTn>
+                        </p:par>
+                      </p:childTnLst>
+                    </p:cTn>
+                  </p:par>
+                </p:childTnLst>
+              </p:cTn>
+              <p:prevCondLst>
+                <p:cond evt="onPrev" delay="0">
+                  <p:tgtEl>
+                    <p:sldTgt/>
+                  </p:tgtEl>
+                </p:cond>
+              </p:prevCondLst>
+              <p:nextCondLst>
+                <p:cond evt="onNext" delay="0">
+                  <p:tgtEl>
+                    <p:sldTgt/>
+                  </p:tgtEl>
+                </p:cond>
+              </p:nextCondLst>
+            </p:seq>
+          </p:childTnLst>
+        </p:cTn>
+      </p:par>
+    </p:tnLst>
+    <p:bldLst>
+      <p:bldP spid="8" grpId="0" animBg="1"/>
+    </p:bldLst>
+  </p:timing>
+</p:sld>
+</file>
+
+<file path=ppt/slides/slide27.xml><?xml version="1.0" encoding="utf-8"?>
+<p:sld xmlns:a="http://schemas.openxmlformats.org/drawingml/2006/main" xmlns:r="http://schemas.openxmlformats.org/officeDocument/2006/relationships" xmlns:p="http://schemas.openxmlformats.org/presentationml/2006/main">
+  <p:cSld>
+    <p:spTree>
+      <p:nvGrpSpPr>
+        <p:cNvPr id="1" name=""/>
+        <p:cNvGrpSpPr/>
+        <p:nvPr/>
+      </p:nvGrpSpPr>
+      <p:grpSpPr>
+        <a:xfrm>
+          <a:off x="0" y="0"/>
+          <a:ext cx="0" cy="0"/>
+          <a:chOff x="0" y="0"/>
+          <a:chExt cx="0" cy="0"/>
+        </a:xfrm>
+      </p:grpSpPr>
+      <p:sp>
+        <p:nvSpPr>
+          <p:cNvPr id="2" name="Title 1"/>
+          <p:cNvSpPr>
+            <a:spLocks noGrp="1"/>
+          </p:cNvSpPr>
+          <p:nvPr>
+            <p:ph type="title"/>
+          </p:nvPr>
+        </p:nvSpPr>
+        <p:spPr/>
+        <p:txBody>
+          <a:bodyPr/>
+          <a:lstStyle/>
+          <a:p>
+            <a:r>
+              <a:rPr lang="en-US" dirty="0" smtClean="0"/>
+              <a:t>It gets worse…</a:t>
+            </a:r>
+            <a:endParaRPr lang="nl-BE" dirty="0"/>
+          </a:p>
+        </p:txBody>
+      </p:sp>
+      <p:sp>
+        <p:nvSpPr>
+          <p:cNvPr id="3" name="Content Placeholder 2"/>
+          <p:cNvSpPr>
+            <a:spLocks noGrp="1"/>
+          </p:cNvSpPr>
+          <p:nvPr>
+            <p:ph idx="1"/>
+          </p:nvPr>
+        </p:nvSpPr>
+        <p:spPr>
+          <a:xfrm>
+            <a:off x="457200" y="1600200"/>
+            <a:ext cx="4042792" cy="4525963"/>
+          </a:xfrm>
+        </p:spPr>
+        <p:txBody>
+          <a:bodyPr/>
+          <a:lstStyle/>
+          <a:p>
+            <a:r>
+              <a:rPr lang="en-US" dirty="0" smtClean="0"/>
+              <a:t>Overhead!</a:t>
+            </a:r>
+          </a:p>
+          <a:p>
+            <a:pPr lvl="1"/>
+            <a:r>
+              <a:rPr lang="en-US" dirty="0" smtClean="0"/>
+              <a:t>communication takes time</a:t>
+            </a:r>
+          </a:p>
+          <a:p>
+            <a:pPr lvl="2"/>
+            <a:r>
+              <a:rPr lang="en-US" dirty="0" smtClean="0"/>
+              <a:t>finite bandwidth</a:t>
+            </a:r>
+          </a:p>
+          <a:p>
+            <a:pPr lvl="2"/>
+            <a:r>
+              <a:rPr lang="en-US" dirty="0" smtClean="0"/>
+              <a:t>non-zero latency</a:t>
+            </a:r>
+          </a:p>
+          <a:p>
+            <a:pPr lvl="1"/>
+            <a:r>
+              <a:rPr lang="en-US" dirty="0" smtClean="0"/>
+              <a:t>resource contention</a:t>
+            </a:r>
+          </a:p>
+          <a:p>
+            <a:pPr lvl="2"/>
+            <a:r>
+              <a:rPr lang="en-US" dirty="0" smtClean="0"/>
+              <a:t>memory subsystem: L3 cache, RAM, QPI</a:t>
+            </a:r>
+          </a:p>
+          <a:p>
+            <a:pPr lvl="2"/>
+            <a:r>
+              <a:rPr lang="en-US" dirty="0" smtClean="0"/>
+              <a:t>network access</a:t>
+            </a:r>
+            <a:endParaRPr lang="nl-BE" dirty="0"/>
+          </a:p>
+        </p:txBody>
+      </p:sp>
+      <p:grpSp>
+        <p:nvGrpSpPr>
+          <p:cNvPr id="7" name="Group 6"/>
+          <p:cNvGrpSpPr/>
+          <p:nvPr/>
+        </p:nvGrpSpPr>
+        <p:grpSpPr>
+          <a:xfrm>
+            <a:off x="4248472" y="2420888"/>
+            <a:ext cx="4788024" cy="2972073"/>
+            <a:chOff x="4139952" y="2780928"/>
+            <a:chExt cx="4788024" cy="2972073"/>
+          </a:xfrm>
+        </p:grpSpPr>
+        <p:graphicFrame>
+          <p:nvGraphicFramePr>
+            <p:cNvPr id="4" name="Chart 3"/>
+            <p:cNvGraphicFramePr>
+              <a:graphicFrameLocks/>
+            </p:cNvGraphicFramePr>
+            <p:nvPr>
+              <p:extLst/>
+            </p:nvPr>
+          </p:nvGraphicFramePr>
+          <p:xfrm>
+            <a:off x="4355976" y="2780928"/>
+            <a:ext cx="4572000" cy="2743200"/>
+          </p:xfrm>
+          <a:graphic>
+            <a:graphicData uri="http://schemas.openxmlformats.org/drawingml/2006/chart">
+              <c:chart xmlns:c="http://schemas.openxmlformats.org/drawingml/2006/chart" xmlns:r="http://schemas.openxmlformats.org/officeDocument/2006/relationships" r:id="rId2"/>
+            </a:graphicData>
+          </a:graphic>
+        </p:graphicFrame>
+        <p:sp>
+          <p:nvSpPr>
+            <p:cNvPr id="5" name="TextBox 4"/>
+            <p:cNvSpPr txBox="1"/>
+            <p:nvPr/>
+          </p:nvSpPr>
+          <p:spPr>
+            <a:xfrm>
+              <a:off x="5868144" y="5445224"/>
+              <a:ext cx="1123897" cy="307777"/>
+            </a:xfrm>
+            <a:prstGeom prst="rect">
+              <a:avLst/>
+            </a:prstGeom>
+            <a:noFill/>
+          </p:spPr>
+          <p:txBody>
+            <a:bodyPr wrap="none" rtlCol="0">
+              <a:spAutoFit/>
+            </a:bodyPr>
+            <a:lstStyle/>
+            <a:p>
+              <a:r>
+                <a:rPr lang="en-US" sz="1400" dirty="0" smtClean="0"/>
+                <a:t>nr. processes</a:t>
+              </a:r>
+              <a:endParaRPr lang="nl-BE" sz="1400" dirty="0"/>
+            </a:p>
+          </p:txBody>
+        </p:sp>
+        <p:sp>
+          <p:nvSpPr>
+            <p:cNvPr id="6" name="TextBox 5"/>
+            <p:cNvSpPr txBox="1"/>
+            <p:nvPr/>
+          </p:nvSpPr>
+          <p:spPr>
+            <a:xfrm rot="16200000">
+              <a:off x="3731892" y="3649267"/>
+              <a:ext cx="1123897" cy="307777"/>
+            </a:xfrm>
+            <a:prstGeom prst="rect">
+              <a:avLst/>
+            </a:prstGeom>
+            <a:noFill/>
+          </p:spPr>
+          <p:txBody>
+            <a:bodyPr wrap="none" rtlCol="0">
+              <a:spAutoFit/>
+            </a:bodyPr>
+            <a:lstStyle/>
+            <a:p>
+              <a:r>
+                <a:rPr lang="en-US" sz="1400" dirty="0" smtClean="0"/>
+                <a:t>nr. processes</a:t>
+              </a:r>
+              <a:endParaRPr lang="nl-BE" sz="1400" dirty="0"/>
+            </a:p>
+          </p:txBody>
+        </p:sp>
+      </p:grpSp>
+      <p:sp>
+        <p:nvSpPr>
+          <p:cNvPr id="8" name="Slide Number Placeholder 7"/>
+          <p:cNvSpPr>
+            <a:spLocks noGrp="1"/>
+          </p:cNvSpPr>
+          <p:nvPr>
+            <p:ph type="sldNum" sz="quarter" idx="12"/>
+          </p:nvPr>
+        </p:nvSpPr>
+        <p:spPr/>
+        <p:txBody>
+          <a:bodyPr/>
+          <a:lstStyle/>
+          <a:p>
+            <a:fld id="{6597116C-F94B-4B5B-973A-17F07FB5C418}" type="slidenum">
+              <a:rPr lang="nl-BE" smtClean="0"/>
+              <a:t>27</a:t>
+            </a:fld>
+            <a:endParaRPr lang="nl-BE"/>
+          </a:p>
+        </p:txBody>
+      </p:sp>
+    </p:spTree>
+    <p:extLst>
+      <p:ext uri="{BB962C8B-B14F-4D97-AF65-F5344CB8AC3E}">
+        <p14:creationId xmlns:p14="http://schemas.microsoft.com/office/powerpoint/2010/main" val="1688226653"/>
+      </p:ext>
+    </p:extLst>
+  </p:cSld>
+  <p:clrMapOvr>
+    <a:masterClrMapping/>
+  </p:clrMapOvr>
+  <p:timing>
+    <p:tnLst>
+      <p:par>
+        <p:cTn id="1" dur="indefinite" restart="never" nodeType="tmRoot">
+          <p:childTnLst>
+            <p:seq concurrent="1" nextAc="seek">
+              <p:cTn id="2" dur="indefinite" nodeType="mainSeq">
+                <p:childTnLst>
+                  <p:par>
+                    <p:cTn id="3" fill="hold">
+                      <p:stCondLst>
+                        <p:cond delay="indefinite"/>
+                        <p:cond evt="onBegin" delay="0">
+                          <p:tn val="2"/>
+                        </p:cond>
+                      </p:stCondLst>
+                      <p:childTnLst>
+                        <p:par>
+                          <p:cTn id="4" fill="hold">
+                            <p:stCondLst>
+                              <p:cond delay="0"/>
+                            </p:stCondLst>
+                            <p:childTnLst>
+                              <p:par>
+                                <p:cTn id="5" presetID="1" presetClass="entr" presetSubtype="0" fill="hold" grpId="0" nodeType="withEffect">
+                                  <p:stCondLst>
+                                    <p:cond delay="0"/>
+                                  </p:stCondLst>
+                                  <p:childTnLst>
+                                    <p:set>
+                                      <p:cBhvr>
+                                        <p:cTn id="6" dur="1" fill="hold">
+                                          <p:stCondLst>
+                                            <p:cond delay="0"/>
+                                          </p:stCondLst>
+                                        </p:cTn>
+                                        <p:tgtEl>
+                                          <p:spTgt spid="3">
+                                            <p:txEl>
+                                              <p:pRg st="0" end="0"/>
+                                            </p:txEl>
+                                          </p:spTgt>
+                                        </p:tgtEl>
+                                        <p:attrNameLst>
+                                          <p:attrName>style.visibility</p:attrName>
+                                        </p:attrNameLst>
+                                      </p:cBhvr>
+                                      <p:to>
+                                        <p:strVal val="visible"/>
+                                      </p:to>
+                                    </p:set>
+                                  </p:childTnLst>
+                                </p:cTn>
+                              </p:par>
+                            </p:childTnLst>
+                          </p:cTn>
+                        </p:par>
+                      </p:childTnLst>
+                    </p:cTn>
+                  </p:par>
+                  <p:par>
+                    <p:cTn id="7" fill="hold">
+                      <p:stCondLst>
+                        <p:cond delay="indefinite"/>
+                      </p:stCondLst>
+                      <p:childTnLst>
+                        <p:par>
+                          <p:cTn id="8" fill="hold">
+                            <p:stCondLst>
+                              <p:cond delay="0"/>
+                            </p:stCondLst>
+                            <p:childTnLst>
+                              <p:par>
+                                <p:cTn id="9" presetID="1" presetClass="entr" presetSubtype="0" fill="hold" grpId="0" nodeType="clickEffect">
+                                  <p:stCondLst>
+                                    <p:cond delay="0"/>
+                                  </p:stCondLst>
+                                  <p:childTnLst>
+                                    <p:set>
+                                      <p:cBhvr>
+                                        <p:cTn id="10" dur="1" fill="hold">
+                                          <p:stCondLst>
+                                            <p:cond delay="0"/>
+                                          </p:stCondLst>
+                                        </p:cTn>
+                                        <p:tgtEl>
+                                          <p:spTgt spid="3">
+                                            <p:txEl>
+                                              <p:pRg st="1" end="1"/>
+                                            </p:txEl>
+                                          </p:spTgt>
+                                        </p:tgtEl>
+                                        <p:attrNameLst>
+                                          <p:attrName>style.visibility</p:attrName>
+                                        </p:attrNameLst>
+                                      </p:cBhvr>
+                                      <p:to>
+                                        <p:strVal val="visible"/>
+                                      </p:to>
+                                    </p:set>
+                                  </p:childTnLst>
+                                </p:cTn>
+                              </p:par>
+                              <p:par>
+                                <p:cTn id="11" presetID="1" presetClass="entr" presetSubtype="0" fill="hold" grpId="0" nodeType="withEffect">
+                                  <p:stCondLst>
+                                    <p:cond delay="0"/>
+                                  </p:stCondLst>
+                                  <p:childTnLst>
+                                    <p:set>
+                                      <p:cBhvr>
+                                        <p:cTn id="12" dur="1" fill="hold">
+                                          <p:stCondLst>
+                                            <p:cond delay="0"/>
+                                          </p:stCondLst>
+                                        </p:cTn>
+                                        <p:tgtEl>
+                                          <p:spTgt spid="3">
+                                            <p:txEl>
+                                              <p:pRg st="2" end="2"/>
+                                            </p:txEl>
+                                          </p:spTgt>
+                                        </p:tgtEl>
+                                        <p:attrNameLst>
+                                          <p:attrName>style.visibility</p:attrName>
+                                        </p:attrNameLst>
+                                      </p:cBhvr>
+                                      <p:to>
+                                        <p:strVal val="visible"/>
+                                      </p:to>
+                                    </p:set>
+                                  </p:childTnLst>
+                                </p:cTn>
+                              </p:par>
+                              <p:par>
+                                <p:cTn id="13" presetID="1" presetClass="entr" presetSubtype="0" fill="hold" grpId="0" nodeType="withEffect">
+                                  <p:stCondLst>
+                                    <p:cond delay="0"/>
+                                  </p:stCondLst>
+                                  <p:childTnLst>
+                                    <p:set>
+                                      <p:cBhvr>
+                                        <p:cTn id="14" dur="1" fill="hold">
+                                          <p:stCondLst>
+                                            <p:cond delay="0"/>
+                                          </p:stCondLst>
+                                        </p:cTn>
+                                        <p:tgtEl>
+                                          <p:spTgt spid="3">
+                                            <p:txEl>
+                                              <p:pRg st="3" end="3"/>
+                                            </p:txEl>
+                                          </p:spTgt>
+                                        </p:tgtEl>
+                                        <p:attrNameLst>
+                                          <p:attrName>style.visibility</p:attrName>
+                                        </p:attrNameLst>
+                                      </p:cBhvr>
+                                      <p:to>
+                                        <p:strVal val="visible"/>
+                                      </p:to>
+                                    </p:set>
+                                  </p:childTnLst>
+                                </p:cTn>
+                              </p:par>
+                            </p:childTnLst>
+                          </p:cTn>
+                        </p:par>
+                      </p:childTnLst>
+                    </p:cTn>
+                  </p:par>
+                  <p:par>
+                    <p:cTn id="15" fill="hold">
+                      <p:stCondLst>
+                        <p:cond delay="indefinite"/>
+                      </p:stCondLst>
+                      <p:childTnLst>
+                        <p:par>
+                          <p:cTn id="16" fill="hold">
+                            <p:stCondLst>
+                              <p:cond delay="0"/>
+                            </p:stCondLst>
+                            <p:childTnLst>
+                              <p:par>
+                                <p:cTn id="17" presetID="1" presetClass="entr" presetSubtype="0" fill="hold" grpId="0" nodeType="clickEffect">
+                                  <p:stCondLst>
+                                    <p:cond delay="0"/>
+                                  </p:stCondLst>
+                                  <p:childTnLst>
+                                    <p:set>
+                                      <p:cBhvr>
+                                        <p:cTn id="18" dur="1" fill="hold">
+                                          <p:stCondLst>
+                                            <p:cond delay="0"/>
+                                          </p:stCondLst>
+                                        </p:cTn>
+                                        <p:tgtEl>
+                                          <p:spTgt spid="3">
+                                            <p:txEl>
+                                              <p:pRg st="4" end="4"/>
+                                            </p:txEl>
+                                          </p:spTgt>
+                                        </p:tgtEl>
+                                        <p:attrNameLst>
+                                          <p:attrName>style.visibility</p:attrName>
+                                        </p:attrNameLst>
+                                      </p:cBhvr>
+                                      <p:to>
+                                        <p:strVal val="visible"/>
+                                      </p:to>
+                                    </p:set>
+                                  </p:childTnLst>
+                                </p:cTn>
+                              </p:par>
+                              <p:par>
+                                <p:cTn id="19" presetID="1" presetClass="entr" presetSubtype="0" fill="hold" grpId="0" nodeType="withEffect">
+                                  <p:stCondLst>
+                                    <p:cond delay="0"/>
+                                  </p:stCondLst>
+                                  <p:childTnLst>
+                                    <p:set>
+                                      <p:cBhvr>
+                                        <p:cTn id="20" dur="1" fill="hold">
+                                          <p:stCondLst>
+                                            <p:cond delay="0"/>
+                                          </p:stCondLst>
+                                        </p:cTn>
+                                        <p:tgtEl>
+                                          <p:spTgt spid="3">
+                                            <p:txEl>
+                                              <p:pRg st="5" end="5"/>
+                                            </p:txEl>
+                                          </p:spTgt>
+                                        </p:tgtEl>
+                                        <p:attrNameLst>
+                                          <p:attrName>style.visibility</p:attrName>
+                                        </p:attrNameLst>
+                                      </p:cBhvr>
+                                      <p:to>
+                                        <p:strVal val="visible"/>
+                                      </p:to>
+                                    </p:set>
+                                  </p:childTnLst>
+                                </p:cTn>
+                              </p:par>
+                              <p:par>
+                                <p:cTn id="21" presetID="1" presetClass="entr" presetSubtype="0" fill="hold" grpId="0" nodeType="withEffect">
+                                  <p:stCondLst>
+                                    <p:cond delay="0"/>
+                                  </p:stCondLst>
+                                  <p:childTnLst>
+                                    <p:set>
+                                      <p:cBhvr>
+                                        <p:cTn id="22" dur="1" fill="hold">
+                                          <p:stCondLst>
+                                            <p:cond delay="0"/>
+                                          </p:stCondLst>
+                                        </p:cTn>
+                                        <p:tgtEl>
+                                          <p:spTgt spid="3">
+                                            <p:txEl>
+                                              <p:pRg st="6" end="6"/>
+                                            </p:txEl>
+                                          </p:spTgt>
+                                        </p:tgtEl>
+                                        <p:attrNameLst>
+                                          <p:attrName>style.visibility</p:attrName>
+                                        </p:attrNameLst>
+                                      </p:cBhvr>
+                                      <p:to>
+                                        <p:strVal val="visible"/>
+                                      </p:to>
+                                    </p:set>
+                                  </p:childTnLst>
+                                </p:cTn>
+                              </p:par>
+                            </p:childTnLst>
+                          </p:cTn>
+                        </p:par>
+                      </p:childTnLst>
+                    </p:cTn>
+                  </p:par>
+                </p:childTnLst>
+              </p:cTn>
+              <p:prevCondLst>
+                <p:cond evt="onPrev" delay="0">
+                  <p:tgtEl>
+                    <p:sldTgt/>
+                  </p:tgtEl>
+                </p:cond>
+              </p:prevCondLst>
+              <p:nextCondLst>
+                <p:cond evt="onNext" delay="0">
+                  <p:tgtEl>
+                    <p:sldTgt/>
+                  </p:tgtEl>
+                </p:cond>
+              </p:nextCondLst>
+            </p:seq>
+          </p:childTnLst>
+        </p:cTn>
+      </p:par>
+    </p:tnLst>
+    <p:bldLst>
+      <p:bldP spid="3" grpId="0" build="p"/>
+    </p:bldLst>
+  </p:timing>
+</p:sld>
+</file>
+
+<file path=ppt/slides/slide28.xml><?xml version="1.0" encoding="utf-8"?>
 <p:sld xmlns:a="http://schemas.openxmlformats.org/drawingml/2006/main" xmlns:r="http://schemas.openxmlformats.org/officeDocument/2006/relationships" xmlns:p="http://schemas.openxmlformats.org/presentationml/2006/main">
   <p:cSld>
     <p:spTree>
@@ -22607,7 +27354,7 @@
           <a:p>
             <a:fld id="{0AA598EC-1C61-495B-A9F8-4410E339CCF5}" type="slidenum">
               <a:rPr lang="en-US" smtClean="0"/>
-              <a:t>23</a:t>
+              <a:t>28</a:t>
             </a:fld>
             <a:endParaRPr lang="en-US"/>
           </a:p>
@@ -22839,7 +27586,2487 @@
 </p:sld>
 </file>
 
-<file path=ppt/slides/slide24.xml><?xml version="1.0" encoding="utf-8"?>
+<file path=ppt/slides/slide29.xml><?xml version="1.0" encoding="utf-8"?>
+<p:sld xmlns:a="http://schemas.openxmlformats.org/drawingml/2006/main" xmlns:r="http://schemas.openxmlformats.org/officeDocument/2006/relationships" xmlns:p="http://schemas.openxmlformats.org/presentationml/2006/main">
+  <p:cSld>
+    <p:spTree>
+      <p:nvGrpSpPr>
+        <p:cNvPr id="1" name=""/>
+        <p:cNvGrpSpPr/>
+        <p:nvPr/>
+      </p:nvGrpSpPr>
+      <p:grpSpPr>
+        <a:xfrm>
+          <a:off x="0" y="0"/>
+          <a:ext cx="0" cy="0"/>
+          <a:chOff x="0" y="0"/>
+          <a:chExt cx="0" cy="0"/>
+        </a:xfrm>
+      </p:grpSpPr>
+      <p:sp>
+        <p:nvSpPr>
+          <p:cNvPr id="2" name="Title 1"/>
+          <p:cNvSpPr>
+            <a:spLocks noGrp="1"/>
+          </p:cNvSpPr>
+          <p:nvPr>
+            <p:ph type="title"/>
+          </p:nvPr>
+        </p:nvSpPr>
+        <p:spPr/>
+        <p:txBody>
+          <a:bodyPr/>
+          <a:lstStyle/>
+          <a:p>
+            <a:r>
+              <a:rPr lang="en-US" dirty="0" smtClean="0"/>
+              <a:t>Throughput computing</a:t>
+            </a:r>
+            <a:endParaRPr lang="en-US" dirty="0"/>
+          </a:p>
+        </p:txBody>
+      </p:sp>
+      <p:sp>
+        <p:nvSpPr>
+          <p:cNvPr id="3" name="Content Placeholder 2"/>
+          <p:cNvSpPr>
+            <a:spLocks noGrp="1"/>
+          </p:cNvSpPr>
+          <p:nvPr>
+            <p:ph idx="1"/>
+          </p:nvPr>
+        </p:nvSpPr>
+        <p:spPr/>
+        <p:txBody>
+          <a:bodyPr/>
+          <a:lstStyle/>
+          <a:p>
+            <a:r>
+              <a:rPr lang="en-US" i="1" dirty="0" smtClean="0"/>
+              <a:t>N</a:t>
+            </a:r>
+            <a:r>
+              <a:rPr lang="en-US" dirty="0" smtClean="0"/>
+              <a:t> independent tasks</a:t>
+            </a:r>
+          </a:p>
+          <a:p>
+            <a:r>
+              <a:rPr lang="en-US" dirty="0" smtClean="0"/>
+              <a:t>Total number of cores </a:t>
+            </a:r>
+            <a:r>
+              <a:rPr lang="en-US" i="1" dirty="0" smtClean="0"/>
+              <a:t>n</a:t>
+            </a:r>
+            <a:r>
+              <a:rPr lang="en-US" dirty="0" smtClean="0"/>
+              <a:t> &lt;&lt; </a:t>
+            </a:r>
+            <a:r>
+              <a:rPr lang="en-US" i="1" dirty="0" smtClean="0"/>
+              <a:t>N</a:t>
+            </a:r>
+          </a:p>
+          <a:p>
+            <a:r>
+              <a:rPr lang="en-US" dirty="0" smtClean="0"/>
+              <a:t>Execution time single task, 1 thread: </a:t>
+            </a:r>
+            <a:r>
+              <a:rPr lang="en-US" i="1" dirty="0" smtClean="0"/>
+              <a:t>t</a:t>
+            </a:r>
+            <a:r>
+              <a:rPr lang="en-US" baseline="-25000" dirty="0" smtClean="0"/>
+              <a:t>1</a:t>
+            </a:r>
+          </a:p>
+          <a:p>
+            <a:r>
+              <a:rPr lang="en-US" dirty="0" smtClean="0"/>
+              <a:t>Execution time single task, </a:t>
+            </a:r>
+            <a:r>
+              <a:rPr lang="en-US" i="1" dirty="0" smtClean="0"/>
+              <a:t>n</a:t>
+            </a:r>
+            <a:r>
+              <a:rPr lang="en-US" dirty="0" smtClean="0"/>
+              <a:t> threads: </a:t>
+            </a:r>
+            <a:r>
+              <a:rPr lang="en-US" i="1" dirty="0" err="1" smtClean="0"/>
+              <a:t>t</a:t>
+            </a:r>
+            <a:r>
+              <a:rPr lang="en-US" i="1" baseline="-25000" dirty="0" err="1" smtClean="0"/>
+              <a:t>n</a:t>
+            </a:r>
+            <a:endParaRPr lang="en-US" dirty="0" smtClean="0"/>
+          </a:p>
+          <a:p>
+            <a:r>
+              <a:rPr lang="en-US" dirty="0" smtClean="0"/>
+              <a:t>Multithreading or not?</a:t>
+            </a:r>
+          </a:p>
+        </p:txBody>
+      </p:sp>
+      <p:graphicFrame>
+        <p:nvGraphicFramePr>
+          <p:cNvPr id="17" name="Object 16"/>
+          <p:cNvGraphicFramePr>
+            <a:graphicFrameLocks noChangeAspect="1"/>
+          </p:cNvGraphicFramePr>
+          <p:nvPr>
+            <p:extLst/>
+          </p:nvPr>
+        </p:nvGraphicFramePr>
+        <p:xfrm>
+          <a:off x="395536" y="4552763"/>
+          <a:ext cx="1851796" cy="896964"/>
+        </p:xfrm>
+        <a:graphic>
+          <a:graphicData uri="http://schemas.openxmlformats.org/presentationml/2006/ole">
+            <mc:AlternateContent xmlns:mc="http://schemas.openxmlformats.org/markup-compatibility/2006">
+              <mc:Choice xmlns:v="urn:schemas-microsoft-com:vml" Requires="v">
+                <p:oleObj spid="_x0000_s3074" name="Equation" r:id="rId3" imgW="812520" imgH="393480" progId="Equation.3">
+                  <p:embed/>
+                </p:oleObj>
+              </mc:Choice>
+              <mc:Fallback>
+                <p:oleObj name="Equation" r:id="rId3" imgW="812520" imgH="393480" progId="Equation.3">
+                  <p:embed/>
+                  <p:pic>
+                    <p:nvPicPr>
+                      <p:cNvPr id="0" name=""/>
+                      <p:cNvPicPr/>
+                      <p:nvPr/>
+                    </p:nvPicPr>
+                    <p:blipFill>
+                      <a:blip r:embed="rId4"/>
+                      <a:stretch>
+                        <a:fillRect/>
+                      </a:stretch>
+                    </p:blipFill>
+                    <p:spPr>
+                      <a:xfrm>
+                        <a:off x="395536" y="4552763"/>
+                        <a:ext cx="1851796" cy="896964"/>
+                      </a:xfrm>
+                      <a:prstGeom prst="rect">
+                        <a:avLst/>
+                      </a:prstGeom>
+                    </p:spPr>
+                  </p:pic>
+                </p:oleObj>
+              </mc:Fallback>
+            </mc:AlternateContent>
+          </a:graphicData>
+        </a:graphic>
+      </p:graphicFrame>
+      <p:graphicFrame>
+        <p:nvGraphicFramePr>
+          <p:cNvPr id="19" name="Object 18"/>
+          <p:cNvGraphicFramePr>
+            <a:graphicFrameLocks noChangeAspect="1"/>
+          </p:cNvGraphicFramePr>
+          <p:nvPr>
+            <p:extLst/>
+          </p:nvPr>
+        </p:nvGraphicFramePr>
+        <p:xfrm>
+          <a:off x="3175000" y="4508500"/>
+          <a:ext cx="5673725" cy="984250"/>
+        </p:xfrm>
+        <a:graphic>
+          <a:graphicData uri="http://schemas.openxmlformats.org/presentationml/2006/ole">
+            <mc:AlternateContent xmlns:mc="http://schemas.openxmlformats.org/markup-compatibility/2006">
+              <mc:Choice xmlns:v="urn:schemas-microsoft-com:vml" Requires="v">
+                <p:oleObj spid="_x0000_s3075" name="Equation" r:id="rId5" imgW="2489040" imgH="431640" progId="Equation.3">
+                  <p:embed/>
+                </p:oleObj>
+              </mc:Choice>
+              <mc:Fallback>
+                <p:oleObj name="Equation" r:id="rId5" imgW="2489040" imgH="431640" progId="Equation.3">
+                  <p:embed/>
+                  <p:pic>
+                    <p:nvPicPr>
+                      <p:cNvPr id="0" name=""/>
+                      <p:cNvPicPr/>
+                      <p:nvPr/>
+                    </p:nvPicPr>
+                    <p:blipFill>
+                      <a:blip r:embed="rId6"/>
+                      <a:stretch>
+                        <a:fillRect/>
+                      </a:stretch>
+                    </p:blipFill>
+                    <p:spPr>
+                      <a:xfrm>
+                        <a:off x="3175000" y="4508500"/>
+                        <a:ext cx="5673725" cy="984250"/>
+                      </a:xfrm>
+                      <a:prstGeom prst="rect">
+                        <a:avLst/>
+                      </a:prstGeom>
+                    </p:spPr>
+                  </p:pic>
+                </p:oleObj>
+              </mc:Fallback>
+            </mc:AlternateContent>
+          </a:graphicData>
+        </a:graphic>
+      </p:graphicFrame>
+      <p:sp>
+        <p:nvSpPr>
+          <p:cNvPr id="20" name="TextBox 19"/>
+          <p:cNvSpPr txBox="1"/>
+          <p:nvPr/>
+        </p:nvSpPr>
+        <p:spPr>
+          <a:xfrm>
+            <a:off x="3275856" y="5775647"/>
+            <a:ext cx="2652777" cy="461665"/>
+          </a:xfrm>
+          <a:prstGeom prst="rect">
+            <a:avLst/>
+          </a:prstGeom>
+          <a:noFill/>
+          <a:ln>
+            <a:solidFill>
+              <a:schemeClr val="tx1"/>
+            </a:solidFill>
+          </a:ln>
+        </p:spPr>
+        <p:txBody>
+          <a:bodyPr wrap="none" rtlCol="0">
+            <a:spAutoFit/>
+          </a:bodyPr>
+          <a:lstStyle/>
+          <a:p>
+            <a:r>
+              <a:rPr lang="en-US" sz="2400" dirty="0" smtClean="0"/>
+              <a:t>However: memory?</a:t>
+            </a:r>
+            <a:endParaRPr lang="en-US" sz="2400" dirty="0"/>
+          </a:p>
+        </p:txBody>
+      </p:sp>
+      <p:sp>
+        <p:nvSpPr>
+          <p:cNvPr id="21" name="Slide Number Placeholder 20"/>
+          <p:cNvSpPr>
+            <a:spLocks noGrp="1"/>
+          </p:cNvSpPr>
+          <p:nvPr>
+            <p:ph type="sldNum" sz="quarter" idx="12"/>
+          </p:nvPr>
+        </p:nvSpPr>
+        <p:spPr/>
+        <p:txBody>
+          <a:bodyPr/>
+          <a:lstStyle/>
+          <a:p>
+            <a:fld id="{6597116C-F94B-4B5B-973A-17F07FB5C418}" type="slidenum">
+              <a:rPr lang="nl-BE" smtClean="0"/>
+              <a:t>29</a:t>
+            </a:fld>
+            <a:endParaRPr lang="nl-BE"/>
+          </a:p>
+        </p:txBody>
+      </p:sp>
+    </p:spTree>
+    <p:extLst>
+      <p:ext uri="{BB962C8B-B14F-4D97-AF65-F5344CB8AC3E}">
+        <p14:creationId xmlns:p14="http://schemas.microsoft.com/office/powerpoint/2010/main" val="1661896717"/>
+      </p:ext>
+    </p:extLst>
+  </p:cSld>
+  <p:clrMapOvr>
+    <a:masterClrMapping/>
+  </p:clrMapOvr>
+  <p:timing>
+    <p:tnLst>
+      <p:par>
+        <p:cTn id="1" dur="indefinite" restart="never" nodeType="tmRoot">
+          <p:childTnLst>
+            <p:seq concurrent="1" nextAc="seek">
+              <p:cTn id="2" dur="indefinite" nodeType="mainSeq">
+                <p:childTnLst>
+                  <p:par>
+                    <p:cTn id="3" fill="hold">
+                      <p:stCondLst>
+                        <p:cond delay="indefinite"/>
+                        <p:cond evt="onBegin" delay="0">
+                          <p:tn val="2"/>
+                        </p:cond>
+                      </p:stCondLst>
+                      <p:childTnLst>
+                        <p:par>
+                          <p:cTn id="4" fill="hold">
+                            <p:stCondLst>
+                              <p:cond delay="0"/>
+                            </p:stCondLst>
+                            <p:childTnLst>
+                              <p:par>
+                                <p:cTn id="5" presetID="1" presetClass="entr" presetSubtype="0" fill="hold" grpId="0" nodeType="withEffect">
+                                  <p:stCondLst>
+                                    <p:cond delay="0"/>
+                                  </p:stCondLst>
+                                  <p:childTnLst>
+                                    <p:set>
+                                      <p:cBhvr>
+                                        <p:cTn id="6" dur="1" fill="hold">
+                                          <p:stCondLst>
+                                            <p:cond delay="0"/>
+                                          </p:stCondLst>
+                                        </p:cTn>
+                                        <p:tgtEl>
+                                          <p:spTgt spid="3">
+                                            <p:txEl>
+                                              <p:pRg st="0" end="0"/>
+                                            </p:txEl>
+                                          </p:spTgt>
+                                        </p:tgtEl>
+                                        <p:attrNameLst>
+                                          <p:attrName>style.visibility</p:attrName>
+                                        </p:attrNameLst>
+                                      </p:cBhvr>
+                                      <p:to>
+                                        <p:strVal val="visible"/>
+                                      </p:to>
+                                    </p:set>
+                                  </p:childTnLst>
+                                </p:cTn>
+                              </p:par>
+                            </p:childTnLst>
+                          </p:cTn>
+                        </p:par>
+                      </p:childTnLst>
+                    </p:cTn>
+                  </p:par>
+                  <p:par>
+                    <p:cTn id="7" fill="hold">
+                      <p:stCondLst>
+                        <p:cond delay="indefinite"/>
+                      </p:stCondLst>
+                      <p:childTnLst>
+                        <p:par>
+                          <p:cTn id="8" fill="hold">
+                            <p:stCondLst>
+                              <p:cond delay="0"/>
+                            </p:stCondLst>
+                            <p:childTnLst>
+                              <p:par>
+                                <p:cTn id="9" presetID="1" presetClass="entr" presetSubtype="0" fill="hold" grpId="0" nodeType="clickEffect">
+                                  <p:stCondLst>
+                                    <p:cond delay="0"/>
+                                  </p:stCondLst>
+                                  <p:childTnLst>
+                                    <p:set>
+                                      <p:cBhvr>
+                                        <p:cTn id="10" dur="1" fill="hold">
+                                          <p:stCondLst>
+                                            <p:cond delay="0"/>
+                                          </p:stCondLst>
+                                        </p:cTn>
+                                        <p:tgtEl>
+                                          <p:spTgt spid="3">
+                                            <p:txEl>
+                                              <p:pRg st="1" end="1"/>
+                                            </p:txEl>
+                                          </p:spTgt>
+                                        </p:tgtEl>
+                                        <p:attrNameLst>
+                                          <p:attrName>style.visibility</p:attrName>
+                                        </p:attrNameLst>
+                                      </p:cBhvr>
+                                      <p:to>
+                                        <p:strVal val="visible"/>
+                                      </p:to>
+                                    </p:set>
+                                  </p:childTnLst>
+                                </p:cTn>
+                              </p:par>
+                            </p:childTnLst>
+                          </p:cTn>
+                        </p:par>
+                      </p:childTnLst>
+                    </p:cTn>
+                  </p:par>
+                  <p:par>
+                    <p:cTn id="11" fill="hold">
+                      <p:stCondLst>
+                        <p:cond delay="indefinite"/>
+                      </p:stCondLst>
+                      <p:childTnLst>
+                        <p:par>
+                          <p:cTn id="12" fill="hold">
+                            <p:stCondLst>
+                              <p:cond delay="0"/>
+                            </p:stCondLst>
+                            <p:childTnLst>
+                              <p:par>
+                                <p:cTn id="13" presetID="1" presetClass="entr" presetSubtype="0" fill="hold" grpId="0" nodeType="clickEffect">
+                                  <p:stCondLst>
+                                    <p:cond delay="0"/>
+                                  </p:stCondLst>
+                                  <p:childTnLst>
+                                    <p:set>
+                                      <p:cBhvr>
+                                        <p:cTn id="14" dur="1" fill="hold">
+                                          <p:stCondLst>
+                                            <p:cond delay="0"/>
+                                          </p:stCondLst>
+                                        </p:cTn>
+                                        <p:tgtEl>
+                                          <p:spTgt spid="3">
+                                            <p:txEl>
+                                              <p:pRg st="2" end="2"/>
+                                            </p:txEl>
+                                          </p:spTgt>
+                                        </p:tgtEl>
+                                        <p:attrNameLst>
+                                          <p:attrName>style.visibility</p:attrName>
+                                        </p:attrNameLst>
+                                      </p:cBhvr>
+                                      <p:to>
+                                        <p:strVal val="visible"/>
+                                      </p:to>
+                                    </p:set>
+                                  </p:childTnLst>
+                                </p:cTn>
+                              </p:par>
+                            </p:childTnLst>
+                          </p:cTn>
+                        </p:par>
+                      </p:childTnLst>
+                    </p:cTn>
+                  </p:par>
+                  <p:par>
+                    <p:cTn id="15" fill="hold">
+                      <p:stCondLst>
+                        <p:cond delay="indefinite"/>
+                      </p:stCondLst>
+                      <p:childTnLst>
+                        <p:par>
+                          <p:cTn id="16" fill="hold">
+                            <p:stCondLst>
+                              <p:cond delay="0"/>
+                            </p:stCondLst>
+                            <p:childTnLst>
+                              <p:par>
+                                <p:cTn id="17" presetID="1" presetClass="entr" presetSubtype="0" fill="hold" grpId="0" nodeType="clickEffect">
+                                  <p:stCondLst>
+                                    <p:cond delay="0"/>
+                                  </p:stCondLst>
+                                  <p:childTnLst>
+                                    <p:set>
+                                      <p:cBhvr>
+                                        <p:cTn id="18" dur="1" fill="hold">
+                                          <p:stCondLst>
+                                            <p:cond delay="0"/>
+                                          </p:stCondLst>
+                                        </p:cTn>
+                                        <p:tgtEl>
+                                          <p:spTgt spid="3">
+                                            <p:txEl>
+                                              <p:pRg st="3" end="3"/>
+                                            </p:txEl>
+                                          </p:spTgt>
+                                        </p:tgtEl>
+                                        <p:attrNameLst>
+                                          <p:attrName>style.visibility</p:attrName>
+                                        </p:attrNameLst>
+                                      </p:cBhvr>
+                                      <p:to>
+                                        <p:strVal val="visible"/>
+                                      </p:to>
+                                    </p:set>
+                                  </p:childTnLst>
+                                </p:cTn>
+                              </p:par>
+                            </p:childTnLst>
+                          </p:cTn>
+                        </p:par>
+                      </p:childTnLst>
+                    </p:cTn>
+                  </p:par>
+                  <p:par>
+                    <p:cTn id="19" fill="hold">
+                      <p:stCondLst>
+                        <p:cond delay="indefinite"/>
+                      </p:stCondLst>
+                      <p:childTnLst>
+                        <p:par>
+                          <p:cTn id="20" fill="hold">
+                            <p:stCondLst>
+                              <p:cond delay="0"/>
+                            </p:stCondLst>
+                            <p:childTnLst>
+                              <p:par>
+                                <p:cTn id="21" presetID="1" presetClass="entr" presetSubtype="0" fill="hold" grpId="0" nodeType="clickEffect">
+                                  <p:stCondLst>
+                                    <p:cond delay="0"/>
+                                  </p:stCondLst>
+                                  <p:childTnLst>
+                                    <p:set>
+                                      <p:cBhvr>
+                                        <p:cTn id="22" dur="1" fill="hold">
+                                          <p:stCondLst>
+                                            <p:cond delay="0"/>
+                                          </p:stCondLst>
+                                        </p:cTn>
+                                        <p:tgtEl>
+                                          <p:spTgt spid="3">
+                                            <p:txEl>
+                                              <p:pRg st="4" end="4"/>
+                                            </p:txEl>
+                                          </p:spTgt>
+                                        </p:tgtEl>
+                                        <p:attrNameLst>
+                                          <p:attrName>style.visibility</p:attrName>
+                                        </p:attrNameLst>
+                                      </p:cBhvr>
+                                      <p:to>
+                                        <p:strVal val="visible"/>
+                                      </p:to>
+                                    </p:set>
+                                  </p:childTnLst>
+                                </p:cTn>
+                              </p:par>
+                            </p:childTnLst>
+                          </p:cTn>
+                        </p:par>
+                      </p:childTnLst>
+                    </p:cTn>
+                  </p:par>
+                  <p:par>
+                    <p:cTn id="23" fill="hold">
+                      <p:stCondLst>
+                        <p:cond delay="indefinite"/>
+                      </p:stCondLst>
+                      <p:childTnLst>
+                        <p:par>
+                          <p:cTn id="24" fill="hold">
+                            <p:stCondLst>
+                              <p:cond delay="0"/>
+                            </p:stCondLst>
+                            <p:childTnLst>
+                              <p:par>
+                                <p:cTn id="25" presetID="1" presetClass="entr" presetSubtype="0" fill="hold" nodeType="clickEffect">
+                                  <p:stCondLst>
+                                    <p:cond delay="0"/>
+                                  </p:stCondLst>
+                                  <p:childTnLst>
+                                    <p:set>
+                                      <p:cBhvr>
+                                        <p:cTn id="26" dur="1" fill="hold">
+                                          <p:stCondLst>
+                                            <p:cond delay="0"/>
+                                          </p:stCondLst>
+                                        </p:cTn>
+                                        <p:tgtEl>
+                                          <p:spTgt spid="17"/>
+                                        </p:tgtEl>
+                                        <p:attrNameLst>
+                                          <p:attrName>style.visibility</p:attrName>
+                                        </p:attrNameLst>
+                                      </p:cBhvr>
+                                      <p:to>
+                                        <p:strVal val="visible"/>
+                                      </p:to>
+                                    </p:set>
+                                  </p:childTnLst>
+                                </p:cTn>
+                              </p:par>
+                            </p:childTnLst>
+                          </p:cTn>
+                        </p:par>
+                      </p:childTnLst>
+                    </p:cTn>
+                  </p:par>
+                  <p:par>
+                    <p:cTn id="27" fill="hold">
+                      <p:stCondLst>
+                        <p:cond delay="indefinite"/>
+                      </p:stCondLst>
+                      <p:childTnLst>
+                        <p:par>
+                          <p:cTn id="28" fill="hold">
+                            <p:stCondLst>
+                              <p:cond delay="0"/>
+                            </p:stCondLst>
+                            <p:childTnLst>
+                              <p:par>
+                                <p:cTn id="29" presetID="1" presetClass="entr" presetSubtype="0" fill="hold" nodeType="clickEffect">
+                                  <p:stCondLst>
+                                    <p:cond delay="0"/>
+                                  </p:stCondLst>
+                                  <p:childTnLst>
+                                    <p:set>
+                                      <p:cBhvr>
+                                        <p:cTn id="30" dur="1" fill="hold">
+                                          <p:stCondLst>
+                                            <p:cond delay="0"/>
+                                          </p:stCondLst>
+                                        </p:cTn>
+                                        <p:tgtEl>
+                                          <p:spTgt spid="19"/>
+                                        </p:tgtEl>
+                                        <p:attrNameLst>
+                                          <p:attrName>style.visibility</p:attrName>
+                                        </p:attrNameLst>
+                                      </p:cBhvr>
+                                      <p:to>
+                                        <p:strVal val="visible"/>
+                                      </p:to>
+                                    </p:set>
+                                  </p:childTnLst>
+                                </p:cTn>
+                              </p:par>
+                            </p:childTnLst>
+                          </p:cTn>
+                        </p:par>
+                      </p:childTnLst>
+                    </p:cTn>
+                  </p:par>
+                  <p:par>
+                    <p:cTn id="31" fill="hold">
+                      <p:stCondLst>
+                        <p:cond delay="indefinite"/>
+                      </p:stCondLst>
+                      <p:childTnLst>
+                        <p:par>
+                          <p:cTn id="32" fill="hold">
+                            <p:stCondLst>
+                              <p:cond delay="0"/>
+                            </p:stCondLst>
+                            <p:childTnLst>
+                              <p:par>
+                                <p:cTn id="33" presetID="1" presetClass="entr" presetSubtype="0" fill="hold" grpId="0" nodeType="clickEffect">
+                                  <p:stCondLst>
+                                    <p:cond delay="0"/>
+                                  </p:stCondLst>
+                                  <p:childTnLst>
+                                    <p:set>
+                                      <p:cBhvr>
+                                        <p:cTn id="34" dur="1" fill="hold">
+                                          <p:stCondLst>
+                                            <p:cond delay="0"/>
+                                          </p:stCondLst>
+                                        </p:cTn>
+                                        <p:tgtEl>
+                                          <p:spTgt spid="20"/>
+                                        </p:tgtEl>
+                                        <p:attrNameLst>
+                                          <p:attrName>style.visibility</p:attrName>
+                                        </p:attrNameLst>
+                                      </p:cBhvr>
+                                      <p:to>
+                                        <p:strVal val="visible"/>
+                                      </p:to>
+                                    </p:set>
+                                  </p:childTnLst>
+                                </p:cTn>
+                              </p:par>
+                            </p:childTnLst>
+                          </p:cTn>
+                        </p:par>
+                      </p:childTnLst>
+                    </p:cTn>
+                  </p:par>
+                </p:childTnLst>
+              </p:cTn>
+              <p:prevCondLst>
+                <p:cond evt="onPrev" delay="0">
+                  <p:tgtEl>
+                    <p:sldTgt/>
+                  </p:tgtEl>
+                </p:cond>
+              </p:prevCondLst>
+              <p:nextCondLst>
+                <p:cond evt="onNext" delay="0">
+                  <p:tgtEl>
+                    <p:sldTgt/>
+                  </p:tgtEl>
+                </p:cond>
+              </p:nextCondLst>
+            </p:seq>
+          </p:childTnLst>
+        </p:cTn>
+      </p:par>
+    </p:tnLst>
+    <p:bldLst>
+      <p:bldP spid="3" grpId="0" build="p"/>
+      <p:bldP spid="20" grpId="0" animBg="1"/>
+    </p:bldLst>
+  </p:timing>
+</p:sld>
+</file>
+
+<file path=ppt/slides/slide3.xml><?xml version="1.0" encoding="utf-8"?>
+<p:sld xmlns:a="http://schemas.openxmlformats.org/drawingml/2006/main" xmlns:r="http://schemas.openxmlformats.org/officeDocument/2006/relationships" xmlns:p="http://schemas.openxmlformats.org/presentationml/2006/main">
+  <p:cSld>
+    <p:spTree>
+      <p:nvGrpSpPr>
+        <p:cNvPr id="1" name=""/>
+        <p:cNvGrpSpPr/>
+        <p:nvPr/>
+      </p:nvGrpSpPr>
+      <p:grpSpPr>
+        <a:xfrm>
+          <a:off x="0" y="0"/>
+          <a:ext cx="0" cy="0"/>
+          <a:chOff x="0" y="0"/>
+          <a:chExt cx="0" cy="0"/>
+        </a:xfrm>
+      </p:grpSpPr>
+      <p:sp>
+        <p:nvSpPr>
+          <p:cNvPr id="4098" name="Title 1"/>
+          <p:cNvSpPr>
+            <a:spLocks noGrp="1"/>
+          </p:cNvSpPr>
+          <p:nvPr>
+            <p:ph type="title" idx="4294967295"/>
+          </p:nvPr>
+        </p:nvSpPr>
+        <p:spPr>
+          <a:xfrm>
+            <a:off x="485775" y="274638"/>
+            <a:ext cx="8229600" cy="1143000"/>
+          </a:xfrm>
+        </p:spPr>
+        <p:txBody>
+          <a:bodyPr/>
+          <a:lstStyle/>
+          <a:p>
+            <a:pPr eaLnBrk="1" hangingPunct="1"/>
+            <a:r>
+              <a:rPr lang="en-US" smtClean="0"/>
+              <a:t>Use case 1: parameter exploration  </a:t>
+            </a:r>
+            <a:endParaRPr lang="nl-BE" smtClean="0"/>
+          </a:p>
+        </p:txBody>
+      </p:sp>
+      <p:graphicFrame>
+        <p:nvGraphicFramePr>
+          <p:cNvPr id="3" name="Table 2"/>
+          <p:cNvGraphicFramePr>
+            <a:graphicFrameLocks noGrp="1"/>
+          </p:cNvGraphicFramePr>
+          <p:nvPr>
+            <p:extLst>
+              <p:ext uri="{D42A27DB-BD31-4B8C-83A1-F6EECF244321}">
+                <p14:modId xmlns:p14="http://schemas.microsoft.com/office/powerpoint/2010/main" val="1754844820"/>
+              </p:ext>
+            </p:extLst>
+          </p:nvPr>
+        </p:nvGraphicFramePr>
+        <p:xfrm>
+          <a:off x="2571750" y="1628800"/>
+          <a:ext cx="6096000" cy="1482724"/>
+        </p:xfrm>
+        <a:graphic>
+          <a:graphicData uri="http://schemas.openxmlformats.org/drawingml/2006/table">
+            <a:tbl>
+              <a:tblPr firstRow="1" bandRow="1">
+                <a:tableStyleId>{5C22544A-7EE6-4342-B048-85BDC9FD1C3A}</a:tableStyleId>
+              </a:tblPr>
+              <a:tblGrid>
+                <a:gridCol w="2032000"/>
+                <a:gridCol w="2032000"/>
+                <a:gridCol w="2032000"/>
+              </a:tblGrid>
+              <a:tr h="370681">
+                <a:tc>
+                  <a:txBody>
+                    <a:bodyPr/>
+                    <a:lstStyle/>
+                    <a:p>
+                      <a:r>
+                        <a:rPr lang="en-US" sz="1800" dirty="0" smtClean="0"/>
+                        <a:t>temperature</a:t>
+                      </a:r>
+                      <a:endParaRPr lang="nl-BE" sz="1800" dirty="0"/>
+                    </a:p>
+                  </a:txBody>
+                  <a:tcPr marT="45700" marB="45700"/>
+                </a:tc>
+                <a:tc>
+                  <a:txBody>
+                    <a:bodyPr/>
+                    <a:lstStyle/>
+                    <a:p>
+                      <a:r>
+                        <a:rPr lang="en-US" sz="1800" dirty="0" smtClean="0"/>
+                        <a:t>pressure</a:t>
+                      </a:r>
+                      <a:endParaRPr lang="nl-BE" sz="1800" dirty="0"/>
+                    </a:p>
+                  </a:txBody>
+                  <a:tcPr marT="45700" marB="45700"/>
+                </a:tc>
+                <a:tc>
+                  <a:txBody>
+                    <a:bodyPr/>
+                    <a:lstStyle/>
+                    <a:p>
+                      <a:r>
+                        <a:rPr lang="en-US" sz="1800" dirty="0" smtClean="0"/>
+                        <a:t>humidity</a:t>
+                      </a:r>
+                      <a:endParaRPr lang="nl-BE" sz="1800" dirty="0"/>
+                    </a:p>
+                  </a:txBody>
+                  <a:tcPr marT="45700" marB="45700"/>
+                </a:tc>
+              </a:tr>
+              <a:tr h="370681">
+                <a:tc>
+                  <a:txBody>
+                    <a:bodyPr/>
+                    <a:lstStyle/>
+                    <a:p>
+                      <a:r>
+                        <a:rPr lang="en-US" sz="1800" dirty="0" smtClean="0"/>
+                        <a:t>293.0</a:t>
+                      </a:r>
+                    </a:p>
+                  </a:txBody>
+                  <a:tcPr marT="45700" marB="45700"/>
+                </a:tc>
+                <a:tc>
+                  <a:txBody>
+                    <a:bodyPr/>
+                    <a:lstStyle/>
+                    <a:p>
+                      <a:r>
+                        <a:rPr lang="en-US" sz="1800" dirty="0" smtClean="0"/>
+                        <a:t>1.0e05</a:t>
+                      </a:r>
+                      <a:endParaRPr lang="nl-BE" sz="1800" dirty="0"/>
+                    </a:p>
+                  </a:txBody>
+                  <a:tcPr marT="45700" marB="45700"/>
+                </a:tc>
+                <a:tc>
+                  <a:txBody>
+                    <a:bodyPr/>
+                    <a:lstStyle/>
+                    <a:p>
+                      <a:r>
+                        <a:rPr lang="en-US" sz="1800" dirty="0" smtClean="0"/>
+                        <a:t>87</a:t>
+                      </a:r>
+                      <a:endParaRPr lang="nl-BE" sz="1800" dirty="0"/>
+                    </a:p>
+                  </a:txBody>
+                  <a:tcPr marT="45700" marB="45700"/>
+                </a:tc>
+              </a:tr>
+              <a:tr h="370681">
+                <a:tc>
+                  <a:txBody>
+                    <a:bodyPr/>
+                    <a:lstStyle/>
+                    <a:p>
+                      <a:r>
+                        <a:rPr lang="en-US" sz="1800" dirty="0" smtClean="0"/>
+                        <a:t>…</a:t>
+                      </a:r>
+                      <a:endParaRPr lang="nl-BE" sz="1800" dirty="0"/>
+                    </a:p>
+                  </a:txBody>
+                  <a:tcPr marT="45700" marB="45700"/>
+                </a:tc>
+                <a:tc>
+                  <a:txBody>
+                    <a:bodyPr/>
+                    <a:lstStyle/>
+                    <a:p>
+                      <a:r>
+                        <a:rPr lang="en-US" sz="1800" dirty="0" smtClean="0"/>
+                        <a:t>…</a:t>
+                      </a:r>
+                      <a:endParaRPr lang="nl-BE" sz="1800" dirty="0"/>
+                    </a:p>
+                  </a:txBody>
+                  <a:tcPr marT="45700" marB="45700"/>
+                </a:tc>
+                <a:tc>
+                  <a:txBody>
+                    <a:bodyPr/>
+                    <a:lstStyle/>
+                    <a:p>
+                      <a:r>
+                        <a:rPr lang="en-US" sz="1800" dirty="0" smtClean="0"/>
+                        <a:t>…</a:t>
+                      </a:r>
+                      <a:endParaRPr lang="nl-BE" sz="1800" dirty="0"/>
+                    </a:p>
+                  </a:txBody>
+                  <a:tcPr marT="45700" marB="45700"/>
+                </a:tc>
+              </a:tr>
+              <a:tr h="370681">
+                <a:tc>
+                  <a:txBody>
+                    <a:bodyPr/>
+                    <a:lstStyle/>
+                    <a:p>
+                      <a:r>
+                        <a:rPr lang="en-US" sz="1800" dirty="0" smtClean="0"/>
+                        <a:t>313.0</a:t>
+                      </a:r>
+                      <a:endParaRPr lang="nl-BE" sz="1800" dirty="0"/>
+                    </a:p>
+                  </a:txBody>
+                  <a:tcPr marT="45700" marB="45700"/>
+                </a:tc>
+                <a:tc>
+                  <a:txBody>
+                    <a:bodyPr/>
+                    <a:lstStyle/>
+                    <a:p>
+                      <a:r>
+                        <a:rPr lang="en-US" sz="1800" dirty="0" smtClean="0"/>
+                        <a:t>1.3e05</a:t>
+                      </a:r>
+                      <a:endParaRPr lang="nl-BE" sz="1800" dirty="0"/>
+                    </a:p>
+                  </a:txBody>
+                  <a:tcPr marT="45700" marB="45700"/>
+                </a:tc>
+                <a:tc>
+                  <a:txBody>
+                    <a:bodyPr/>
+                    <a:lstStyle/>
+                    <a:p>
+                      <a:r>
+                        <a:rPr lang="en-US" sz="1800" dirty="0" smtClean="0"/>
+                        <a:t>75</a:t>
+                      </a:r>
+                      <a:endParaRPr lang="nl-BE" sz="1800" dirty="0"/>
+                    </a:p>
+                  </a:txBody>
+                  <a:tcPr marT="45700" marB="45700"/>
+                </a:tc>
+              </a:tr>
+            </a:tbl>
+          </a:graphicData>
+        </a:graphic>
+      </p:graphicFrame>
+      <p:grpSp>
+        <p:nvGrpSpPr>
+          <p:cNvPr id="4" name="Group 3"/>
+          <p:cNvGrpSpPr/>
+          <p:nvPr/>
+        </p:nvGrpSpPr>
+        <p:grpSpPr>
+          <a:xfrm>
+            <a:off x="485775" y="3429000"/>
+            <a:ext cx="7213620" cy="1477328"/>
+            <a:chOff x="428625" y="3754438"/>
+            <a:chExt cx="7213620" cy="1477328"/>
+          </a:xfrm>
+        </p:grpSpPr>
+        <p:sp>
+          <p:nvSpPr>
+            <p:cNvPr id="4121" name="TextBox 3"/>
+            <p:cNvSpPr txBox="1">
+              <a:spLocks noChangeArrowheads="1"/>
+            </p:cNvSpPr>
+            <p:nvPr/>
+          </p:nvSpPr>
+          <p:spPr bwMode="auto">
+            <a:xfrm>
+              <a:off x="428625" y="3754438"/>
+              <a:ext cx="7213620" cy="1477328"/>
+            </a:xfrm>
+            <a:prstGeom prst="rect">
+              <a:avLst/>
+            </a:prstGeom>
+            <a:solidFill>
+              <a:schemeClr val="bg1">
+                <a:lumMod val="95000"/>
+              </a:schemeClr>
+            </a:solidFill>
+            <a:ln w="9525">
+              <a:solidFill>
+                <a:schemeClr val="tx1"/>
+              </a:solidFill>
+              <a:miter lim="800000"/>
+              <a:headEnd/>
+              <a:tailEnd/>
+            </a:ln>
+            <a:extLst/>
+          </p:spPr>
+          <p:txBody>
+            <a:bodyPr wrap="square">
+              <a:spAutoFit/>
+            </a:bodyPr>
+            <a:lstStyle>
+              <a:lvl1pPr eaLnBrk="0" hangingPunct="0">
+                <a:defRPr>
+                  <a:solidFill>
+                    <a:schemeClr val="tx1"/>
+                  </a:solidFill>
+                  <a:latin typeface="Arial" charset="0"/>
+                  <a:cs typeface="Arial" charset="0"/>
+                </a:defRPr>
+              </a:lvl1pPr>
+              <a:lvl2pPr marL="742950" indent="-285750" eaLnBrk="0" hangingPunct="0">
+                <a:defRPr>
+                  <a:solidFill>
+                    <a:schemeClr val="tx1"/>
+                  </a:solidFill>
+                  <a:latin typeface="Arial" charset="0"/>
+                  <a:cs typeface="Arial" charset="0"/>
+                </a:defRPr>
+              </a:lvl2pPr>
+              <a:lvl3pPr marL="1143000" indent="-228600" eaLnBrk="0" hangingPunct="0">
+                <a:defRPr>
+                  <a:solidFill>
+                    <a:schemeClr val="tx1"/>
+                  </a:solidFill>
+                  <a:latin typeface="Arial" charset="0"/>
+                  <a:cs typeface="Arial" charset="0"/>
+                </a:defRPr>
+              </a:lvl3pPr>
+              <a:lvl4pPr marL="1600200" indent="-228600" eaLnBrk="0" hangingPunct="0">
+                <a:defRPr>
+                  <a:solidFill>
+                    <a:schemeClr val="tx1"/>
+                  </a:solidFill>
+                  <a:latin typeface="Arial" charset="0"/>
+                  <a:cs typeface="Arial" charset="0"/>
+                </a:defRPr>
+              </a:lvl4pPr>
+              <a:lvl5pPr marL="2057400" indent="-228600" eaLnBrk="0" hangingPunct="0">
+                <a:defRPr>
+                  <a:solidFill>
+                    <a:schemeClr val="tx1"/>
+                  </a:solidFill>
+                  <a:latin typeface="Arial" charset="0"/>
+                  <a:cs typeface="Arial" charset="0"/>
+                </a:defRPr>
+              </a:lvl5pPr>
+              <a:lvl6pPr marL="2514600" indent="-228600" eaLnBrk="0" fontAlgn="base" hangingPunct="0">
+                <a:spcBef>
+                  <a:spcPct val="0"/>
+                </a:spcBef>
+                <a:spcAft>
+                  <a:spcPct val="0"/>
+                </a:spcAft>
+                <a:defRPr>
+                  <a:solidFill>
+                    <a:schemeClr val="tx1"/>
+                  </a:solidFill>
+                  <a:latin typeface="Arial" charset="0"/>
+                  <a:cs typeface="Arial" charset="0"/>
+                </a:defRPr>
+              </a:lvl6pPr>
+              <a:lvl7pPr marL="2971800" indent="-228600" eaLnBrk="0" fontAlgn="base" hangingPunct="0">
+                <a:spcBef>
+                  <a:spcPct val="0"/>
+                </a:spcBef>
+                <a:spcAft>
+                  <a:spcPct val="0"/>
+                </a:spcAft>
+                <a:defRPr>
+                  <a:solidFill>
+                    <a:schemeClr val="tx1"/>
+                  </a:solidFill>
+                  <a:latin typeface="Arial" charset="0"/>
+                  <a:cs typeface="Arial" charset="0"/>
+                </a:defRPr>
+              </a:lvl7pPr>
+              <a:lvl8pPr marL="3429000" indent="-228600" eaLnBrk="0" fontAlgn="base" hangingPunct="0">
+                <a:spcBef>
+                  <a:spcPct val="0"/>
+                </a:spcBef>
+                <a:spcAft>
+                  <a:spcPct val="0"/>
+                </a:spcAft>
+                <a:defRPr>
+                  <a:solidFill>
+                    <a:schemeClr val="tx1"/>
+                  </a:solidFill>
+                  <a:latin typeface="Arial" charset="0"/>
+                  <a:cs typeface="Arial" charset="0"/>
+                </a:defRPr>
+              </a:lvl8pPr>
+              <a:lvl9pPr marL="3886200" indent="-228600" eaLnBrk="0" fontAlgn="base" hangingPunct="0">
+                <a:spcBef>
+                  <a:spcPct val="0"/>
+                </a:spcBef>
+                <a:spcAft>
+                  <a:spcPct val="0"/>
+                </a:spcAft>
+                <a:defRPr>
+                  <a:solidFill>
+                    <a:schemeClr val="tx1"/>
+                  </a:solidFill>
+                  <a:latin typeface="Arial" charset="0"/>
+                  <a:cs typeface="Arial" charset="0"/>
+                </a:defRPr>
+              </a:lvl9pPr>
+            </a:lstStyle>
+            <a:p>
+              <a:pPr eaLnBrk="1" hangingPunct="1"/>
+              <a:r>
+                <a:rPr lang="en-US" dirty="0">
+                  <a:latin typeface="Courier New" pitchFamily="49" charset="0"/>
+                  <a:cs typeface="Courier New" pitchFamily="49" charset="0"/>
+                </a:rPr>
+                <a:t>#!/bin/bash –l</a:t>
+              </a:r>
+            </a:p>
+            <a:p>
+              <a:pPr eaLnBrk="1" hangingPunct="1"/>
+              <a:r>
+                <a:rPr lang="en-US" dirty="0">
+                  <a:latin typeface="Courier New" pitchFamily="49" charset="0"/>
+                  <a:cs typeface="Courier New" pitchFamily="49" charset="0"/>
+                </a:rPr>
+                <a:t>#PBS –l </a:t>
+              </a:r>
+              <a:r>
+                <a:rPr lang="en-US" dirty="0" smtClean="0">
+                  <a:latin typeface="Courier New" pitchFamily="49" charset="0"/>
+                  <a:cs typeface="Courier New" pitchFamily="49" charset="0"/>
+                </a:rPr>
+                <a:t>nodes=1:ppn=1</a:t>
+              </a:r>
+              <a:endParaRPr lang="en-US" dirty="0">
+                <a:latin typeface="Courier New" pitchFamily="49" charset="0"/>
+                <a:cs typeface="Courier New" pitchFamily="49" charset="0"/>
+              </a:endParaRPr>
+            </a:p>
+            <a:p>
+              <a:pPr eaLnBrk="1" hangingPunct="1"/>
+              <a:endParaRPr lang="en-US" dirty="0">
+                <a:latin typeface="Courier New" pitchFamily="49" charset="0"/>
+                <a:cs typeface="Courier New" pitchFamily="49" charset="0"/>
+              </a:endParaRPr>
+            </a:p>
+            <a:p>
+              <a:pPr eaLnBrk="1" hangingPunct="1"/>
+              <a:r>
+                <a:rPr lang="en-US" dirty="0">
+                  <a:latin typeface="Courier New" pitchFamily="49" charset="0"/>
+                  <a:cs typeface="Courier New" pitchFamily="49" charset="0"/>
+                </a:rPr>
+                <a:t>cd $PBS_O_WORKDIR</a:t>
+              </a:r>
+              <a:br>
+                <a:rPr lang="en-US" dirty="0">
+                  <a:latin typeface="Courier New" pitchFamily="49" charset="0"/>
+                  <a:cs typeface="Courier New" pitchFamily="49" charset="0"/>
+                </a:rPr>
+              </a:br>
+              <a:r>
+                <a:rPr lang="en-US" dirty="0">
+                  <a:latin typeface="Courier New" pitchFamily="49" charset="0"/>
+                  <a:cs typeface="Courier New" pitchFamily="49" charset="0"/>
+                </a:rPr>
+                <a:t>weather –p </a:t>
+              </a:r>
+              <a:r>
+                <a:rPr lang="en-US" dirty="0" smtClean="0">
+                  <a:latin typeface="Courier New" pitchFamily="49" charset="0"/>
+                  <a:cs typeface="Courier New" pitchFamily="49" charset="0"/>
+                </a:rPr>
+                <a:t>1.0e05  </a:t>
+              </a:r>
+              <a:r>
+                <a:rPr lang="en-US" dirty="0">
+                  <a:latin typeface="Courier New" pitchFamily="49" charset="0"/>
+                  <a:cs typeface="Courier New" pitchFamily="49" charset="0"/>
+                </a:rPr>
+                <a:t>–t </a:t>
+              </a:r>
+              <a:r>
+                <a:rPr lang="en-US" dirty="0" smtClean="0">
+                  <a:latin typeface="Courier New" pitchFamily="49" charset="0"/>
+                  <a:cs typeface="Courier New" pitchFamily="49" charset="0"/>
+                </a:rPr>
+                <a:t>293.0  </a:t>
+              </a:r>
+              <a:r>
+                <a:rPr lang="en-US" dirty="0">
+                  <a:latin typeface="Courier New" pitchFamily="49" charset="0"/>
+                  <a:cs typeface="Courier New" pitchFamily="49" charset="0"/>
+                </a:rPr>
+                <a:t>–h </a:t>
+              </a:r>
+              <a:r>
+                <a:rPr lang="en-US" dirty="0" smtClean="0">
+                  <a:latin typeface="Courier New" pitchFamily="49" charset="0"/>
+                  <a:cs typeface="Courier New" pitchFamily="49" charset="0"/>
+                </a:rPr>
+                <a:t>87</a:t>
+              </a:r>
+              <a:endParaRPr lang="en-US" dirty="0">
+                <a:latin typeface="Courier New" pitchFamily="49" charset="0"/>
+                <a:cs typeface="Courier New" pitchFamily="49" charset="0"/>
+              </a:endParaRPr>
+            </a:p>
+          </p:txBody>
+        </p:sp>
+        <p:sp>
+          <p:nvSpPr>
+            <p:cNvPr id="7" name="TextBox 8"/>
+            <p:cNvSpPr txBox="1">
+              <a:spLocks noChangeArrowheads="1"/>
+            </p:cNvSpPr>
+            <p:nvPr/>
+          </p:nvSpPr>
+          <p:spPr bwMode="auto">
+            <a:xfrm>
+              <a:off x="6527837" y="3760127"/>
+              <a:ext cx="1114408" cy="276999"/>
+            </a:xfrm>
+            <a:prstGeom prst="rect">
+              <a:avLst/>
+            </a:prstGeom>
+            <a:solidFill>
+              <a:srgbClr val="FFFFFF"/>
+            </a:solidFill>
+            <a:ln w="9525">
+              <a:solidFill>
+                <a:srgbClr val="000000"/>
+              </a:solidFill>
+              <a:miter lim="800000"/>
+              <a:headEnd/>
+              <a:tailEnd/>
+            </a:ln>
+            <a:extLst/>
+          </p:spPr>
+          <p:txBody>
+            <a:bodyPr wrap="none">
+              <a:spAutoFit/>
+            </a:bodyPr>
+            <a:lstStyle>
+              <a:lvl1pPr eaLnBrk="0" hangingPunct="0">
+                <a:defRPr>
+                  <a:solidFill>
+                    <a:schemeClr val="tx1"/>
+                  </a:solidFill>
+                  <a:latin typeface="Arial" charset="0"/>
+                  <a:cs typeface="Arial" charset="0"/>
+                </a:defRPr>
+              </a:lvl1pPr>
+              <a:lvl2pPr marL="742950" indent="-285750" eaLnBrk="0" hangingPunct="0">
+                <a:defRPr>
+                  <a:solidFill>
+                    <a:schemeClr val="tx1"/>
+                  </a:solidFill>
+                  <a:latin typeface="Arial" charset="0"/>
+                  <a:cs typeface="Arial" charset="0"/>
+                </a:defRPr>
+              </a:lvl2pPr>
+              <a:lvl3pPr marL="1143000" indent="-228600" eaLnBrk="0" hangingPunct="0">
+                <a:defRPr>
+                  <a:solidFill>
+                    <a:schemeClr val="tx1"/>
+                  </a:solidFill>
+                  <a:latin typeface="Arial" charset="0"/>
+                  <a:cs typeface="Arial" charset="0"/>
+                </a:defRPr>
+              </a:lvl3pPr>
+              <a:lvl4pPr marL="1600200" indent="-228600" eaLnBrk="0" hangingPunct="0">
+                <a:defRPr>
+                  <a:solidFill>
+                    <a:schemeClr val="tx1"/>
+                  </a:solidFill>
+                  <a:latin typeface="Arial" charset="0"/>
+                  <a:cs typeface="Arial" charset="0"/>
+                </a:defRPr>
+              </a:lvl4pPr>
+              <a:lvl5pPr marL="2057400" indent="-228600" eaLnBrk="0" hangingPunct="0">
+                <a:defRPr>
+                  <a:solidFill>
+                    <a:schemeClr val="tx1"/>
+                  </a:solidFill>
+                  <a:latin typeface="Arial" charset="0"/>
+                  <a:cs typeface="Arial" charset="0"/>
+                </a:defRPr>
+              </a:lvl5pPr>
+              <a:lvl6pPr marL="2514600" indent="-228600" eaLnBrk="0" fontAlgn="base" hangingPunct="0">
+                <a:spcBef>
+                  <a:spcPct val="0"/>
+                </a:spcBef>
+                <a:spcAft>
+                  <a:spcPct val="0"/>
+                </a:spcAft>
+                <a:defRPr>
+                  <a:solidFill>
+                    <a:schemeClr val="tx1"/>
+                  </a:solidFill>
+                  <a:latin typeface="Arial" charset="0"/>
+                  <a:cs typeface="Arial" charset="0"/>
+                </a:defRPr>
+              </a:lvl6pPr>
+              <a:lvl7pPr marL="2971800" indent="-228600" eaLnBrk="0" fontAlgn="base" hangingPunct="0">
+                <a:spcBef>
+                  <a:spcPct val="0"/>
+                </a:spcBef>
+                <a:spcAft>
+                  <a:spcPct val="0"/>
+                </a:spcAft>
+                <a:defRPr>
+                  <a:solidFill>
+                    <a:schemeClr val="tx1"/>
+                  </a:solidFill>
+                  <a:latin typeface="Arial" charset="0"/>
+                  <a:cs typeface="Arial" charset="0"/>
+                </a:defRPr>
+              </a:lvl7pPr>
+              <a:lvl8pPr marL="3429000" indent="-228600" eaLnBrk="0" fontAlgn="base" hangingPunct="0">
+                <a:spcBef>
+                  <a:spcPct val="0"/>
+                </a:spcBef>
+                <a:spcAft>
+                  <a:spcPct val="0"/>
+                </a:spcAft>
+                <a:defRPr>
+                  <a:solidFill>
+                    <a:schemeClr val="tx1"/>
+                  </a:solidFill>
+                  <a:latin typeface="Arial" charset="0"/>
+                  <a:cs typeface="Arial" charset="0"/>
+                </a:defRPr>
+              </a:lvl8pPr>
+              <a:lvl9pPr marL="3886200" indent="-228600" eaLnBrk="0" fontAlgn="base" hangingPunct="0">
+                <a:spcBef>
+                  <a:spcPct val="0"/>
+                </a:spcBef>
+                <a:spcAft>
+                  <a:spcPct val="0"/>
+                </a:spcAft>
+                <a:defRPr>
+                  <a:solidFill>
+                    <a:schemeClr val="tx1"/>
+                  </a:solidFill>
+                  <a:latin typeface="Arial" charset="0"/>
+                  <a:cs typeface="Arial" charset="0"/>
+                </a:defRPr>
+              </a:lvl9pPr>
+            </a:lstStyle>
+            <a:p>
+              <a:pPr eaLnBrk="1" hangingPunct="1"/>
+              <a:r>
+                <a:rPr lang="en-US" sz="1200" b="1" dirty="0" smtClean="0">
+                  <a:latin typeface="Courier New" panose="02070309020205020404" pitchFamily="49" charset="0"/>
+                  <a:cs typeface="Courier New" panose="02070309020205020404" pitchFamily="49" charset="0"/>
+                </a:rPr>
+                <a:t>job_01.pbs</a:t>
+              </a:r>
+              <a:endParaRPr lang="nl-BE" sz="1200" b="1" dirty="0">
+                <a:latin typeface="Courier New" panose="02070309020205020404" pitchFamily="49" charset="0"/>
+                <a:cs typeface="Courier New" panose="02070309020205020404" pitchFamily="49" charset="0"/>
+              </a:endParaRPr>
+            </a:p>
+          </p:txBody>
+        </p:sp>
+      </p:grpSp>
+      <p:sp>
+        <p:nvSpPr>
+          <p:cNvPr id="6" name="Slide Number Placeholder 5"/>
+          <p:cNvSpPr>
+            <a:spLocks noGrp="1"/>
+          </p:cNvSpPr>
+          <p:nvPr>
+            <p:ph type="sldNum" sz="quarter" idx="12"/>
+          </p:nvPr>
+        </p:nvSpPr>
+        <p:spPr/>
+        <p:txBody>
+          <a:bodyPr/>
+          <a:lstStyle/>
+          <a:p>
+            <a:fld id="{0AA598EC-1C61-495B-A9F8-4410E339CCF5}" type="slidenum">
+              <a:rPr lang="en-US" smtClean="0"/>
+              <a:t>3</a:t>
+            </a:fld>
+            <a:endParaRPr lang="en-US"/>
+          </a:p>
+        </p:txBody>
+      </p:sp>
+      <p:grpSp>
+        <p:nvGrpSpPr>
+          <p:cNvPr id="18" name="Group 17"/>
+          <p:cNvGrpSpPr/>
+          <p:nvPr/>
+        </p:nvGrpSpPr>
+        <p:grpSpPr>
+          <a:xfrm>
+            <a:off x="627295" y="4026320"/>
+            <a:ext cx="7580090" cy="1477328"/>
+            <a:chOff x="627295" y="4026320"/>
+            <a:chExt cx="7580090" cy="1477328"/>
+          </a:xfrm>
+          <a:effectLst>
+            <a:outerShdw blurRad="50800" dist="38100" dir="8100000" algn="tr" rotWithShape="0">
+              <a:prstClr val="black">
+                <a:alpha val="40000"/>
+              </a:prstClr>
+            </a:outerShdw>
+          </a:effectLst>
+        </p:grpSpPr>
+        <p:grpSp>
+          <p:nvGrpSpPr>
+            <p:cNvPr id="12" name="Group 11"/>
+            <p:cNvGrpSpPr/>
+            <p:nvPr/>
+          </p:nvGrpSpPr>
+          <p:grpSpPr>
+            <a:xfrm>
+              <a:off x="993765" y="4026320"/>
+              <a:ext cx="7213620" cy="1477328"/>
+              <a:chOff x="428625" y="3754438"/>
+              <a:chExt cx="7213620" cy="1477328"/>
+            </a:xfrm>
+          </p:grpSpPr>
+          <p:sp>
+            <p:nvSpPr>
+              <p:cNvPr id="13" name="TextBox 3"/>
+              <p:cNvSpPr txBox="1">
+                <a:spLocks noChangeArrowheads="1"/>
+              </p:cNvSpPr>
+              <p:nvPr/>
+            </p:nvSpPr>
+            <p:spPr bwMode="auto">
+              <a:xfrm>
+                <a:off x="428625" y="3754438"/>
+                <a:ext cx="7213620" cy="1477328"/>
+              </a:xfrm>
+              <a:prstGeom prst="rect">
+                <a:avLst/>
+              </a:prstGeom>
+              <a:solidFill>
+                <a:schemeClr val="bg1">
+                  <a:lumMod val="95000"/>
+                </a:schemeClr>
+              </a:solidFill>
+              <a:ln w="9525">
+                <a:solidFill>
+                  <a:schemeClr val="tx1"/>
+                </a:solidFill>
+                <a:miter lim="800000"/>
+                <a:headEnd/>
+                <a:tailEnd/>
+              </a:ln>
+              <a:extLst/>
+            </p:spPr>
+            <p:txBody>
+              <a:bodyPr wrap="square">
+                <a:spAutoFit/>
+              </a:bodyPr>
+              <a:lstStyle>
+                <a:lvl1pPr eaLnBrk="0" hangingPunct="0">
+                  <a:defRPr>
+                    <a:solidFill>
+                      <a:schemeClr val="tx1"/>
+                    </a:solidFill>
+                    <a:latin typeface="Arial" charset="0"/>
+                    <a:cs typeface="Arial" charset="0"/>
+                  </a:defRPr>
+                </a:lvl1pPr>
+                <a:lvl2pPr marL="742950" indent="-285750" eaLnBrk="0" hangingPunct="0">
+                  <a:defRPr>
+                    <a:solidFill>
+                      <a:schemeClr val="tx1"/>
+                    </a:solidFill>
+                    <a:latin typeface="Arial" charset="0"/>
+                    <a:cs typeface="Arial" charset="0"/>
+                  </a:defRPr>
+                </a:lvl2pPr>
+                <a:lvl3pPr marL="1143000" indent="-228600" eaLnBrk="0" hangingPunct="0">
+                  <a:defRPr>
+                    <a:solidFill>
+                      <a:schemeClr val="tx1"/>
+                    </a:solidFill>
+                    <a:latin typeface="Arial" charset="0"/>
+                    <a:cs typeface="Arial" charset="0"/>
+                  </a:defRPr>
+                </a:lvl3pPr>
+                <a:lvl4pPr marL="1600200" indent="-228600" eaLnBrk="0" hangingPunct="0">
+                  <a:defRPr>
+                    <a:solidFill>
+                      <a:schemeClr val="tx1"/>
+                    </a:solidFill>
+                    <a:latin typeface="Arial" charset="0"/>
+                    <a:cs typeface="Arial" charset="0"/>
+                  </a:defRPr>
+                </a:lvl4pPr>
+                <a:lvl5pPr marL="2057400" indent="-228600" eaLnBrk="0" hangingPunct="0">
+                  <a:defRPr>
+                    <a:solidFill>
+                      <a:schemeClr val="tx1"/>
+                    </a:solidFill>
+                    <a:latin typeface="Arial" charset="0"/>
+                    <a:cs typeface="Arial" charset="0"/>
+                  </a:defRPr>
+                </a:lvl5pPr>
+                <a:lvl6pPr marL="2514600" indent="-228600" eaLnBrk="0" fontAlgn="base" hangingPunct="0">
+                  <a:spcBef>
+                    <a:spcPct val="0"/>
+                  </a:spcBef>
+                  <a:spcAft>
+                    <a:spcPct val="0"/>
+                  </a:spcAft>
+                  <a:defRPr>
+                    <a:solidFill>
+                      <a:schemeClr val="tx1"/>
+                    </a:solidFill>
+                    <a:latin typeface="Arial" charset="0"/>
+                    <a:cs typeface="Arial" charset="0"/>
+                  </a:defRPr>
+                </a:lvl6pPr>
+                <a:lvl7pPr marL="2971800" indent="-228600" eaLnBrk="0" fontAlgn="base" hangingPunct="0">
+                  <a:spcBef>
+                    <a:spcPct val="0"/>
+                  </a:spcBef>
+                  <a:spcAft>
+                    <a:spcPct val="0"/>
+                  </a:spcAft>
+                  <a:defRPr>
+                    <a:solidFill>
+                      <a:schemeClr val="tx1"/>
+                    </a:solidFill>
+                    <a:latin typeface="Arial" charset="0"/>
+                    <a:cs typeface="Arial" charset="0"/>
+                  </a:defRPr>
+                </a:lvl7pPr>
+                <a:lvl8pPr marL="3429000" indent="-228600" eaLnBrk="0" fontAlgn="base" hangingPunct="0">
+                  <a:spcBef>
+                    <a:spcPct val="0"/>
+                  </a:spcBef>
+                  <a:spcAft>
+                    <a:spcPct val="0"/>
+                  </a:spcAft>
+                  <a:defRPr>
+                    <a:solidFill>
+                      <a:schemeClr val="tx1"/>
+                    </a:solidFill>
+                    <a:latin typeface="Arial" charset="0"/>
+                    <a:cs typeface="Arial" charset="0"/>
+                  </a:defRPr>
+                </a:lvl8pPr>
+                <a:lvl9pPr marL="3886200" indent="-228600" eaLnBrk="0" fontAlgn="base" hangingPunct="0">
+                  <a:spcBef>
+                    <a:spcPct val="0"/>
+                  </a:spcBef>
+                  <a:spcAft>
+                    <a:spcPct val="0"/>
+                  </a:spcAft>
+                  <a:defRPr>
+                    <a:solidFill>
+                      <a:schemeClr val="tx1"/>
+                    </a:solidFill>
+                    <a:latin typeface="Arial" charset="0"/>
+                    <a:cs typeface="Arial" charset="0"/>
+                  </a:defRPr>
+                </a:lvl9pPr>
+              </a:lstStyle>
+              <a:p>
+                <a:pPr eaLnBrk="1" hangingPunct="1"/>
+                <a:r>
+                  <a:rPr lang="en-US" dirty="0">
+                    <a:latin typeface="Courier New" pitchFamily="49" charset="0"/>
+                    <a:cs typeface="Courier New" pitchFamily="49" charset="0"/>
+                  </a:rPr>
+                  <a:t>#!/bin/bash –l</a:t>
+                </a:r>
+              </a:p>
+              <a:p>
+                <a:pPr eaLnBrk="1" hangingPunct="1"/>
+                <a:r>
+                  <a:rPr lang="en-US" dirty="0">
+                    <a:latin typeface="Courier New" pitchFamily="49" charset="0"/>
+                    <a:cs typeface="Courier New" pitchFamily="49" charset="0"/>
+                  </a:rPr>
+                  <a:t>#PBS –l </a:t>
+                </a:r>
+                <a:r>
+                  <a:rPr lang="en-US" dirty="0" smtClean="0">
+                    <a:latin typeface="Courier New" pitchFamily="49" charset="0"/>
+                    <a:cs typeface="Courier New" pitchFamily="49" charset="0"/>
+                  </a:rPr>
+                  <a:t>nodes=1:ppn=1</a:t>
+                </a:r>
+                <a:endParaRPr lang="en-US" dirty="0">
+                  <a:latin typeface="Courier New" pitchFamily="49" charset="0"/>
+                  <a:cs typeface="Courier New" pitchFamily="49" charset="0"/>
+                </a:endParaRPr>
+              </a:p>
+              <a:p>
+                <a:pPr eaLnBrk="1" hangingPunct="1"/>
+                <a:endParaRPr lang="en-US" dirty="0">
+                  <a:latin typeface="Courier New" pitchFamily="49" charset="0"/>
+                  <a:cs typeface="Courier New" pitchFamily="49" charset="0"/>
+                </a:endParaRPr>
+              </a:p>
+              <a:p>
+                <a:pPr eaLnBrk="1" hangingPunct="1"/>
+                <a:r>
+                  <a:rPr lang="en-US" dirty="0">
+                    <a:latin typeface="Courier New" pitchFamily="49" charset="0"/>
+                    <a:cs typeface="Courier New" pitchFamily="49" charset="0"/>
+                  </a:rPr>
+                  <a:t>cd $PBS_O_WORKDIR</a:t>
+                </a:r>
+                <a:br>
+                  <a:rPr lang="en-US" dirty="0">
+                    <a:latin typeface="Courier New" pitchFamily="49" charset="0"/>
+                    <a:cs typeface="Courier New" pitchFamily="49" charset="0"/>
+                  </a:rPr>
+                </a:br>
+                <a:r>
+                  <a:rPr lang="en-US" dirty="0">
+                    <a:latin typeface="Courier New" pitchFamily="49" charset="0"/>
+                    <a:cs typeface="Courier New" pitchFamily="49" charset="0"/>
+                  </a:rPr>
+                  <a:t>weather –p </a:t>
+                </a:r>
+                <a:r>
+                  <a:rPr lang="en-US" dirty="0" smtClean="0">
+                    <a:latin typeface="Courier New" pitchFamily="49" charset="0"/>
+                    <a:cs typeface="Courier New" pitchFamily="49" charset="0"/>
+                  </a:rPr>
+                  <a:t>1.003e05  </a:t>
+                </a:r>
+                <a:r>
+                  <a:rPr lang="en-US" dirty="0">
+                    <a:latin typeface="Courier New" pitchFamily="49" charset="0"/>
+                    <a:cs typeface="Courier New" pitchFamily="49" charset="0"/>
+                  </a:rPr>
+                  <a:t>–t </a:t>
+                </a:r>
+                <a:r>
+                  <a:rPr lang="en-US" dirty="0" smtClean="0">
+                    <a:latin typeface="Courier New" pitchFamily="49" charset="0"/>
+                    <a:cs typeface="Courier New" pitchFamily="49" charset="0"/>
+                  </a:rPr>
+                  <a:t>293.3  </a:t>
+                </a:r>
+                <a:r>
+                  <a:rPr lang="en-US" dirty="0">
+                    <a:latin typeface="Courier New" pitchFamily="49" charset="0"/>
+                    <a:cs typeface="Courier New" pitchFamily="49" charset="0"/>
+                  </a:rPr>
+                  <a:t>–h </a:t>
+                </a:r>
+                <a:r>
+                  <a:rPr lang="en-US" dirty="0" smtClean="0">
+                    <a:latin typeface="Courier New" pitchFamily="49" charset="0"/>
+                    <a:cs typeface="Courier New" pitchFamily="49" charset="0"/>
+                  </a:rPr>
+                  <a:t>67</a:t>
+                </a:r>
+                <a:endParaRPr lang="en-US" dirty="0">
+                  <a:latin typeface="Courier New" pitchFamily="49" charset="0"/>
+                  <a:cs typeface="Courier New" pitchFamily="49" charset="0"/>
+                </a:endParaRPr>
+              </a:p>
+            </p:txBody>
+          </p:sp>
+          <p:sp>
+            <p:nvSpPr>
+              <p:cNvPr id="14" name="TextBox 8"/>
+              <p:cNvSpPr txBox="1">
+                <a:spLocks noChangeArrowheads="1"/>
+              </p:cNvSpPr>
+              <p:nvPr/>
+            </p:nvSpPr>
+            <p:spPr bwMode="auto">
+              <a:xfrm>
+                <a:off x="6527837" y="3760127"/>
+                <a:ext cx="1114408" cy="276999"/>
+              </a:xfrm>
+              <a:prstGeom prst="rect">
+                <a:avLst/>
+              </a:prstGeom>
+              <a:solidFill>
+                <a:srgbClr val="FFFFFF"/>
+              </a:solidFill>
+              <a:ln w="9525">
+                <a:solidFill>
+                  <a:srgbClr val="000000"/>
+                </a:solidFill>
+                <a:miter lim="800000"/>
+                <a:headEnd/>
+                <a:tailEnd/>
+              </a:ln>
+              <a:extLst/>
+            </p:spPr>
+            <p:txBody>
+              <a:bodyPr wrap="none">
+                <a:spAutoFit/>
+              </a:bodyPr>
+              <a:lstStyle>
+                <a:lvl1pPr eaLnBrk="0" hangingPunct="0">
+                  <a:defRPr>
+                    <a:solidFill>
+                      <a:schemeClr val="tx1"/>
+                    </a:solidFill>
+                    <a:latin typeface="Arial" charset="0"/>
+                    <a:cs typeface="Arial" charset="0"/>
+                  </a:defRPr>
+                </a:lvl1pPr>
+                <a:lvl2pPr marL="742950" indent="-285750" eaLnBrk="0" hangingPunct="0">
+                  <a:defRPr>
+                    <a:solidFill>
+                      <a:schemeClr val="tx1"/>
+                    </a:solidFill>
+                    <a:latin typeface="Arial" charset="0"/>
+                    <a:cs typeface="Arial" charset="0"/>
+                  </a:defRPr>
+                </a:lvl2pPr>
+                <a:lvl3pPr marL="1143000" indent="-228600" eaLnBrk="0" hangingPunct="0">
+                  <a:defRPr>
+                    <a:solidFill>
+                      <a:schemeClr val="tx1"/>
+                    </a:solidFill>
+                    <a:latin typeface="Arial" charset="0"/>
+                    <a:cs typeface="Arial" charset="0"/>
+                  </a:defRPr>
+                </a:lvl3pPr>
+                <a:lvl4pPr marL="1600200" indent="-228600" eaLnBrk="0" hangingPunct="0">
+                  <a:defRPr>
+                    <a:solidFill>
+                      <a:schemeClr val="tx1"/>
+                    </a:solidFill>
+                    <a:latin typeface="Arial" charset="0"/>
+                    <a:cs typeface="Arial" charset="0"/>
+                  </a:defRPr>
+                </a:lvl4pPr>
+                <a:lvl5pPr marL="2057400" indent="-228600" eaLnBrk="0" hangingPunct="0">
+                  <a:defRPr>
+                    <a:solidFill>
+                      <a:schemeClr val="tx1"/>
+                    </a:solidFill>
+                    <a:latin typeface="Arial" charset="0"/>
+                    <a:cs typeface="Arial" charset="0"/>
+                  </a:defRPr>
+                </a:lvl5pPr>
+                <a:lvl6pPr marL="2514600" indent="-228600" eaLnBrk="0" fontAlgn="base" hangingPunct="0">
+                  <a:spcBef>
+                    <a:spcPct val="0"/>
+                  </a:spcBef>
+                  <a:spcAft>
+                    <a:spcPct val="0"/>
+                  </a:spcAft>
+                  <a:defRPr>
+                    <a:solidFill>
+                      <a:schemeClr val="tx1"/>
+                    </a:solidFill>
+                    <a:latin typeface="Arial" charset="0"/>
+                    <a:cs typeface="Arial" charset="0"/>
+                  </a:defRPr>
+                </a:lvl6pPr>
+                <a:lvl7pPr marL="2971800" indent="-228600" eaLnBrk="0" fontAlgn="base" hangingPunct="0">
+                  <a:spcBef>
+                    <a:spcPct val="0"/>
+                  </a:spcBef>
+                  <a:spcAft>
+                    <a:spcPct val="0"/>
+                  </a:spcAft>
+                  <a:defRPr>
+                    <a:solidFill>
+                      <a:schemeClr val="tx1"/>
+                    </a:solidFill>
+                    <a:latin typeface="Arial" charset="0"/>
+                    <a:cs typeface="Arial" charset="0"/>
+                  </a:defRPr>
+                </a:lvl7pPr>
+                <a:lvl8pPr marL="3429000" indent="-228600" eaLnBrk="0" fontAlgn="base" hangingPunct="0">
+                  <a:spcBef>
+                    <a:spcPct val="0"/>
+                  </a:spcBef>
+                  <a:spcAft>
+                    <a:spcPct val="0"/>
+                  </a:spcAft>
+                  <a:defRPr>
+                    <a:solidFill>
+                      <a:schemeClr val="tx1"/>
+                    </a:solidFill>
+                    <a:latin typeface="Arial" charset="0"/>
+                    <a:cs typeface="Arial" charset="0"/>
+                  </a:defRPr>
+                </a:lvl8pPr>
+                <a:lvl9pPr marL="3886200" indent="-228600" eaLnBrk="0" fontAlgn="base" hangingPunct="0">
+                  <a:spcBef>
+                    <a:spcPct val="0"/>
+                  </a:spcBef>
+                  <a:spcAft>
+                    <a:spcPct val="0"/>
+                  </a:spcAft>
+                  <a:defRPr>
+                    <a:solidFill>
+                      <a:schemeClr val="tx1"/>
+                    </a:solidFill>
+                    <a:latin typeface="Arial" charset="0"/>
+                    <a:cs typeface="Arial" charset="0"/>
+                  </a:defRPr>
+                </a:lvl9pPr>
+              </a:lstStyle>
+              <a:p>
+                <a:pPr eaLnBrk="1" hangingPunct="1"/>
+                <a:r>
+                  <a:rPr lang="en-US" sz="1200" b="1" dirty="0" smtClean="0">
+                    <a:latin typeface="Courier New" panose="02070309020205020404" pitchFamily="49" charset="0"/>
+                    <a:cs typeface="Courier New" panose="02070309020205020404" pitchFamily="49" charset="0"/>
+                  </a:rPr>
+                  <a:t>job_30.pbs</a:t>
+                </a:r>
+                <a:endParaRPr lang="nl-BE" sz="1200" b="1" dirty="0">
+                  <a:latin typeface="Courier New" panose="02070309020205020404" pitchFamily="49" charset="0"/>
+                  <a:cs typeface="Courier New" panose="02070309020205020404" pitchFamily="49" charset="0"/>
+                </a:endParaRPr>
+              </a:p>
+            </p:txBody>
+          </p:sp>
+        </p:grpSp>
+        <p:sp>
+          <p:nvSpPr>
+            <p:cNvPr id="20" name="TextBox 19"/>
+            <p:cNvSpPr txBox="1"/>
+            <p:nvPr/>
+          </p:nvSpPr>
+          <p:spPr>
+            <a:xfrm rot="3263479">
+              <a:off x="672339" y="4822455"/>
+              <a:ext cx="433132" cy="523220"/>
+            </a:xfrm>
+            <a:prstGeom prst="rect">
+              <a:avLst/>
+            </a:prstGeom>
+            <a:noFill/>
+          </p:spPr>
+          <p:txBody>
+            <a:bodyPr wrap="none" rtlCol="0">
+              <a:spAutoFit/>
+            </a:bodyPr>
+            <a:lstStyle/>
+            <a:p>
+              <a:r>
+                <a:rPr lang="en-US" sz="2800" dirty="0" smtClean="0"/>
+                <a:t>…</a:t>
+              </a:r>
+              <a:endParaRPr lang="en-US" sz="2800" dirty="0"/>
+            </a:p>
+          </p:txBody>
+        </p:sp>
+      </p:grpSp>
+      <p:grpSp>
+        <p:nvGrpSpPr>
+          <p:cNvPr id="19" name="Group 18"/>
+          <p:cNvGrpSpPr/>
+          <p:nvPr/>
+        </p:nvGrpSpPr>
+        <p:grpSpPr>
+          <a:xfrm>
+            <a:off x="1056116" y="4903802"/>
+            <a:ext cx="7615857" cy="1477328"/>
+            <a:chOff x="1056116" y="4903802"/>
+            <a:chExt cx="7615857" cy="1477328"/>
+          </a:xfrm>
+          <a:effectLst>
+            <a:outerShdw blurRad="50800" dist="38100" dir="8100000" algn="tr" rotWithShape="0">
+              <a:prstClr val="black">
+                <a:alpha val="40000"/>
+              </a:prstClr>
+            </a:outerShdw>
+          </a:effectLst>
+        </p:grpSpPr>
+        <p:grpSp>
+          <p:nvGrpSpPr>
+            <p:cNvPr id="15" name="Group 14"/>
+            <p:cNvGrpSpPr/>
+            <p:nvPr/>
+          </p:nvGrpSpPr>
+          <p:grpSpPr>
+            <a:xfrm>
+              <a:off x="1458353" y="4903802"/>
+              <a:ext cx="7213620" cy="1477328"/>
+              <a:chOff x="428625" y="3754438"/>
+              <a:chExt cx="7213620" cy="1477328"/>
+            </a:xfrm>
+          </p:grpSpPr>
+          <p:sp>
+            <p:nvSpPr>
+              <p:cNvPr id="16" name="TextBox 3"/>
+              <p:cNvSpPr txBox="1">
+                <a:spLocks noChangeArrowheads="1"/>
+              </p:cNvSpPr>
+              <p:nvPr/>
+            </p:nvSpPr>
+            <p:spPr bwMode="auto">
+              <a:xfrm>
+                <a:off x="428625" y="3754438"/>
+                <a:ext cx="7213620" cy="1477328"/>
+              </a:xfrm>
+              <a:prstGeom prst="rect">
+                <a:avLst/>
+              </a:prstGeom>
+              <a:solidFill>
+                <a:schemeClr val="bg1">
+                  <a:lumMod val="95000"/>
+                </a:schemeClr>
+              </a:solidFill>
+              <a:ln w="9525">
+                <a:solidFill>
+                  <a:schemeClr val="tx1"/>
+                </a:solidFill>
+                <a:miter lim="800000"/>
+                <a:headEnd/>
+                <a:tailEnd/>
+              </a:ln>
+              <a:extLst/>
+            </p:spPr>
+            <p:txBody>
+              <a:bodyPr wrap="square">
+                <a:spAutoFit/>
+              </a:bodyPr>
+              <a:lstStyle>
+                <a:lvl1pPr eaLnBrk="0" hangingPunct="0">
+                  <a:defRPr>
+                    <a:solidFill>
+                      <a:schemeClr val="tx1"/>
+                    </a:solidFill>
+                    <a:latin typeface="Arial" charset="0"/>
+                    <a:cs typeface="Arial" charset="0"/>
+                  </a:defRPr>
+                </a:lvl1pPr>
+                <a:lvl2pPr marL="742950" indent="-285750" eaLnBrk="0" hangingPunct="0">
+                  <a:defRPr>
+                    <a:solidFill>
+                      <a:schemeClr val="tx1"/>
+                    </a:solidFill>
+                    <a:latin typeface="Arial" charset="0"/>
+                    <a:cs typeface="Arial" charset="0"/>
+                  </a:defRPr>
+                </a:lvl2pPr>
+                <a:lvl3pPr marL="1143000" indent="-228600" eaLnBrk="0" hangingPunct="0">
+                  <a:defRPr>
+                    <a:solidFill>
+                      <a:schemeClr val="tx1"/>
+                    </a:solidFill>
+                    <a:latin typeface="Arial" charset="0"/>
+                    <a:cs typeface="Arial" charset="0"/>
+                  </a:defRPr>
+                </a:lvl3pPr>
+                <a:lvl4pPr marL="1600200" indent="-228600" eaLnBrk="0" hangingPunct="0">
+                  <a:defRPr>
+                    <a:solidFill>
+                      <a:schemeClr val="tx1"/>
+                    </a:solidFill>
+                    <a:latin typeface="Arial" charset="0"/>
+                    <a:cs typeface="Arial" charset="0"/>
+                  </a:defRPr>
+                </a:lvl4pPr>
+                <a:lvl5pPr marL="2057400" indent="-228600" eaLnBrk="0" hangingPunct="0">
+                  <a:defRPr>
+                    <a:solidFill>
+                      <a:schemeClr val="tx1"/>
+                    </a:solidFill>
+                    <a:latin typeface="Arial" charset="0"/>
+                    <a:cs typeface="Arial" charset="0"/>
+                  </a:defRPr>
+                </a:lvl5pPr>
+                <a:lvl6pPr marL="2514600" indent="-228600" eaLnBrk="0" fontAlgn="base" hangingPunct="0">
+                  <a:spcBef>
+                    <a:spcPct val="0"/>
+                  </a:spcBef>
+                  <a:spcAft>
+                    <a:spcPct val="0"/>
+                  </a:spcAft>
+                  <a:defRPr>
+                    <a:solidFill>
+                      <a:schemeClr val="tx1"/>
+                    </a:solidFill>
+                    <a:latin typeface="Arial" charset="0"/>
+                    <a:cs typeface="Arial" charset="0"/>
+                  </a:defRPr>
+                </a:lvl6pPr>
+                <a:lvl7pPr marL="2971800" indent="-228600" eaLnBrk="0" fontAlgn="base" hangingPunct="0">
+                  <a:spcBef>
+                    <a:spcPct val="0"/>
+                  </a:spcBef>
+                  <a:spcAft>
+                    <a:spcPct val="0"/>
+                  </a:spcAft>
+                  <a:defRPr>
+                    <a:solidFill>
+                      <a:schemeClr val="tx1"/>
+                    </a:solidFill>
+                    <a:latin typeface="Arial" charset="0"/>
+                    <a:cs typeface="Arial" charset="0"/>
+                  </a:defRPr>
+                </a:lvl7pPr>
+                <a:lvl8pPr marL="3429000" indent="-228600" eaLnBrk="0" fontAlgn="base" hangingPunct="0">
+                  <a:spcBef>
+                    <a:spcPct val="0"/>
+                  </a:spcBef>
+                  <a:spcAft>
+                    <a:spcPct val="0"/>
+                  </a:spcAft>
+                  <a:defRPr>
+                    <a:solidFill>
+                      <a:schemeClr val="tx1"/>
+                    </a:solidFill>
+                    <a:latin typeface="Arial" charset="0"/>
+                    <a:cs typeface="Arial" charset="0"/>
+                  </a:defRPr>
+                </a:lvl8pPr>
+                <a:lvl9pPr marL="3886200" indent="-228600" eaLnBrk="0" fontAlgn="base" hangingPunct="0">
+                  <a:spcBef>
+                    <a:spcPct val="0"/>
+                  </a:spcBef>
+                  <a:spcAft>
+                    <a:spcPct val="0"/>
+                  </a:spcAft>
+                  <a:defRPr>
+                    <a:solidFill>
+                      <a:schemeClr val="tx1"/>
+                    </a:solidFill>
+                    <a:latin typeface="Arial" charset="0"/>
+                    <a:cs typeface="Arial" charset="0"/>
+                  </a:defRPr>
+                </a:lvl9pPr>
+              </a:lstStyle>
+              <a:p>
+                <a:pPr eaLnBrk="1" hangingPunct="1"/>
+                <a:r>
+                  <a:rPr lang="en-US" dirty="0">
+                    <a:latin typeface="Courier New" pitchFamily="49" charset="0"/>
+                    <a:cs typeface="Courier New" pitchFamily="49" charset="0"/>
+                  </a:rPr>
+                  <a:t>#!/bin/bash –l</a:t>
+                </a:r>
+              </a:p>
+              <a:p>
+                <a:pPr eaLnBrk="1" hangingPunct="1"/>
+                <a:r>
+                  <a:rPr lang="en-US" dirty="0">
+                    <a:latin typeface="Courier New" pitchFamily="49" charset="0"/>
+                    <a:cs typeface="Courier New" pitchFamily="49" charset="0"/>
+                  </a:rPr>
+                  <a:t>#PBS –l </a:t>
+                </a:r>
+                <a:r>
+                  <a:rPr lang="en-US" dirty="0" smtClean="0">
+                    <a:latin typeface="Courier New" pitchFamily="49" charset="0"/>
+                    <a:cs typeface="Courier New" pitchFamily="49" charset="0"/>
+                  </a:rPr>
+                  <a:t>nodes=1:ppn=1</a:t>
+                </a:r>
+                <a:endParaRPr lang="en-US" dirty="0">
+                  <a:latin typeface="Courier New" pitchFamily="49" charset="0"/>
+                  <a:cs typeface="Courier New" pitchFamily="49" charset="0"/>
+                </a:endParaRPr>
+              </a:p>
+              <a:p>
+                <a:pPr eaLnBrk="1" hangingPunct="1"/>
+                <a:endParaRPr lang="en-US" dirty="0">
+                  <a:latin typeface="Courier New" pitchFamily="49" charset="0"/>
+                  <a:cs typeface="Courier New" pitchFamily="49" charset="0"/>
+                </a:endParaRPr>
+              </a:p>
+              <a:p>
+                <a:pPr eaLnBrk="1" hangingPunct="1"/>
+                <a:r>
+                  <a:rPr lang="en-US" dirty="0">
+                    <a:latin typeface="Courier New" pitchFamily="49" charset="0"/>
+                    <a:cs typeface="Courier New" pitchFamily="49" charset="0"/>
+                  </a:rPr>
+                  <a:t>cd $PBS_O_WORKDIR</a:t>
+                </a:r>
+                <a:br>
+                  <a:rPr lang="en-US" dirty="0">
+                    <a:latin typeface="Courier New" pitchFamily="49" charset="0"/>
+                    <a:cs typeface="Courier New" pitchFamily="49" charset="0"/>
+                  </a:rPr>
+                </a:br>
+                <a:r>
+                  <a:rPr lang="en-US" dirty="0">
+                    <a:latin typeface="Courier New" pitchFamily="49" charset="0"/>
+                    <a:cs typeface="Courier New" pitchFamily="49" charset="0"/>
+                  </a:rPr>
+                  <a:t>weather –p </a:t>
+                </a:r>
+                <a:r>
+                  <a:rPr lang="en-US" dirty="0" smtClean="0">
+                    <a:latin typeface="Courier New" pitchFamily="49" charset="0"/>
+                    <a:cs typeface="Courier New" pitchFamily="49" charset="0"/>
+                  </a:rPr>
+                  <a:t>1.3e05  </a:t>
+                </a:r>
+                <a:r>
+                  <a:rPr lang="en-US" dirty="0">
+                    <a:latin typeface="Courier New" pitchFamily="49" charset="0"/>
+                    <a:cs typeface="Courier New" pitchFamily="49" charset="0"/>
+                  </a:rPr>
+                  <a:t>–t </a:t>
+                </a:r>
+                <a:r>
+                  <a:rPr lang="en-US" dirty="0" smtClean="0">
+                    <a:latin typeface="Courier New" pitchFamily="49" charset="0"/>
+                    <a:cs typeface="Courier New" pitchFamily="49" charset="0"/>
+                  </a:rPr>
+                  <a:t>313.0  </a:t>
+                </a:r>
+                <a:r>
+                  <a:rPr lang="en-US" dirty="0">
+                    <a:latin typeface="Courier New" pitchFamily="49" charset="0"/>
+                    <a:cs typeface="Courier New" pitchFamily="49" charset="0"/>
+                  </a:rPr>
+                  <a:t>–h </a:t>
+                </a:r>
+                <a:r>
+                  <a:rPr lang="en-US" dirty="0" smtClean="0">
+                    <a:latin typeface="Courier New" pitchFamily="49" charset="0"/>
+                    <a:cs typeface="Courier New" pitchFamily="49" charset="0"/>
+                  </a:rPr>
+                  <a:t>75</a:t>
+                </a:r>
+                <a:endParaRPr lang="en-US" dirty="0">
+                  <a:latin typeface="Courier New" pitchFamily="49" charset="0"/>
+                  <a:cs typeface="Courier New" pitchFamily="49" charset="0"/>
+                </a:endParaRPr>
+              </a:p>
+            </p:txBody>
+          </p:sp>
+          <p:sp>
+            <p:nvSpPr>
+              <p:cNvPr id="17" name="TextBox 8"/>
+              <p:cNvSpPr txBox="1">
+                <a:spLocks noChangeArrowheads="1"/>
+              </p:cNvSpPr>
+              <p:nvPr/>
+            </p:nvSpPr>
+            <p:spPr bwMode="auto">
+              <a:xfrm>
+                <a:off x="6527837" y="3760127"/>
+                <a:ext cx="1114408" cy="276999"/>
+              </a:xfrm>
+              <a:prstGeom prst="rect">
+                <a:avLst/>
+              </a:prstGeom>
+              <a:solidFill>
+                <a:srgbClr val="FFFFFF"/>
+              </a:solidFill>
+              <a:ln w="9525">
+                <a:solidFill>
+                  <a:srgbClr val="000000"/>
+                </a:solidFill>
+                <a:miter lim="800000"/>
+                <a:headEnd/>
+                <a:tailEnd/>
+              </a:ln>
+              <a:extLst/>
+            </p:spPr>
+            <p:txBody>
+              <a:bodyPr wrap="none">
+                <a:spAutoFit/>
+              </a:bodyPr>
+              <a:lstStyle>
+                <a:lvl1pPr eaLnBrk="0" hangingPunct="0">
+                  <a:defRPr>
+                    <a:solidFill>
+                      <a:schemeClr val="tx1"/>
+                    </a:solidFill>
+                    <a:latin typeface="Arial" charset="0"/>
+                    <a:cs typeface="Arial" charset="0"/>
+                  </a:defRPr>
+                </a:lvl1pPr>
+                <a:lvl2pPr marL="742950" indent="-285750" eaLnBrk="0" hangingPunct="0">
+                  <a:defRPr>
+                    <a:solidFill>
+                      <a:schemeClr val="tx1"/>
+                    </a:solidFill>
+                    <a:latin typeface="Arial" charset="0"/>
+                    <a:cs typeface="Arial" charset="0"/>
+                  </a:defRPr>
+                </a:lvl2pPr>
+                <a:lvl3pPr marL="1143000" indent="-228600" eaLnBrk="0" hangingPunct="0">
+                  <a:defRPr>
+                    <a:solidFill>
+                      <a:schemeClr val="tx1"/>
+                    </a:solidFill>
+                    <a:latin typeface="Arial" charset="0"/>
+                    <a:cs typeface="Arial" charset="0"/>
+                  </a:defRPr>
+                </a:lvl3pPr>
+                <a:lvl4pPr marL="1600200" indent="-228600" eaLnBrk="0" hangingPunct="0">
+                  <a:defRPr>
+                    <a:solidFill>
+                      <a:schemeClr val="tx1"/>
+                    </a:solidFill>
+                    <a:latin typeface="Arial" charset="0"/>
+                    <a:cs typeface="Arial" charset="0"/>
+                  </a:defRPr>
+                </a:lvl4pPr>
+                <a:lvl5pPr marL="2057400" indent="-228600" eaLnBrk="0" hangingPunct="0">
+                  <a:defRPr>
+                    <a:solidFill>
+                      <a:schemeClr val="tx1"/>
+                    </a:solidFill>
+                    <a:latin typeface="Arial" charset="0"/>
+                    <a:cs typeface="Arial" charset="0"/>
+                  </a:defRPr>
+                </a:lvl5pPr>
+                <a:lvl6pPr marL="2514600" indent="-228600" eaLnBrk="0" fontAlgn="base" hangingPunct="0">
+                  <a:spcBef>
+                    <a:spcPct val="0"/>
+                  </a:spcBef>
+                  <a:spcAft>
+                    <a:spcPct val="0"/>
+                  </a:spcAft>
+                  <a:defRPr>
+                    <a:solidFill>
+                      <a:schemeClr val="tx1"/>
+                    </a:solidFill>
+                    <a:latin typeface="Arial" charset="0"/>
+                    <a:cs typeface="Arial" charset="0"/>
+                  </a:defRPr>
+                </a:lvl6pPr>
+                <a:lvl7pPr marL="2971800" indent="-228600" eaLnBrk="0" fontAlgn="base" hangingPunct="0">
+                  <a:spcBef>
+                    <a:spcPct val="0"/>
+                  </a:spcBef>
+                  <a:spcAft>
+                    <a:spcPct val="0"/>
+                  </a:spcAft>
+                  <a:defRPr>
+                    <a:solidFill>
+                      <a:schemeClr val="tx1"/>
+                    </a:solidFill>
+                    <a:latin typeface="Arial" charset="0"/>
+                    <a:cs typeface="Arial" charset="0"/>
+                  </a:defRPr>
+                </a:lvl7pPr>
+                <a:lvl8pPr marL="3429000" indent="-228600" eaLnBrk="0" fontAlgn="base" hangingPunct="0">
+                  <a:spcBef>
+                    <a:spcPct val="0"/>
+                  </a:spcBef>
+                  <a:spcAft>
+                    <a:spcPct val="0"/>
+                  </a:spcAft>
+                  <a:defRPr>
+                    <a:solidFill>
+                      <a:schemeClr val="tx1"/>
+                    </a:solidFill>
+                    <a:latin typeface="Arial" charset="0"/>
+                    <a:cs typeface="Arial" charset="0"/>
+                  </a:defRPr>
+                </a:lvl8pPr>
+                <a:lvl9pPr marL="3886200" indent="-228600" eaLnBrk="0" fontAlgn="base" hangingPunct="0">
+                  <a:spcBef>
+                    <a:spcPct val="0"/>
+                  </a:spcBef>
+                  <a:spcAft>
+                    <a:spcPct val="0"/>
+                  </a:spcAft>
+                  <a:defRPr>
+                    <a:solidFill>
+                      <a:schemeClr val="tx1"/>
+                    </a:solidFill>
+                    <a:latin typeface="Arial" charset="0"/>
+                    <a:cs typeface="Arial" charset="0"/>
+                  </a:defRPr>
+                </a:lvl9pPr>
+              </a:lstStyle>
+              <a:p>
+                <a:pPr eaLnBrk="1" hangingPunct="1"/>
+                <a:r>
+                  <a:rPr lang="en-US" sz="1200" b="1" dirty="0" smtClean="0">
+                    <a:latin typeface="Courier New" panose="02070309020205020404" pitchFamily="49" charset="0"/>
+                    <a:cs typeface="Courier New" panose="02070309020205020404" pitchFamily="49" charset="0"/>
+                  </a:rPr>
+                  <a:t>job_60.pbs</a:t>
+                </a:r>
+                <a:endParaRPr lang="nl-BE" sz="1200" b="1" dirty="0">
+                  <a:latin typeface="Courier New" panose="02070309020205020404" pitchFamily="49" charset="0"/>
+                  <a:cs typeface="Courier New" panose="02070309020205020404" pitchFamily="49" charset="0"/>
+                </a:endParaRPr>
+              </a:p>
+            </p:txBody>
+          </p:sp>
+        </p:grpSp>
+        <p:sp>
+          <p:nvSpPr>
+            <p:cNvPr id="8" name="TextBox 7"/>
+            <p:cNvSpPr txBox="1"/>
+            <p:nvPr/>
+          </p:nvSpPr>
+          <p:spPr>
+            <a:xfrm rot="3263479">
+              <a:off x="1101160" y="5380856"/>
+              <a:ext cx="433132" cy="523220"/>
+            </a:xfrm>
+            <a:prstGeom prst="rect">
+              <a:avLst/>
+            </a:prstGeom>
+            <a:noFill/>
+          </p:spPr>
+          <p:txBody>
+            <a:bodyPr wrap="none" rtlCol="0">
+              <a:spAutoFit/>
+            </a:bodyPr>
+            <a:lstStyle/>
+            <a:p>
+              <a:r>
+                <a:rPr lang="en-US" sz="2800" dirty="0" smtClean="0"/>
+                <a:t>…</a:t>
+              </a:r>
+              <a:endParaRPr lang="en-US" sz="2800" dirty="0"/>
+            </a:p>
+          </p:txBody>
+        </p:sp>
+      </p:grpSp>
+    </p:spTree>
+    <p:extLst>
+      <p:ext uri="{BB962C8B-B14F-4D97-AF65-F5344CB8AC3E}">
+        <p14:creationId xmlns:p14="http://schemas.microsoft.com/office/powerpoint/2010/main" val="3774639464"/>
+      </p:ext>
+    </p:extLst>
+  </p:cSld>
+  <p:clrMapOvr>
+    <a:masterClrMapping/>
+  </p:clrMapOvr>
+  <p:timing>
+    <p:tnLst>
+      <p:par>
+        <p:cTn id="1" dur="indefinite" restart="never" nodeType="tmRoot">
+          <p:childTnLst>
+            <p:seq concurrent="1" nextAc="seek">
+              <p:cTn id="2" dur="indefinite" nodeType="mainSeq">
+                <p:childTnLst>
+                  <p:par>
+                    <p:cTn id="3" fill="hold">
+                      <p:stCondLst>
+                        <p:cond delay="indefinite"/>
+                      </p:stCondLst>
+                      <p:childTnLst>
+                        <p:par>
+                          <p:cTn id="4" fill="hold">
+                            <p:stCondLst>
+                              <p:cond delay="0"/>
+                            </p:stCondLst>
+                            <p:childTnLst>
+                              <p:par>
+                                <p:cTn id="5" presetID="1" presetClass="entr" presetSubtype="0" fill="hold" nodeType="clickEffect">
+                                  <p:stCondLst>
+                                    <p:cond delay="0"/>
+                                  </p:stCondLst>
+                                  <p:childTnLst>
+                                    <p:set>
+                                      <p:cBhvr>
+                                        <p:cTn id="6" dur="1" fill="hold">
+                                          <p:stCondLst>
+                                            <p:cond delay="0"/>
+                                          </p:stCondLst>
+                                        </p:cTn>
+                                        <p:tgtEl>
+                                          <p:spTgt spid="18"/>
+                                        </p:tgtEl>
+                                        <p:attrNameLst>
+                                          <p:attrName>style.visibility</p:attrName>
+                                        </p:attrNameLst>
+                                      </p:cBhvr>
+                                      <p:to>
+                                        <p:strVal val="visible"/>
+                                      </p:to>
+                                    </p:set>
+                                  </p:childTnLst>
+                                </p:cTn>
+                              </p:par>
+                            </p:childTnLst>
+                          </p:cTn>
+                        </p:par>
+                      </p:childTnLst>
+                    </p:cTn>
+                  </p:par>
+                  <p:par>
+                    <p:cTn id="7" fill="hold">
+                      <p:stCondLst>
+                        <p:cond delay="indefinite"/>
+                      </p:stCondLst>
+                      <p:childTnLst>
+                        <p:par>
+                          <p:cTn id="8" fill="hold">
+                            <p:stCondLst>
+                              <p:cond delay="0"/>
+                            </p:stCondLst>
+                            <p:childTnLst>
+                              <p:par>
+                                <p:cTn id="9" presetID="1" presetClass="entr" presetSubtype="0" fill="hold" nodeType="clickEffect">
+                                  <p:stCondLst>
+                                    <p:cond delay="0"/>
+                                  </p:stCondLst>
+                                  <p:childTnLst>
+                                    <p:set>
+                                      <p:cBhvr>
+                                        <p:cTn id="10" dur="1" fill="hold">
+                                          <p:stCondLst>
+                                            <p:cond delay="0"/>
+                                          </p:stCondLst>
+                                        </p:cTn>
+                                        <p:tgtEl>
+                                          <p:spTgt spid="19"/>
+                                        </p:tgtEl>
+                                        <p:attrNameLst>
+                                          <p:attrName>style.visibility</p:attrName>
+                                        </p:attrNameLst>
+                                      </p:cBhvr>
+                                      <p:to>
+                                        <p:strVal val="visible"/>
+                                      </p:to>
+                                    </p:set>
+                                  </p:childTnLst>
+                                </p:cTn>
+                              </p:par>
+                            </p:childTnLst>
+                          </p:cTn>
+                        </p:par>
+                      </p:childTnLst>
+                    </p:cTn>
+                  </p:par>
+                </p:childTnLst>
+              </p:cTn>
+              <p:prevCondLst>
+                <p:cond evt="onPrev" delay="0">
+                  <p:tgtEl>
+                    <p:sldTgt/>
+                  </p:tgtEl>
+                </p:cond>
+              </p:prevCondLst>
+              <p:nextCondLst>
+                <p:cond evt="onNext" delay="0">
+                  <p:tgtEl>
+                    <p:sldTgt/>
+                  </p:tgtEl>
+                </p:cond>
+              </p:nextCondLst>
+            </p:seq>
+          </p:childTnLst>
+        </p:cTn>
+      </p:par>
+    </p:tnLst>
+  </p:timing>
+</p:sld>
+</file>
+
+<file path=ppt/slides/slide30.xml><?xml version="1.0" encoding="utf-8"?>
 <p:sld xmlns:a="http://schemas.openxmlformats.org/drawingml/2006/main" xmlns:r="http://schemas.openxmlformats.org/officeDocument/2006/relationships" xmlns:p="http://schemas.openxmlformats.org/presentationml/2006/main">
   <p:cSld>
     <p:spTree>
@@ -22898,11 +30125,7 @@
           <a:p>
             <a:r>
               <a:rPr lang="en-US" dirty="0" smtClean="0"/>
-              <a:t>R, </a:t>
-            </a:r>
-            <a:r>
-              <a:rPr lang="en-US" dirty="0" smtClean="0"/>
-              <a:t>most of the time: </a:t>
+              <a:t>R, most of the time: </a:t>
             </a:r>
             <a:r>
               <a:rPr lang="en-US" dirty="0" smtClean="0">
@@ -23027,7 +30250,7 @@
           <a:p>
             <a:fld id="{0AA598EC-1C61-495B-A9F8-4410E339CCF5}" type="slidenum">
               <a:rPr lang="en-US" smtClean="0"/>
-              <a:t>24</a:t>
+              <a:t>30</a:t>
             </a:fld>
             <a:endParaRPr lang="en-US"/>
           </a:p>
@@ -23194,21 +30417,7 @@
                   <a:latin typeface="Courier New" pitchFamily="49" charset="0"/>
                   <a:cs typeface="Courier New" pitchFamily="49" charset="0"/>
                 </a:rPr>
-                <a:t>Rscript  </a:t>
-              </a:r>
-              <a:r>
-                <a:rPr lang="nl-NL" sz="1400" dirty="0" smtClean="0">
-                  <a:latin typeface="Courier New" pitchFamily="49" charset="0"/>
-                  <a:cs typeface="Courier New" pitchFamily="49" charset="0"/>
-                </a:rPr>
-                <a:t>program</a:t>
-              </a:r>
-              <a:r>
-                <a:rPr lang="nl-NL" sz="1400" dirty="0" smtClean="0">
-                  <a:latin typeface="Courier New" pitchFamily="49" charset="0"/>
-                  <a:cs typeface="Courier New" pitchFamily="49" charset="0"/>
-                </a:rPr>
-                <a:t>  </a:t>
+                <a:t>Rscript  program  </a:t>
               </a:r>
               <a:r>
                 <a:rPr lang="nl-NL" sz="1400" dirty="0">
@@ -23651,7 +30860,7 @@
 </p:sld>
 </file>
 
-<file path=ppt/slides/slide25.xml><?xml version="1.0" encoding="utf-8"?>
+<file path=ppt/slides/slide31.xml><?xml version="1.0" encoding="utf-8"?>
 <p:sld xmlns:a="http://schemas.openxmlformats.org/drawingml/2006/main" xmlns:r="http://schemas.openxmlformats.org/officeDocument/2006/relationships" xmlns:p="http://schemas.openxmlformats.org/presentationml/2006/main">
   <p:cSld>
     <p:spTree>
@@ -23750,11 +30959,6 @@
               </a:rPr>
               <a:t>Implementation</a:t>
             </a:r>
-            <a:endParaRPr lang="en-US" dirty="0" smtClean="0">
-              <a:solidFill>
-                <a:srgbClr val="FF0000"/>
-              </a:solidFill>
-            </a:endParaRPr>
           </a:p>
           <a:p>
             <a:r>
@@ -23782,7 +30986,7 @@
           <a:p>
             <a:fld id="{0AA598EC-1C61-495B-A9F8-4410E339CCF5}" type="slidenum">
               <a:rPr lang="en-US" smtClean="0"/>
-              <a:t>25</a:t>
+              <a:t>31</a:t>
             </a:fld>
             <a:endParaRPr lang="en-US"/>
           </a:p>
@@ -23808,7 +31012,7 @@
 </p:sld>
 </file>
 
-<file path=ppt/slides/slide26.xml><?xml version="1.0" encoding="utf-8"?>
+<file path=ppt/slides/slide32.xml><?xml version="1.0" encoding="utf-8"?>
 <p:sld xmlns:a="http://schemas.openxmlformats.org/drawingml/2006/main" xmlns:r="http://schemas.openxmlformats.org/officeDocument/2006/relationships" xmlns:p="http://schemas.openxmlformats.org/presentationml/2006/main">
   <p:cSld>
     <p:spTree>
@@ -24869,7 +32073,7 @@
             <a:graphicData uri="http://schemas.openxmlformats.org/presentationml/2006/ole">
               <mc:AlternateContent xmlns:mc="http://schemas.openxmlformats.org/markup-compatibility/2006">
                 <mc:Choice xmlns:v="urn:schemas-microsoft-com:vml" Requires="v">
-                  <p:oleObj spid="_x0000_s1048" name="Vergelijking" r:id="rId4" imgW="774364" imgH="291973" progId="Equation.3">
+                  <p:oleObj spid="_x0000_s1050" name="Vergelijking" r:id="rId4" imgW="774364" imgH="291973" progId="Equation.3">
                     <p:embed/>
                   </p:oleObj>
                 </mc:Choice>
@@ -25959,7 +33163,7 @@
             <a:graphicData uri="http://schemas.openxmlformats.org/presentationml/2006/ole">
               <mc:AlternateContent xmlns:mc="http://schemas.openxmlformats.org/markup-compatibility/2006">
                 <mc:Choice xmlns:v="urn:schemas-microsoft-com:vml" Requires="v">
-                  <p:oleObj spid="_x0000_s1049" name="Vergelijking" r:id="rId6" imgW="875920" imgH="215806" progId="Equation.3">
+                  <p:oleObj spid="_x0000_s1051" name="Vergelijking" r:id="rId6" imgW="875920" imgH="215806" progId="Equation.3">
                     <p:embed/>
                   </p:oleObj>
                 </mc:Choice>
@@ -26374,7 +33578,7 @@
           <a:p>
             <a:fld id="{0AA598EC-1C61-495B-A9F8-4410E339CCF5}" type="slidenum">
               <a:rPr lang="en-US" smtClean="0"/>
-              <a:t>26</a:t>
+              <a:t>32</a:t>
             </a:fld>
             <a:endParaRPr lang="en-US"/>
           </a:p>
@@ -26400,7 +33604,7 @@
 </p:sld>
 </file>
 
-<file path=ppt/slides/slide27.xml><?xml version="1.0" encoding="utf-8"?>
+<file path=ppt/slides/slide33.xml><?xml version="1.0" encoding="utf-8"?>
 <p:sld xmlns:a="http://schemas.openxmlformats.org/drawingml/2006/main" xmlns:r="http://schemas.openxmlformats.org/officeDocument/2006/relationships" xmlns:p="http://schemas.openxmlformats.org/presentationml/2006/main">
   <p:cSld>
     <p:spTree>
@@ -28709,7 +35913,7 @@
           <a:graphicData uri="http://schemas.openxmlformats.org/presentationml/2006/ole">
             <mc:AlternateContent xmlns:mc="http://schemas.openxmlformats.org/markup-compatibility/2006">
               <mc:Choice xmlns:v="urn:schemas-microsoft-com:vml" Requires="v">
-                <p:oleObj spid="_x0000_s2070" name="Vergelijking" r:id="rId8" imgW="126780" imgH="164814" progId="Equation.3">
+                <p:oleObj spid="_x0000_s2072" name="Vergelijking" r:id="rId8" imgW="126780" imgH="164814" progId="Equation.3">
                   <p:embed/>
                 </p:oleObj>
               </mc:Choice>
@@ -29768,7 +36972,7 @@
           <a:graphicData uri="http://schemas.openxmlformats.org/presentationml/2006/ole">
             <mc:AlternateContent xmlns:mc="http://schemas.openxmlformats.org/markup-compatibility/2006">
               <mc:Choice xmlns:v="urn:schemas-microsoft-com:vml" Requires="v">
-                <p:oleObj spid="_x0000_s2071" name="Vergelijking" r:id="rId12" imgW="837836" imgH="177723" progId="Equation.3">
+                <p:oleObj spid="_x0000_s2073" name="Vergelijking" r:id="rId12" imgW="837836" imgH="177723" progId="Equation.3">
                   <p:embed/>
                 </p:oleObj>
               </mc:Choice>
@@ -30341,7 +37545,7 @@
           <a:p>
             <a:fld id="{0AA598EC-1C61-495B-A9F8-4410E339CCF5}" type="slidenum">
               <a:rPr lang="en-US" smtClean="0"/>
-              <a:t>27</a:t>
+              <a:t>33</a:t>
             </a:fld>
             <a:endParaRPr lang="en-US"/>
           </a:p>
@@ -31476,7 +38680,7 @@
 </p:sld>
 </file>
 
-<file path=ppt/slides/slide28.xml><?xml version="1.0" encoding="utf-8"?>
+<file path=ppt/slides/slide34.xml><?xml version="1.0" encoding="utf-8"?>
 <p:sld xmlns:a="http://schemas.openxmlformats.org/drawingml/2006/main" xmlns:r="http://schemas.openxmlformats.org/officeDocument/2006/relationships" xmlns:p="http://schemas.openxmlformats.org/presentationml/2006/main">
   <p:cSld>
     <p:spTree>
@@ -35663,7 +42867,7 @@
           <a:p>
             <a:fld id="{0AA598EC-1C61-495B-A9F8-4410E339CCF5}" type="slidenum">
               <a:rPr lang="en-US" smtClean="0"/>
-              <a:t>28</a:t>
+              <a:t>34</a:t>
             </a:fld>
             <a:endParaRPr lang="en-US"/>
           </a:p>
@@ -35689,7 +42893,7 @@
 </p:sld>
 </file>
 
-<file path=ppt/slides/slide29.xml><?xml version="1.0" encoding="utf-8"?>
+<file path=ppt/slides/slide35.xml><?xml version="1.0" encoding="utf-8"?>
 <p:sld xmlns:a="http://schemas.openxmlformats.org/drawingml/2006/main" xmlns:r="http://schemas.openxmlformats.org/officeDocument/2006/relationships" xmlns:p="http://schemas.openxmlformats.org/presentationml/2006/main">
   <p:cSld>
     <p:spTree>
@@ -39434,7 +46638,7 @@
           <a:p>
             <a:fld id="{0AA598EC-1C61-495B-A9F8-4410E339CCF5}" type="slidenum">
               <a:rPr lang="en-US" smtClean="0"/>
-              <a:t>29</a:t>
+              <a:t>35</a:t>
             </a:fld>
             <a:endParaRPr lang="en-US"/>
           </a:p>
@@ -39460,1773 +46664,7 @@
 </p:sld>
 </file>
 
-<file path=ppt/slides/slide3.xml><?xml version="1.0" encoding="utf-8"?>
-<p:sld xmlns:a="http://schemas.openxmlformats.org/drawingml/2006/main" xmlns:r="http://schemas.openxmlformats.org/officeDocument/2006/relationships" xmlns:p="http://schemas.openxmlformats.org/presentationml/2006/main">
-  <p:cSld>
-    <p:spTree>
-      <p:nvGrpSpPr>
-        <p:cNvPr id="1" name=""/>
-        <p:cNvGrpSpPr/>
-        <p:nvPr/>
-      </p:nvGrpSpPr>
-      <p:grpSpPr>
-        <a:xfrm>
-          <a:off x="0" y="0"/>
-          <a:ext cx="0" cy="0"/>
-          <a:chOff x="0" y="0"/>
-          <a:chExt cx="0" cy="0"/>
-        </a:xfrm>
-      </p:grpSpPr>
-      <p:sp>
-        <p:nvSpPr>
-          <p:cNvPr id="4098" name="Title 1"/>
-          <p:cNvSpPr>
-            <a:spLocks noGrp="1"/>
-          </p:cNvSpPr>
-          <p:nvPr>
-            <p:ph type="title" idx="4294967295"/>
-          </p:nvPr>
-        </p:nvSpPr>
-        <p:spPr>
-          <a:xfrm>
-            <a:off x="485775" y="274638"/>
-            <a:ext cx="8229600" cy="1143000"/>
-          </a:xfrm>
-        </p:spPr>
-        <p:txBody>
-          <a:bodyPr/>
-          <a:lstStyle/>
-          <a:p>
-            <a:pPr eaLnBrk="1" hangingPunct="1"/>
-            <a:r>
-              <a:rPr lang="en-US" smtClean="0"/>
-              <a:t>Use case 1: parameter exploration  </a:t>
-            </a:r>
-            <a:endParaRPr lang="nl-BE" smtClean="0"/>
-          </a:p>
-        </p:txBody>
-      </p:sp>
-      <p:graphicFrame>
-        <p:nvGraphicFramePr>
-          <p:cNvPr id="3" name="Table 2"/>
-          <p:cNvGraphicFramePr>
-            <a:graphicFrameLocks noGrp="1"/>
-          </p:cNvGraphicFramePr>
-          <p:nvPr>
-            <p:extLst>
-              <p:ext uri="{D42A27DB-BD31-4B8C-83A1-F6EECF244321}">
-                <p14:modId xmlns:p14="http://schemas.microsoft.com/office/powerpoint/2010/main" val="1754844820"/>
-              </p:ext>
-            </p:extLst>
-          </p:nvPr>
-        </p:nvGraphicFramePr>
-        <p:xfrm>
-          <a:off x="2571750" y="1628800"/>
-          <a:ext cx="6096000" cy="1482724"/>
-        </p:xfrm>
-        <a:graphic>
-          <a:graphicData uri="http://schemas.openxmlformats.org/drawingml/2006/table">
-            <a:tbl>
-              <a:tblPr firstRow="1" bandRow="1">
-                <a:tableStyleId>{5C22544A-7EE6-4342-B048-85BDC9FD1C3A}</a:tableStyleId>
-              </a:tblPr>
-              <a:tblGrid>
-                <a:gridCol w="2032000"/>
-                <a:gridCol w="2032000"/>
-                <a:gridCol w="2032000"/>
-              </a:tblGrid>
-              <a:tr h="370681">
-                <a:tc>
-                  <a:txBody>
-                    <a:bodyPr/>
-                    <a:lstStyle/>
-                    <a:p>
-                      <a:r>
-                        <a:rPr lang="en-US" sz="1800" dirty="0" smtClean="0"/>
-                        <a:t>temperature</a:t>
-                      </a:r>
-                      <a:endParaRPr lang="nl-BE" sz="1800" dirty="0"/>
-                    </a:p>
-                  </a:txBody>
-                  <a:tcPr marT="45700" marB="45700"/>
-                </a:tc>
-                <a:tc>
-                  <a:txBody>
-                    <a:bodyPr/>
-                    <a:lstStyle/>
-                    <a:p>
-                      <a:r>
-                        <a:rPr lang="en-US" sz="1800" dirty="0" smtClean="0"/>
-                        <a:t>pressure</a:t>
-                      </a:r>
-                      <a:endParaRPr lang="nl-BE" sz="1800" dirty="0"/>
-                    </a:p>
-                  </a:txBody>
-                  <a:tcPr marT="45700" marB="45700"/>
-                </a:tc>
-                <a:tc>
-                  <a:txBody>
-                    <a:bodyPr/>
-                    <a:lstStyle/>
-                    <a:p>
-                      <a:r>
-                        <a:rPr lang="en-US" sz="1800" dirty="0" smtClean="0"/>
-                        <a:t>humidity</a:t>
-                      </a:r>
-                      <a:endParaRPr lang="nl-BE" sz="1800" dirty="0"/>
-                    </a:p>
-                  </a:txBody>
-                  <a:tcPr marT="45700" marB="45700"/>
-                </a:tc>
-              </a:tr>
-              <a:tr h="370681">
-                <a:tc>
-                  <a:txBody>
-                    <a:bodyPr/>
-                    <a:lstStyle/>
-                    <a:p>
-                      <a:r>
-                        <a:rPr lang="en-US" sz="1800" dirty="0" smtClean="0"/>
-                        <a:t>293.0</a:t>
-                      </a:r>
-                    </a:p>
-                  </a:txBody>
-                  <a:tcPr marT="45700" marB="45700"/>
-                </a:tc>
-                <a:tc>
-                  <a:txBody>
-                    <a:bodyPr/>
-                    <a:lstStyle/>
-                    <a:p>
-                      <a:r>
-                        <a:rPr lang="en-US" sz="1800" dirty="0" smtClean="0"/>
-                        <a:t>1.0e05</a:t>
-                      </a:r>
-                      <a:endParaRPr lang="nl-BE" sz="1800" dirty="0"/>
-                    </a:p>
-                  </a:txBody>
-                  <a:tcPr marT="45700" marB="45700"/>
-                </a:tc>
-                <a:tc>
-                  <a:txBody>
-                    <a:bodyPr/>
-                    <a:lstStyle/>
-                    <a:p>
-                      <a:r>
-                        <a:rPr lang="en-US" sz="1800" dirty="0" smtClean="0"/>
-                        <a:t>87</a:t>
-                      </a:r>
-                      <a:endParaRPr lang="nl-BE" sz="1800" dirty="0"/>
-                    </a:p>
-                  </a:txBody>
-                  <a:tcPr marT="45700" marB="45700"/>
-                </a:tc>
-              </a:tr>
-              <a:tr h="370681">
-                <a:tc>
-                  <a:txBody>
-                    <a:bodyPr/>
-                    <a:lstStyle/>
-                    <a:p>
-                      <a:r>
-                        <a:rPr lang="en-US" sz="1800" dirty="0" smtClean="0"/>
-                        <a:t>…</a:t>
-                      </a:r>
-                      <a:endParaRPr lang="nl-BE" sz="1800" dirty="0"/>
-                    </a:p>
-                  </a:txBody>
-                  <a:tcPr marT="45700" marB="45700"/>
-                </a:tc>
-                <a:tc>
-                  <a:txBody>
-                    <a:bodyPr/>
-                    <a:lstStyle/>
-                    <a:p>
-                      <a:r>
-                        <a:rPr lang="en-US" sz="1800" dirty="0" smtClean="0"/>
-                        <a:t>…</a:t>
-                      </a:r>
-                      <a:endParaRPr lang="nl-BE" sz="1800" dirty="0"/>
-                    </a:p>
-                  </a:txBody>
-                  <a:tcPr marT="45700" marB="45700"/>
-                </a:tc>
-                <a:tc>
-                  <a:txBody>
-                    <a:bodyPr/>
-                    <a:lstStyle/>
-                    <a:p>
-                      <a:r>
-                        <a:rPr lang="en-US" sz="1800" dirty="0" smtClean="0"/>
-                        <a:t>…</a:t>
-                      </a:r>
-                      <a:endParaRPr lang="nl-BE" sz="1800" dirty="0"/>
-                    </a:p>
-                  </a:txBody>
-                  <a:tcPr marT="45700" marB="45700"/>
-                </a:tc>
-              </a:tr>
-              <a:tr h="370681">
-                <a:tc>
-                  <a:txBody>
-                    <a:bodyPr/>
-                    <a:lstStyle/>
-                    <a:p>
-                      <a:r>
-                        <a:rPr lang="en-US" sz="1800" dirty="0" smtClean="0"/>
-                        <a:t>313.0</a:t>
-                      </a:r>
-                      <a:endParaRPr lang="nl-BE" sz="1800" dirty="0"/>
-                    </a:p>
-                  </a:txBody>
-                  <a:tcPr marT="45700" marB="45700"/>
-                </a:tc>
-                <a:tc>
-                  <a:txBody>
-                    <a:bodyPr/>
-                    <a:lstStyle/>
-                    <a:p>
-                      <a:r>
-                        <a:rPr lang="en-US" sz="1800" dirty="0" smtClean="0"/>
-                        <a:t>1.3e05</a:t>
-                      </a:r>
-                      <a:endParaRPr lang="nl-BE" sz="1800" dirty="0"/>
-                    </a:p>
-                  </a:txBody>
-                  <a:tcPr marT="45700" marB="45700"/>
-                </a:tc>
-                <a:tc>
-                  <a:txBody>
-                    <a:bodyPr/>
-                    <a:lstStyle/>
-                    <a:p>
-                      <a:r>
-                        <a:rPr lang="en-US" sz="1800" dirty="0" smtClean="0"/>
-                        <a:t>75</a:t>
-                      </a:r>
-                      <a:endParaRPr lang="nl-BE" sz="1800" dirty="0"/>
-                    </a:p>
-                  </a:txBody>
-                  <a:tcPr marT="45700" marB="45700"/>
-                </a:tc>
-              </a:tr>
-            </a:tbl>
-          </a:graphicData>
-        </a:graphic>
-      </p:graphicFrame>
-      <p:grpSp>
-        <p:nvGrpSpPr>
-          <p:cNvPr id="4" name="Group 3"/>
-          <p:cNvGrpSpPr/>
-          <p:nvPr/>
-        </p:nvGrpSpPr>
-        <p:grpSpPr>
-          <a:xfrm>
-            <a:off x="485775" y="3429000"/>
-            <a:ext cx="7213620" cy="1477328"/>
-            <a:chOff x="428625" y="3754438"/>
-            <a:chExt cx="7213620" cy="1477328"/>
-          </a:xfrm>
-        </p:grpSpPr>
-        <p:sp>
-          <p:nvSpPr>
-            <p:cNvPr id="4121" name="TextBox 3"/>
-            <p:cNvSpPr txBox="1">
-              <a:spLocks noChangeArrowheads="1"/>
-            </p:cNvSpPr>
-            <p:nvPr/>
-          </p:nvSpPr>
-          <p:spPr bwMode="auto">
-            <a:xfrm>
-              <a:off x="428625" y="3754438"/>
-              <a:ext cx="7213620" cy="1477328"/>
-            </a:xfrm>
-            <a:prstGeom prst="rect">
-              <a:avLst/>
-            </a:prstGeom>
-            <a:solidFill>
-              <a:schemeClr val="bg1">
-                <a:lumMod val="95000"/>
-              </a:schemeClr>
-            </a:solidFill>
-            <a:ln w="9525">
-              <a:solidFill>
-                <a:schemeClr val="tx1"/>
-              </a:solidFill>
-              <a:miter lim="800000"/>
-              <a:headEnd/>
-              <a:tailEnd/>
-            </a:ln>
-            <a:extLst/>
-          </p:spPr>
-          <p:txBody>
-            <a:bodyPr wrap="square">
-              <a:spAutoFit/>
-            </a:bodyPr>
-            <a:lstStyle>
-              <a:lvl1pPr eaLnBrk="0" hangingPunct="0">
-                <a:defRPr>
-                  <a:solidFill>
-                    <a:schemeClr val="tx1"/>
-                  </a:solidFill>
-                  <a:latin typeface="Arial" charset="0"/>
-                  <a:cs typeface="Arial" charset="0"/>
-                </a:defRPr>
-              </a:lvl1pPr>
-              <a:lvl2pPr marL="742950" indent="-285750" eaLnBrk="0" hangingPunct="0">
-                <a:defRPr>
-                  <a:solidFill>
-                    <a:schemeClr val="tx1"/>
-                  </a:solidFill>
-                  <a:latin typeface="Arial" charset="0"/>
-                  <a:cs typeface="Arial" charset="0"/>
-                </a:defRPr>
-              </a:lvl2pPr>
-              <a:lvl3pPr marL="1143000" indent="-228600" eaLnBrk="0" hangingPunct="0">
-                <a:defRPr>
-                  <a:solidFill>
-                    <a:schemeClr val="tx1"/>
-                  </a:solidFill>
-                  <a:latin typeface="Arial" charset="0"/>
-                  <a:cs typeface="Arial" charset="0"/>
-                </a:defRPr>
-              </a:lvl3pPr>
-              <a:lvl4pPr marL="1600200" indent="-228600" eaLnBrk="0" hangingPunct="0">
-                <a:defRPr>
-                  <a:solidFill>
-                    <a:schemeClr val="tx1"/>
-                  </a:solidFill>
-                  <a:latin typeface="Arial" charset="0"/>
-                  <a:cs typeface="Arial" charset="0"/>
-                </a:defRPr>
-              </a:lvl4pPr>
-              <a:lvl5pPr marL="2057400" indent="-228600" eaLnBrk="0" hangingPunct="0">
-                <a:defRPr>
-                  <a:solidFill>
-                    <a:schemeClr val="tx1"/>
-                  </a:solidFill>
-                  <a:latin typeface="Arial" charset="0"/>
-                  <a:cs typeface="Arial" charset="0"/>
-                </a:defRPr>
-              </a:lvl5pPr>
-              <a:lvl6pPr marL="2514600" indent="-228600" eaLnBrk="0" fontAlgn="base" hangingPunct="0">
-                <a:spcBef>
-                  <a:spcPct val="0"/>
-                </a:spcBef>
-                <a:spcAft>
-                  <a:spcPct val="0"/>
-                </a:spcAft>
-                <a:defRPr>
-                  <a:solidFill>
-                    <a:schemeClr val="tx1"/>
-                  </a:solidFill>
-                  <a:latin typeface="Arial" charset="0"/>
-                  <a:cs typeface="Arial" charset="0"/>
-                </a:defRPr>
-              </a:lvl6pPr>
-              <a:lvl7pPr marL="2971800" indent="-228600" eaLnBrk="0" fontAlgn="base" hangingPunct="0">
-                <a:spcBef>
-                  <a:spcPct val="0"/>
-                </a:spcBef>
-                <a:spcAft>
-                  <a:spcPct val="0"/>
-                </a:spcAft>
-                <a:defRPr>
-                  <a:solidFill>
-                    <a:schemeClr val="tx1"/>
-                  </a:solidFill>
-                  <a:latin typeface="Arial" charset="0"/>
-                  <a:cs typeface="Arial" charset="0"/>
-                </a:defRPr>
-              </a:lvl7pPr>
-              <a:lvl8pPr marL="3429000" indent="-228600" eaLnBrk="0" fontAlgn="base" hangingPunct="0">
-                <a:spcBef>
-                  <a:spcPct val="0"/>
-                </a:spcBef>
-                <a:spcAft>
-                  <a:spcPct val="0"/>
-                </a:spcAft>
-                <a:defRPr>
-                  <a:solidFill>
-                    <a:schemeClr val="tx1"/>
-                  </a:solidFill>
-                  <a:latin typeface="Arial" charset="0"/>
-                  <a:cs typeface="Arial" charset="0"/>
-                </a:defRPr>
-              </a:lvl8pPr>
-              <a:lvl9pPr marL="3886200" indent="-228600" eaLnBrk="0" fontAlgn="base" hangingPunct="0">
-                <a:spcBef>
-                  <a:spcPct val="0"/>
-                </a:spcBef>
-                <a:spcAft>
-                  <a:spcPct val="0"/>
-                </a:spcAft>
-                <a:defRPr>
-                  <a:solidFill>
-                    <a:schemeClr val="tx1"/>
-                  </a:solidFill>
-                  <a:latin typeface="Arial" charset="0"/>
-                  <a:cs typeface="Arial" charset="0"/>
-                </a:defRPr>
-              </a:lvl9pPr>
-            </a:lstStyle>
-            <a:p>
-              <a:pPr eaLnBrk="1" hangingPunct="1"/>
-              <a:r>
-                <a:rPr lang="en-US" dirty="0">
-                  <a:latin typeface="Courier New" pitchFamily="49" charset="0"/>
-                  <a:cs typeface="Courier New" pitchFamily="49" charset="0"/>
-                </a:rPr>
-                <a:t>#!/bin/bash –l</a:t>
-              </a:r>
-            </a:p>
-            <a:p>
-              <a:pPr eaLnBrk="1" hangingPunct="1"/>
-              <a:r>
-                <a:rPr lang="en-US" dirty="0">
-                  <a:latin typeface="Courier New" pitchFamily="49" charset="0"/>
-                  <a:cs typeface="Courier New" pitchFamily="49" charset="0"/>
-                </a:rPr>
-                <a:t>#PBS –l </a:t>
-              </a:r>
-              <a:r>
-                <a:rPr lang="en-US" dirty="0" smtClean="0">
-                  <a:latin typeface="Courier New" pitchFamily="49" charset="0"/>
-                  <a:cs typeface="Courier New" pitchFamily="49" charset="0"/>
-                </a:rPr>
-                <a:t>nodes=1:ppn=1</a:t>
-              </a:r>
-              <a:endParaRPr lang="en-US" dirty="0">
-                <a:latin typeface="Courier New" pitchFamily="49" charset="0"/>
-                <a:cs typeface="Courier New" pitchFamily="49" charset="0"/>
-              </a:endParaRPr>
-            </a:p>
-            <a:p>
-              <a:pPr eaLnBrk="1" hangingPunct="1"/>
-              <a:endParaRPr lang="en-US" dirty="0">
-                <a:latin typeface="Courier New" pitchFamily="49" charset="0"/>
-                <a:cs typeface="Courier New" pitchFamily="49" charset="0"/>
-              </a:endParaRPr>
-            </a:p>
-            <a:p>
-              <a:pPr eaLnBrk="1" hangingPunct="1"/>
-              <a:r>
-                <a:rPr lang="en-US" dirty="0">
-                  <a:latin typeface="Courier New" pitchFamily="49" charset="0"/>
-                  <a:cs typeface="Courier New" pitchFamily="49" charset="0"/>
-                </a:rPr>
-                <a:t>cd $PBS_O_WORKDIR</a:t>
-              </a:r>
-              <a:br>
-                <a:rPr lang="en-US" dirty="0">
-                  <a:latin typeface="Courier New" pitchFamily="49" charset="0"/>
-                  <a:cs typeface="Courier New" pitchFamily="49" charset="0"/>
-                </a:rPr>
-              </a:br>
-              <a:r>
-                <a:rPr lang="en-US" dirty="0">
-                  <a:latin typeface="Courier New" pitchFamily="49" charset="0"/>
-                  <a:cs typeface="Courier New" pitchFamily="49" charset="0"/>
-                </a:rPr>
-                <a:t>weather –p </a:t>
-              </a:r>
-              <a:r>
-                <a:rPr lang="en-US" dirty="0" smtClean="0">
-                  <a:latin typeface="Courier New" pitchFamily="49" charset="0"/>
-                  <a:cs typeface="Courier New" pitchFamily="49" charset="0"/>
-                </a:rPr>
-                <a:t>1.0e05  </a:t>
-              </a:r>
-              <a:r>
-                <a:rPr lang="en-US" dirty="0">
-                  <a:latin typeface="Courier New" pitchFamily="49" charset="0"/>
-                  <a:cs typeface="Courier New" pitchFamily="49" charset="0"/>
-                </a:rPr>
-                <a:t>–t </a:t>
-              </a:r>
-              <a:r>
-                <a:rPr lang="en-US" dirty="0" smtClean="0">
-                  <a:latin typeface="Courier New" pitchFamily="49" charset="0"/>
-                  <a:cs typeface="Courier New" pitchFamily="49" charset="0"/>
-                </a:rPr>
-                <a:t>293.0  </a:t>
-              </a:r>
-              <a:r>
-                <a:rPr lang="en-US" dirty="0">
-                  <a:latin typeface="Courier New" pitchFamily="49" charset="0"/>
-                  <a:cs typeface="Courier New" pitchFamily="49" charset="0"/>
-                </a:rPr>
-                <a:t>–h </a:t>
-              </a:r>
-              <a:r>
-                <a:rPr lang="en-US" dirty="0" smtClean="0">
-                  <a:latin typeface="Courier New" pitchFamily="49" charset="0"/>
-                  <a:cs typeface="Courier New" pitchFamily="49" charset="0"/>
-                </a:rPr>
-                <a:t>87</a:t>
-              </a:r>
-              <a:endParaRPr lang="en-US" dirty="0">
-                <a:latin typeface="Courier New" pitchFamily="49" charset="0"/>
-                <a:cs typeface="Courier New" pitchFamily="49" charset="0"/>
-              </a:endParaRPr>
-            </a:p>
-          </p:txBody>
-        </p:sp>
-        <p:sp>
-          <p:nvSpPr>
-            <p:cNvPr id="7" name="TextBox 8"/>
-            <p:cNvSpPr txBox="1">
-              <a:spLocks noChangeArrowheads="1"/>
-            </p:cNvSpPr>
-            <p:nvPr/>
-          </p:nvSpPr>
-          <p:spPr bwMode="auto">
-            <a:xfrm>
-              <a:off x="6527837" y="3760127"/>
-              <a:ext cx="1114408" cy="276999"/>
-            </a:xfrm>
-            <a:prstGeom prst="rect">
-              <a:avLst/>
-            </a:prstGeom>
-            <a:solidFill>
-              <a:srgbClr val="FFFFFF"/>
-            </a:solidFill>
-            <a:ln w="9525">
-              <a:solidFill>
-                <a:srgbClr val="000000"/>
-              </a:solidFill>
-              <a:miter lim="800000"/>
-              <a:headEnd/>
-              <a:tailEnd/>
-            </a:ln>
-            <a:extLst/>
-          </p:spPr>
-          <p:txBody>
-            <a:bodyPr wrap="none">
-              <a:spAutoFit/>
-            </a:bodyPr>
-            <a:lstStyle>
-              <a:lvl1pPr eaLnBrk="0" hangingPunct="0">
-                <a:defRPr>
-                  <a:solidFill>
-                    <a:schemeClr val="tx1"/>
-                  </a:solidFill>
-                  <a:latin typeface="Arial" charset="0"/>
-                  <a:cs typeface="Arial" charset="0"/>
-                </a:defRPr>
-              </a:lvl1pPr>
-              <a:lvl2pPr marL="742950" indent="-285750" eaLnBrk="0" hangingPunct="0">
-                <a:defRPr>
-                  <a:solidFill>
-                    <a:schemeClr val="tx1"/>
-                  </a:solidFill>
-                  <a:latin typeface="Arial" charset="0"/>
-                  <a:cs typeface="Arial" charset="0"/>
-                </a:defRPr>
-              </a:lvl2pPr>
-              <a:lvl3pPr marL="1143000" indent="-228600" eaLnBrk="0" hangingPunct="0">
-                <a:defRPr>
-                  <a:solidFill>
-                    <a:schemeClr val="tx1"/>
-                  </a:solidFill>
-                  <a:latin typeface="Arial" charset="0"/>
-                  <a:cs typeface="Arial" charset="0"/>
-                </a:defRPr>
-              </a:lvl3pPr>
-              <a:lvl4pPr marL="1600200" indent="-228600" eaLnBrk="0" hangingPunct="0">
-                <a:defRPr>
-                  <a:solidFill>
-                    <a:schemeClr val="tx1"/>
-                  </a:solidFill>
-                  <a:latin typeface="Arial" charset="0"/>
-                  <a:cs typeface="Arial" charset="0"/>
-                </a:defRPr>
-              </a:lvl4pPr>
-              <a:lvl5pPr marL="2057400" indent="-228600" eaLnBrk="0" hangingPunct="0">
-                <a:defRPr>
-                  <a:solidFill>
-                    <a:schemeClr val="tx1"/>
-                  </a:solidFill>
-                  <a:latin typeface="Arial" charset="0"/>
-                  <a:cs typeface="Arial" charset="0"/>
-                </a:defRPr>
-              </a:lvl5pPr>
-              <a:lvl6pPr marL="2514600" indent="-228600" eaLnBrk="0" fontAlgn="base" hangingPunct="0">
-                <a:spcBef>
-                  <a:spcPct val="0"/>
-                </a:spcBef>
-                <a:spcAft>
-                  <a:spcPct val="0"/>
-                </a:spcAft>
-                <a:defRPr>
-                  <a:solidFill>
-                    <a:schemeClr val="tx1"/>
-                  </a:solidFill>
-                  <a:latin typeface="Arial" charset="0"/>
-                  <a:cs typeface="Arial" charset="0"/>
-                </a:defRPr>
-              </a:lvl6pPr>
-              <a:lvl7pPr marL="2971800" indent="-228600" eaLnBrk="0" fontAlgn="base" hangingPunct="0">
-                <a:spcBef>
-                  <a:spcPct val="0"/>
-                </a:spcBef>
-                <a:spcAft>
-                  <a:spcPct val="0"/>
-                </a:spcAft>
-                <a:defRPr>
-                  <a:solidFill>
-                    <a:schemeClr val="tx1"/>
-                  </a:solidFill>
-                  <a:latin typeface="Arial" charset="0"/>
-                  <a:cs typeface="Arial" charset="0"/>
-                </a:defRPr>
-              </a:lvl7pPr>
-              <a:lvl8pPr marL="3429000" indent="-228600" eaLnBrk="0" fontAlgn="base" hangingPunct="0">
-                <a:spcBef>
-                  <a:spcPct val="0"/>
-                </a:spcBef>
-                <a:spcAft>
-                  <a:spcPct val="0"/>
-                </a:spcAft>
-                <a:defRPr>
-                  <a:solidFill>
-                    <a:schemeClr val="tx1"/>
-                  </a:solidFill>
-                  <a:latin typeface="Arial" charset="0"/>
-                  <a:cs typeface="Arial" charset="0"/>
-                </a:defRPr>
-              </a:lvl8pPr>
-              <a:lvl9pPr marL="3886200" indent="-228600" eaLnBrk="0" fontAlgn="base" hangingPunct="0">
-                <a:spcBef>
-                  <a:spcPct val="0"/>
-                </a:spcBef>
-                <a:spcAft>
-                  <a:spcPct val="0"/>
-                </a:spcAft>
-                <a:defRPr>
-                  <a:solidFill>
-                    <a:schemeClr val="tx1"/>
-                  </a:solidFill>
-                  <a:latin typeface="Arial" charset="0"/>
-                  <a:cs typeface="Arial" charset="0"/>
-                </a:defRPr>
-              </a:lvl9pPr>
-            </a:lstStyle>
-            <a:p>
-              <a:pPr eaLnBrk="1" hangingPunct="1"/>
-              <a:r>
-                <a:rPr lang="en-US" sz="1200" b="1" dirty="0" smtClean="0">
-                  <a:latin typeface="Courier New" panose="02070309020205020404" pitchFamily="49" charset="0"/>
-                  <a:cs typeface="Courier New" panose="02070309020205020404" pitchFamily="49" charset="0"/>
-                </a:rPr>
-                <a:t>job_01.pbs</a:t>
-              </a:r>
-              <a:endParaRPr lang="nl-BE" sz="1200" b="1" dirty="0">
-                <a:latin typeface="Courier New" panose="02070309020205020404" pitchFamily="49" charset="0"/>
-                <a:cs typeface="Courier New" panose="02070309020205020404" pitchFamily="49" charset="0"/>
-              </a:endParaRPr>
-            </a:p>
-          </p:txBody>
-        </p:sp>
-      </p:grpSp>
-      <p:sp>
-        <p:nvSpPr>
-          <p:cNvPr id="6" name="Slide Number Placeholder 5"/>
-          <p:cNvSpPr>
-            <a:spLocks noGrp="1"/>
-          </p:cNvSpPr>
-          <p:nvPr>
-            <p:ph type="sldNum" sz="quarter" idx="12"/>
-          </p:nvPr>
-        </p:nvSpPr>
-        <p:spPr/>
-        <p:txBody>
-          <a:bodyPr/>
-          <a:lstStyle/>
-          <a:p>
-            <a:fld id="{0AA598EC-1C61-495B-A9F8-4410E339CCF5}" type="slidenum">
-              <a:rPr lang="en-US" smtClean="0"/>
-              <a:t>3</a:t>
-            </a:fld>
-            <a:endParaRPr lang="en-US"/>
-          </a:p>
-        </p:txBody>
-      </p:sp>
-      <p:grpSp>
-        <p:nvGrpSpPr>
-          <p:cNvPr id="18" name="Group 17"/>
-          <p:cNvGrpSpPr/>
-          <p:nvPr/>
-        </p:nvGrpSpPr>
-        <p:grpSpPr>
-          <a:xfrm>
-            <a:off x="627295" y="4026320"/>
-            <a:ext cx="7580090" cy="1477328"/>
-            <a:chOff x="627295" y="4026320"/>
-            <a:chExt cx="7580090" cy="1477328"/>
-          </a:xfrm>
-          <a:effectLst>
-            <a:outerShdw blurRad="50800" dist="38100" dir="8100000" algn="tr" rotWithShape="0">
-              <a:prstClr val="black">
-                <a:alpha val="40000"/>
-              </a:prstClr>
-            </a:outerShdw>
-          </a:effectLst>
-        </p:grpSpPr>
-        <p:grpSp>
-          <p:nvGrpSpPr>
-            <p:cNvPr id="12" name="Group 11"/>
-            <p:cNvGrpSpPr/>
-            <p:nvPr/>
-          </p:nvGrpSpPr>
-          <p:grpSpPr>
-            <a:xfrm>
-              <a:off x="993765" y="4026320"/>
-              <a:ext cx="7213620" cy="1477328"/>
-              <a:chOff x="428625" y="3754438"/>
-              <a:chExt cx="7213620" cy="1477328"/>
-            </a:xfrm>
-          </p:grpSpPr>
-          <p:sp>
-            <p:nvSpPr>
-              <p:cNvPr id="13" name="TextBox 3"/>
-              <p:cNvSpPr txBox="1">
-                <a:spLocks noChangeArrowheads="1"/>
-              </p:cNvSpPr>
-              <p:nvPr/>
-            </p:nvSpPr>
-            <p:spPr bwMode="auto">
-              <a:xfrm>
-                <a:off x="428625" y="3754438"/>
-                <a:ext cx="7213620" cy="1477328"/>
-              </a:xfrm>
-              <a:prstGeom prst="rect">
-                <a:avLst/>
-              </a:prstGeom>
-              <a:solidFill>
-                <a:schemeClr val="bg1">
-                  <a:lumMod val="95000"/>
-                </a:schemeClr>
-              </a:solidFill>
-              <a:ln w="9525">
-                <a:solidFill>
-                  <a:schemeClr val="tx1"/>
-                </a:solidFill>
-                <a:miter lim="800000"/>
-                <a:headEnd/>
-                <a:tailEnd/>
-              </a:ln>
-              <a:extLst/>
-            </p:spPr>
-            <p:txBody>
-              <a:bodyPr wrap="square">
-                <a:spAutoFit/>
-              </a:bodyPr>
-              <a:lstStyle>
-                <a:lvl1pPr eaLnBrk="0" hangingPunct="0">
-                  <a:defRPr>
-                    <a:solidFill>
-                      <a:schemeClr val="tx1"/>
-                    </a:solidFill>
-                    <a:latin typeface="Arial" charset="0"/>
-                    <a:cs typeface="Arial" charset="0"/>
-                  </a:defRPr>
-                </a:lvl1pPr>
-                <a:lvl2pPr marL="742950" indent="-285750" eaLnBrk="0" hangingPunct="0">
-                  <a:defRPr>
-                    <a:solidFill>
-                      <a:schemeClr val="tx1"/>
-                    </a:solidFill>
-                    <a:latin typeface="Arial" charset="0"/>
-                    <a:cs typeface="Arial" charset="0"/>
-                  </a:defRPr>
-                </a:lvl2pPr>
-                <a:lvl3pPr marL="1143000" indent="-228600" eaLnBrk="0" hangingPunct="0">
-                  <a:defRPr>
-                    <a:solidFill>
-                      <a:schemeClr val="tx1"/>
-                    </a:solidFill>
-                    <a:latin typeface="Arial" charset="0"/>
-                    <a:cs typeface="Arial" charset="0"/>
-                  </a:defRPr>
-                </a:lvl3pPr>
-                <a:lvl4pPr marL="1600200" indent="-228600" eaLnBrk="0" hangingPunct="0">
-                  <a:defRPr>
-                    <a:solidFill>
-                      <a:schemeClr val="tx1"/>
-                    </a:solidFill>
-                    <a:latin typeface="Arial" charset="0"/>
-                    <a:cs typeface="Arial" charset="0"/>
-                  </a:defRPr>
-                </a:lvl4pPr>
-                <a:lvl5pPr marL="2057400" indent="-228600" eaLnBrk="0" hangingPunct="0">
-                  <a:defRPr>
-                    <a:solidFill>
-                      <a:schemeClr val="tx1"/>
-                    </a:solidFill>
-                    <a:latin typeface="Arial" charset="0"/>
-                    <a:cs typeface="Arial" charset="0"/>
-                  </a:defRPr>
-                </a:lvl5pPr>
-                <a:lvl6pPr marL="2514600" indent="-228600" eaLnBrk="0" fontAlgn="base" hangingPunct="0">
-                  <a:spcBef>
-                    <a:spcPct val="0"/>
-                  </a:spcBef>
-                  <a:spcAft>
-                    <a:spcPct val="0"/>
-                  </a:spcAft>
-                  <a:defRPr>
-                    <a:solidFill>
-                      <a:schemeClr val="tx1"/>
-                    </a:solidFill>
-                    <a:latin typeface="Arial" charset="0"/>
-                    <a:cs typeface="Arial" charset="0"/>
-                  </a:defRPr>
-                </a:lvl6pPr>
-                <a:lvl7pPr marL="2971800" indent="-228600" eaLnBrk="0" fontAlgn="base" hangingPunct="0">
-                  <a:spcBef>
-                    <a:spcPct val="0"/>
-                  </a:spcBef>
-                  <a:spcAft>
-                    <a:spcPct val="0"/>
-                  </a:spcAft>
-                  <a:defRPr>
-                    <a:solidFill>
-                      <a:schemeClr val="tx1"/>
-                    </a:solidFill>
-                    <a:latin typeface="Arial" charset="0"/>
-                    <a:cs typeface="Arial" charset="0"/>
-                  </a:defRPr>
-                </a:lvl7pPr>
-                <a:lvl8pPr marL="3429000" indent="-228600" eaLnBrk="0" fontAlgn="base" hangingPunct="0">
-                  <a:spcBef>
-                    <a:spcPct val="0"/>
-                  </a:spcBef>
-                  <a:spcAft>
-                    <a:spcPct val="0"/>
-                  </a:spcAft>
-                  <a:defRPr>
-                    <a:solidFill>
-                      <a:schemeClr val="tx1"/>
-                    </a:solidFill>
-                    <a:latin typeface="Arial" charset="0"/>
-                    <a:cs typeface="Arial" charset="0"/>
-                  </a:defRPr>
-                </a:lvl8pPr>
-                <a:lvl9pPr marL="3886200" indent="-228600" eaLnBrk="0" fontAlgn="base" hangingPunct="0">
-                  <a:spcBef>
-                    <a:spcPct val="0"/>
-                  </a:spcBef>
-                  <a:spcAft>
-                    <a:spcPct val="0"/>
-                  </a:spcAft>
-                  <a:defRPr>
-                    <a:solidFill>
-                      <a:schemeClr val="tx1"/>
-                    </a:solidFill>
-                    <a:latin typeface="Arial" charset="0"/>
-                    <a:cs typeface="Arial" charset="0"/>
-                  </a:defRPr>
-                </a:lvl9pPr>
-              </a:lstStyle>
-              <a:p>
-                <a:pPr eaLnBrk="1" hangingPunct="1"/>
-                <a:r>
-                  <a:rPr lang="en-US" dirty="0">
-                    <a:latin typeface="Courier New" pitchFamily="49" charset="0"/>
-                    <a:cs typeface="Courier New" pitchFamily="49" charset="0"/>
-                  </a:rPr>
-                  <a:t>#!/bin/bash –l</a:t>
-                </a:r>
-              </a:p>
-              <a:p>
-                <a:pPr eaLnBrk="1" hangingPunct="1"/>
-                <a:r>
-                  <a:rPr lang="en-US" dirty="0">
-                    <a:latin typeface="Courier New" pitchFamily="49" charset="0"/>
-                    <a:cs typeface="Courier New" pitchFamily="49" charset="0"/>
-                  </a:rPr>
-                  <a:t>#PBS –l </a:t>
-                </a:r>
-                <a:r>
-                  <a:rPr lang="en-US" dirty="0" smtClean="0">
-                    <a:latin typeface="Courier New" pitchFamily="49" charset="0"/>
-                    <a:cs typeface="Courier New" pitchFamily="49" charset="0"/>
-                  </a:rPr>
-                  <a:t>nodes=1:ppn=1</a:t>
-                </a:r>
-                <a:endParaRPr lang="en-US" dirty="0">
-                  <a:latin typeface="Courier New" pitchFamily="49" charset="0"/>
-                  <a:cs typeface="Courier New" pitchFamily="49" charset="0"/>
-                </a:endParaRPr>
-              </a:p>
-              <a:p>
-                <a:pPr eaLnBrk="1" hangingPunct="1"/>
-                <a:endParaRPr lang="en-US" dirty="0">
-                  <a:latin typeface="Courier New" pitchFamily="49" charset="0"/>
-                  <a:cs typeface="Courier New" pitchFamily="49" charset="0"/>
-                </a:endParaRPr>
-              </a:p>
-              <a:p>
-                <a:pPr eaLnBrk="1" hangingPunct="1"/>
-                <a:r>
-                  <a:rPr lang="en-US" dirty="0">
-                    <a:latin typeface="Courier New" pitchFamily="49" charset="0"/>
-                    <a:cs typeface="Courier New" pitchFamily="49" charset="0"/>
-                  </a:rPr>
-                  <a:t>cd $PBS_O_WORKDIR</a:t>
-                </a:r>
-                <a:br>
-                  <a:rPr lang="en-US" dirty="0">
-                    <a:latin typeface="Courier New" pitchFamily="49" charset="0"/>
-                    <a:cs typeface="Courier New" pitchFamily="49" charset="0"/>
-                  </a:rPr>
-                </a:br>
-                <a:r>
-                  <a:rPr lang="en-US" dirty="0">
-                    <a:latin typeface="Courier New" pitchFamily="49" charset="0"/>
-                    <a:cs typeface="Courier New" pitchFamily="49" charset="0"/>
-                  </a:rPr>
-                  <a:t>weather –p </a:t>
-                </a:r>
-                <a:r>
-                  <a:rPr lang="en-US" dirty="0" smtClean="0">
-                    <a:latin typeface="Courier New" pitchFamily="49" charset="0"/>
-                    <a:cs typeface="Courier New" pitchFamily="49" charset="0"/>
-                  </a:rPr>
-                  <a:t>1.003e05  </a:t>
-                </a:r>
-                <a:r>
-                  <a:rPr lang="en-US" dirty="0">
-                    <a:latin typeface="Courier New" pitchFamily="49" charset="0"/>
-                    <a:cs typeface="Courier New" pitchFamily="49" charset="0"/>
-                  </a:rPr>
-                  <a:t>–t </a:t>
-                </a:r>
-                <a:r>
-                  <a:rPr lang="en-US" dirty="0" smtClean="0">
-                    <a:latin typeface="Courier New" pitchFamily="49" charset="0"/>
-                    <a:cs typeface="Courier New" pitchFamily="49" charset="0"/>
-                  </a:rPr>
-                  <a:t>293.3  </a:t>
-                </a:r>
-                <a:r>
-                  <a:rPr lang="en-US" dirty="0">
-                    <a:latin typeface="Courier New" pitchFamily="49" charset="0"/>
-                    <a:cs typeface="Courier New" pitchFamily="49" charset="0"/>
-                  </a:rPr>
-                  <a:t>–h </a:t>
-                </a:r>
-                <a:r>
-                  <a:rPr lang="en-US" dirty="0" smtClean="0">
-                    <a:latin typeface="Courier New" pitchFamily="49" charset="0"/>
-                    <a:cs typeface="Courier New" pitchFamily="49" charset="0"/>
-                  </a:rPr>
-                  <a:t>67</a:t>
-                </a:r>
-                <a:endParaRPr lang="en-US" dirty="0">
-                  <a:latin typeface="Courier New" pitchFamily="49" charset="0"/>
-                  <a:cs typeface="Courier New" pitchFamily="49" charset="0"/>
-                </a:endParaRPr>
-              </a:p>
-            </p:txBody>
-          </p:sp>
-          <p:sp>
-            <p:nvSpPr>
-              <p:cNvPr id="14" name="TextBox 8"/>
-              <p:cNvSpPr txBox="1">
-                <a:spLocks noChangeArrowheads="1"/>
-              </p:cNvSpPr>
-              <p:nvPr/>
-            </p:nvSpPr>
-            <p:spPr bwMode="auto">
-              <a:xfrm>
-                <a:off x="6527837" y="3760127"/>
-                <a:ext cx="1114408" cy="276999"/>
-              </a:xfrm>
-              <a:prstGeom prst="rect">
-                <a:avLst/>
-              </a:prstGeom>
-              <a:solidFill>
-                <a:srgbClr val="FFFFFF"/>
-              </a:solidFill>
-              <a:ln w="9525">
-                <a:solidFill>
-                  <a:srgbClr val="000000"/>
-                </a:solidFill>
-                <a:miter lim="800000"/>
-                <a:headEnd/>
-                <a:tailEnd/>
-              </a:ln>
-              <a:extLst/>
-            </p:spPr>
-            <p:txBody>
-              <a:bodyPr wrap="none">
-                <a:spAutoFit/>
-              </a:bodyPr>
-              <a:lstStyle>
-                <a:lvl1pPr eaLnBrk="0" hangingPunct="0">
-                  <a:defRPr>
-                    <a:solidFill>
-                      <a:schemeClr val="tx1"/>
-                    </a:solidFill>
-                    <a:latin typeface="Arial" charset="0"/>
-                    <a:cs typeface="Arial" charset="0"/>
-                  </a:defRPr>
-                </a:lvl1pPr>
-                <a:lvl2pPr marL="742950" indent="-285750" eaLnBrk="0" hangingPunct="0">
-                  <a:defRPr>
-                    <a:solidFill>
-                      <a:schemeClr val="tx1"/>
-                    </a:solidFill>
-                    <a:latin typeface="Arial" charset="0"/>
-                    <a:cs typeface="Arial" charset="0"/>
-                  </a:defRPr>
-                </a:lvl2pPr>
-                <a:lvl3pPr marL="1143000" indent="-228600" eaLnBrk="0" hangingPunct="0">
-                  <a:defRPr>
-                    <a:solidFill>
-                      <a:schemeClr val="tx1"/>
-                    </a:solidFill>
-                    <a:latin typeface="Arial" charset="0"/>
-                    <a:cs typeface="Arial" charset="0"/>
-                  </a:defRPr>
-                </a:lvl3pPr>
-                <a:lvl4pPr marL="1600200" indent="-228600" eaLnBrk="0" hangingPunct="0">
-                  <a:defRPr>
-                    <a:solidFill>
-                      <a:schemeClr val="tx1"/>
-                    </a:solidFill>
-                    <a:latin typeface="Arial" charset="0"/>
-                    <a:cs typeface="Arial" charset="0"/>
-                  </a:defRPr>
-                </a:lvl4pPr>
-                <a:lvl5pPr marL="2057400" indent="-228600" eaLnBrk="0" hangingPunct="0">
-                  <a:defRPr>
-                    <a:solidFill>
-                      <a:schemeClr val="tx1"/>
-                    </a:solidFill>
-                    <a:latin typeface="Arial" charset="0"/>
-                    <a:cs typeface="Arial" charset="0"/>
-                  </a:defRPr>
-                </a:lvl5pPr>
-                <a:lvl6pPr marL="2514600" indent="-228600" eaLnBrk="0" fontAlgn="base" hangingPunct="0">
-                  <a:spcBef>
-                    <a:spcPct val="0"/>
-                  </a:spcBef>
-                  <a:spcAft>
-                    <a:spcPct val="0"/>
-                  </a:spcAft>
-                  <a:defRPr>
-                    <a:solidFill>
-                      <a:schemeClr val="tx1"/>
-                    </a:solidFill>
-                    <a:latin typeface="Arial" charset="0"/>
-                    <a:cs typeface="Arial" charset="0"/>
-                  </a:defRPr>
-                </a:lvl6pPr>
-                <a:lvl7pPr marL="2971800" indent="-228600" eaLnBrk="0" fontAlgn="base" hangingPunct="0">
-                  <a:spcBef>
-                    <a:spcPct val="0"/>
-                  </a:spcBef>
-                  <a:spcAft>
-                    <a:spcPct val="0"/>
-                  </a:spcAft>
-                  <a:defRPr>
-                    <a:solidFill>
-                      <a:schemeClr val="tx1"/>
-                    </a:solidFill>
-                    <a:latin typeface="Arial" charset="0"/>
-                    <a:cs typeface="Arial" charset="0"/>
-                  </a:defRPr>
-                </a:lvl7pPr>
-                <a:lvl8pPr marL="3429000" indent="-228600" eaLnBrk="0" fontAlgn="base" hangingPunct="0">
-                  <a:spcBef>
-                    <a:spcPct val="0"/>
-                  </a:spcBef>
-                  <a:spcAft>
-                    <a:spcPct val="0"/>
-                  </a:spcAft>
-                  <a:defRPr>
-                    <a:solidFill>
-                      <a:schemeClr val="tx1"/>
-                    </a:solidFill>
-                    <a:latin typeface="Arial" charset="0"/>
-                    <a:cs typeface="Arial" charset="0"/>
-                  </a:defRPr>
-                </a:lvl8pPr>
-                <a:lvl9pPr marL="3886200" indent="-228600" eaLnBrk="0" fontAlgn="base" hangingPunct="0">
-                  <a:spcBef>
-                    <a:spcPct val="0"/>
-                  </a:spcBef>
-                  <a:spcAft>
-                    <a:spcPct val="0"/>
-                  </a:spcAft>
-                  <a:defRPr>
-                    <a:solidFill>
-                      <a:schemeClr val="tx1"/>
-                    </a:solidFill>
-                    <a:latin typeface="Arial" charset="0"/>
-                    <a:cs typeface="Arial" charset="0"/>
-                  </a:defRPr>
-                </a:lvl9pPr>
-              </a:lstStyle>
-              <a:p>
-                <a:pPr eaLnBrk="1" hangingPunct="1"/>
-                <a:r>
-                  <a:rPr lang="en-US" sz="1200" b="1" dirty="0" smtClean="0">
-                    <a:latin typeface="Courier New" panose="02070309020205020404" pitchFamily="49" charset="0"/>
-                    <a:cs typeface="Courier New" panose="02070309020205020404" pitchFamily="49" charset="0"/>
-                  </a:rPr>
-                  <a:t>job_30.pbs</a:t>
-                </a:r>
-                <a:endParaRPr lang="nl-BE" sz="1200" b="1" dirty="0">
-                  <a:latin typeface="Courier New" panose="02070309020205020404" pitchFamily="49" charset="0"/>
-                  <a:cs typeface="Courier New" panose="02070309020205020404" pitchFamily="49" charset="0"/>
-                </a:endParaRPr>
-              </a:p>
-            </p:txBody>
-          </p:sp>
-        </p:grpSp>
-        <p:sp>
-          <p:nvSpPr>
-            <p:cNvPr id="20" name="TextBox 19"/>
-            <p:cNvSpPr txBox="1"/>
-            <p:nvPr/>
-          </p:nvSpPr>
-          <p:spPr>
-            <a:xfrm rot="3263479">
-              <a:off x="672339" y="4822455"/>
-              <a:ext cx="433132" cy="523220"/>
-            </a:xfrm>
-            <a:prstGeom prst="rect">
-              <a:avLst/>
-            </a:prstGeom>
-            <a:noFill/>
-          </p:spPr>
-          <p:txBody>
-            <a:bodyPr wrap="none" rtlCol="0">
-              <a:spAutoFit/>
-            </a:bodyPr>
-            <a:lstStyle/>
-            <a:p>
-              <a:r>
-                <a:rPr lang="en-US" sz="2800" dirty="0" smtClean="0"/>
-                <a:t>…</a:t>
-              </a:r>
-              <a:endParaRPr lang="en-US" sz="2800" dirty="0"/>
-            </a:p>
-          </p:txBody>
-        </p:sp>
-      </p:grpSp>
-      <p:grpSp>
-        <p:nvGrpSpPr>
-          <p:cNvPr id="19" name="Group 18"/>
-          <p:cNvGrpSpPr/>
-          <p:nvPr/>
-        </p:nvGrpSpPr>
-        <p:grpSpPr>
-          <a:xfrm>
-            <a:off x="1056116" y="4903802"/>
-            <a:ext cx="7615857" cy="1477328"/>
-            <a:chOff x="1056116" y="4903802"/>
-            <a:chExt cx="7615857" cy="1477328"/>
-          </a:xfrm>
-          <a:effectLst>
-            <a:outerShdw blurRad="50800" dist="38100" dir="8100000" algn="tr" rotWithShape="0">
-              <a:prstClr val="black">
-                <a:alpha val="40000"/>
-              </a:prstClr>
-            </a:outerShdw>
-          </a:effectLst>
-        </p:grpSpPr>
-        <p:grpSp>
-          <p:nvGrpSpPr>
-            <p:cNvPr id="15" name="Group 14"/>
-            <p:cNvGrpSpPr/>
-            <p:nvPr/>
-          </p:nvGrpSpPr>
-          <p:grpSpPr>
-            <a:xfrm>
-              <a:off x="1458353" y="4903802"/>
-              <a:ext cx="7213620" cy="1477328"/>
-              <a:chOff x="428625" y="3754438"/>
-              <a:chExt cx="7213620" cy="1477328"/>
-            </a:xfrm>
-          </p:grpSpPr>
-          <p:sp>
-            <p:nvSpPr>
-              <p:cNvPr id="16" name="TextBox 3"/>
-              <p:cNvSpPr txBox="1">
-                <a:spLocks noChangeArrowheads="1"/>
-              </p:cNvSpPr>
-              <p:nvPr/>
-            </p:nvSpPr>
-            <p:spPr bwMode="auto">
-              <a:xfrm>
-                <a:off x="428625" y="3754438"/>
-                <a:ext cx="7213620" cy="1477328"/>
-              </a:xfrm>
-              <a:prstGeom prst="rect">
-                <a:avLst/>
-              </a:prstGeom>
-              <a:solidFill>
-                <a:schemeClr val="bg1">
-                  <a:lumMod val="95000"/>
-                </a:schemeClr>
-              </a:solidFill>
-              <a:ln w="9525">
-                <a:solidFill>
-                  <a:schemeClr val="tx1"/>
-                </a:solidFill>
-                <a:miter lim="800000"/>
-                <a:headEnd/>
-                <a:tailEnd/>
-              </a:ln>
-              <a:extLst/>
-            </p:spPr>
-            <p:txBody>
-              <a:bodyPr wrap="square">
-                <a:spAutoFit/>
-              </a:bodyPr>
-              <a:lstStyle>
-                <a:lvl1pPr eaLnBrk="0" hangingPunct="0">
-                  <a:defRPr>
-                    <a:solidFill>
-                      <a:schemeClr val="tx1"/>
-                    </a:solidFill>
-                    <a:latin typeface="Arial" charset="0"/>
-                    <a:cs typeface="Arial" charset="0"/>
-                  </a:defRPr>
-                </a:lvl1pPr>
-                <a:lvl2pPr marL="742950" indent="-285750" eaLnBrk="0" hangingPunct="0">
-                  <a:defRPr>
-                    <a:solidFill>
-                      <a:schemeClr val="tx1"/>
-                    </a:solidFill>
-                    <a:latin typeface="Arial" charset="0"/>
-                    <a:cs typeface="Arial" charset="0"/>
-                  </a:defRPr>
-                </a:lvl2pPr>
-                <a:lvl3pPr marL="1143000" indent="-228600" eaLnBrk="0" hangingPunct="0">
-                  <a:defRPr>
-                    <a:solidFill>
-                      <a:schemeClr val="tx1"/>
-                    </a:solidFill>
-                    <a:latin typeface="Arial" charset="0"/>
-                    <a:cs typeface="Arial" charset="0"/>
-                  </a:defRPr>
-                </a:lvl3pPr>
-                <a:lvl4pPr marL="1600200" indent="-228600" eaLnBrk="0" hangingPunct="0">
-                  <a:defRPr>
-                    <a:solidFill>
-                      <a:schemeClr val="tx1"/>
-                    </a:solidFill>
-                    <a:latin typeface="Arial" charset="0"/>
-                    <a:cs typeface="Arial" charset="0"/>
-                  </a:defRPr>
-                </a:lvl4pPr>
-                <a:lvl5pPr marL="2057400" indent="-228600" eaLnBrk="0" hangingPunct="0">
-                  <a:defRPr>
-                    <a:solidFill>
-                      <a:schemeClr val="tx1"/>
-                    </a:solidFill>
-                    <a:latin typeface="Arial" charset="0"/>
-                    <a:cs typeface="Arial" charset="0"/>
-                  </a:defRPr>
-                </a:lvl5pPr>
-                <a:lvl6pPr marL="2514600" indent="-228600" eaLnBrk="0" fontAlgn="base" hangingPunct="0">
-                  <a:spcBef>
-                    <a:spcPct val="0"/>
-                  </a:spcBef>
-                  <a:spcAft>
-                    <a:spcPct val="0"/>
-                  </a:spcAft>
-                  <a:defRPr>
-                    <a:solidFill>
-                      <a:schemeClr val="tx1"/>
-                    </a:solidFill>
-                    <a:latin typeface="Arial" charset="0"/>
-                    <a:cs typeface="Arial" charset="0"/>
-                  </a:defRPr>
-                </a:lvl6pPr>
-                <a:lvl7pPr marL="2971800" indent="-228600" eaLnBrk="0" fontAlgn="base" hangingPunct="0">
-                  <a:spcBef>
-                    <a:spcPct val="0"/>
-                  </a:spcBef>
-                  <a:spcAft>
-                    <a:spcPct val="0"/>
-                  </a:spcAft>
-                  <a:defRPr>
-                    <a:solidFill>
-                      <a:schemeClr val="tx1"/>
-                    </a:solidFill>
-                    <a:latin typeface="Arial" charset="0"/>
-                    <a:cs typeface="Arial" charset="0"/>
-                  </a:defRPr>
-                </a:lvl7pPr>
-                <a:lvl8pPr marL="3429000" indent="-228600" eaLnBrk="0" fontAlgn="base" hangingPunct="0">
-                  <a:spcBef>
-                    <a:spcPct val="0"/>
-                  </a:spcBef>
-                  <a:spcAft>
-                    <a:spcPct val="0"/>
-                  </a:spcAft>
-                  <a:defRPr>
-                    <a:solidFill>
-                      <a:schemeClr val="tx1"/>
-                    </a:solidFill>
-                    <a:latin typeface="Arial" charset="0"/>
-                    <a:cs typeface="Arial" charset="0"/>
-                  </a:defRPr>
-                </a:lvl8pPr>
-                <a:lvl9pPr marL="3886200" indent="-228600" eaLnBrk="0" fontAlgn="base" hangingPunct="0">
-                  <a:spcBef>
-                    <a:spcPct val="0"/>
-                  </a:spcBef>
-                  <a:spcAft>
-                    <a:spcPct val="0"/>
-                  </a:spcAft>
-                  <a:defRPr>
-                    <a:solidFill>
-                      <a:schemeClr val="tx1"/>
-                    </a:solidFill>
-                    <a:latin typeface="Arial" charset="0"/>
-                    <a:cs typeface="Arial" charset="0"/>
-                  </a:defRPr>
-                </a:lvl9pPr>
-              </a:lstStyle>
-              <a:p>
-                <a:pPr eaLnBrk="1" hangingPunct="1"/>
-                <a:r>
-                  <a:rPr lang="en-US" dirty="0">
-                    <a:latin typeface="Courier New" pitchFamily="49" charset="0"/>
-                    <a:cs typeface="Courier New" pitchFamily="49" charset="0"/>
-                  </a:rPr>
-                  <a:t>#!/bin/bash –l</a:t>
-                </a:r>
-              </a:p>
-              <a:p>
-                <a:pPr eaLnBrk="1" hangingPunct="1"/>
-                <a:r>
-                  <a:rPr lang="en-US" dirty="0">
-                    <a:latin typeface="Courier New" pitchFamily="49" charset="0"/>
-                    <a:cs typeface="Courier New" pitchFamily="49" charset="0"/>
-                  </a:rPr>
-                  <a:t>#PBS –l </a:t>
-                </a:r>
-                <a:r>
-                  <a:rPr lang="en-US" dirty="0" smtClean="0">
-                    <a:latin typeface="Courier New" pitchFamily="49" charset="0"/>
-                    <a:cs typeface="Courier New" pitchFamily="49" charset="0"/>
-                  </a:rPr>
-                  <a:t>nodes=1:ppn=1</a:t>
-                </a:r>
-                <a:endParaRPr lang="en-US" dirty="0">
-                  <a:latin typeface="Courier New" pitchFamily="49" charset="0"/>
-                  <a:cs typeface="Courier New" pitchFamily="49" charset="0"/>
-                </a:endParaRPr>
-              </a:p>
-              <a:p>
-                <a:pPr eaLnBrk="1" hangingPunct="1"/>
-                <a:endParaRPr lang="en-US" dirty="0">
-                  <a:latin typeface="Courier New" pitchFamily="49" charset="0"/>
-                  <a:cs typeface="Courier New" pitchFamily="49" charset="0"/>
-                </a:endParaRPr>
-              </a:p>
-              <a:p>
-                <a:pPr eaLnBrk="1" hangingPunct="1"/>
-                <a:r>
-                  <a:rPr lang="en-US" dirty="0">
-                    <a:latin typeface="Courier New" pitchFamily="49" charset="0"/>
-                    <a:cs typeface="Courier New" pitchFamily="49" charset="0"/>
-                  </a:rPr>
-                  <a:t>cd $PBS_O_WORKDIR</a:t>
-                </a:r>
-                <a:br>
-                  <a:rPr lang="en-US" dirty="0">
-                    <a:latin typeface="Courier New" pitchFamily="49" charset="0"/>
-                    <a:cs typeface="Courier New" pitchFamily="49" charset="0"/>
-                  </a:rPr>
-                </a:br>
-                <a:r>
-                  <a:rPr lang="en-US" dirty="0">
-                    <a:latin typeface="Courier New" pitchFamily="49" charset="0"/>
-                    <a:cs typeface="Courier New" pitchFamily="49" charset="0"/>
-                  </a:rPr>
-                  <a:t>weather –p </a:t>
-                </a:r>
-                <a:r>
-                  <a:rPr lang="en-US" dirty="0" smtClean="0">
-                    <a:latin typeface="Courier New" pitchFamily="49" charset="0"/>
-                    <a:cs typeface="Courier New" pitchFamily="49" charset="0"/>
-                  </a:rPr>
-                  <a:t>1.3e05  </a:t>
-                </a:r>
-                <a:r>
-                  <a:rPr lang="en-US" dirty="0">
-                    <a:latin typeface="Courier New" pitchFamily="49" charset="0"/>
-                    <a:cs typeface="Courier New" pitchFamily="49" charset="0"/>
-                  </a:rPr>
-                  <a:t>–t </a:t>
-                </a:r>
-                <a:r>
-                  <a:rPr lang="en-US" dirty="0" smtClean="0">
-                    <a:latin typeface="Courier New" pitchFamily="49" charset="0"/>
-                    <a:cs typeface="Courier New" pitchFamily="49" charset="0"/>
-                  </a:rPr>
-                  <a:t>31</a:t>
-                </a:r>
-                <a:r>
-                  <a:rPr lang="en-US" dirty="0" smtClean="0">
-                    <a:latin typeface="Courier New" pitchFamily="49" charset="0"/>
-                    <a:cs typeface="Courier New" pitchFamily="49" charset="0"/>
-                  </a:rPr>
-                  <a:t>3.0  </a:t>
-                </a:r>
-                <a:r>
-                  <a:rPr lang="en-US" dirty="0">
-                    <a:latin typeface="Courier New" pitchFamily="49" charset="0"/>
-                    <a:cs typeface="Courier New" pitchFamily="49" charset="0"/>
-                  </a:rPr>
-                  <a:t>–h </a:t>
-                </a:r>
-                <a:r>
-                  <a:rPr lang="en-US" dirty="0" smtClean="0">
-                    <a:latin typeface="Courier New" pitchFamily="49" charset="0"/>
-                    <a:cs typeface="Courier New" pitchFamily="49" charset="0"/>
-                  </a:rPr>
-                  <a:t>75</a:t>
-                </a:r>
-                <a:endParaRPr lang="en-US" dirty="0">
-                  <a:latin typeface="Courier New" pitchFamily="49" charset="0"/>
-                  <a:cs typeface="Courier New" pitchFamily="49" charset="0"/>
-                </a:endParaRPr>
-              </a:p>
-            </p:txBody>
-          </p:sp>
-          <p:sp>
-            <p:nvSpPr>
-              <p:cNvPr id="17" name="TextBox 8"/>
-              <p:cNvSpPr txBox="1">
-                <a:spLocks noChangeArrowheads="1"/>
-              </p:cNvSpPr>
-              <p:nvPr/>
-            </p:nvSpPr>
-            <p:spPr bwMode="auto">
-              <a:xfrm>
-                <a:off x="6527837" y="3760127"/>
-                <a:ext cx="1114408" cy="276999"/>
-              </a:xfrm>
-              <a:prstGeom prst="rect">
-                <a:avLst/>
-              </a:prstGeom>
-              <a:solidFill>
-                <a:srgbClr val="FFFFFF"/>
-              </a:solidFill>
-              <a:ln w="9525">
-                <a:solidFill>
-                  <a:srgbClr val="000000"/>
-                </a:solidFill>
-                <a:miter lim="800000"/>
-                <a:headEnd/>
-                <a:tailEnd/>
-              </a:ln>
-              <a:extLst/>
-            </p:spPr>
-            <p:txBody>
-              <a:bodyPr wrap="none">
-                <a:spAutoFit/>
-              </a:bodyPr>
-              <a:lstStyle>
-                <a:lvl1pPr eaLnBrk="0" hangingPunct="0">
-                  <a:defRPr>
-                    <a:solidFill>
-                      <a:schemeClr val="tx1"/>
-                    </a:solidFill>
-                    <a:latin typeface="Arial" charset="0"/>
-                    <a:cs typeface="Arial" charset="0"/>
-                  </a:defRPr>
-                </a:lvl1pPr>
-                <a:lvl2pPr marL="742950" indent="-285750" eaLnBrk="0" hangingPunct="0">
-                  <a:defRPr>
-                    <a:solidFill>
-                      <a:schemeClr val="tx1"/>
-                    </a:solidFill>
-                    <a:latin typeface="Arial" charset="0"/>
-                    <a:cs typeface="Arial" charset="0"/>
-                  </a:defRPr>
-                </a:lvl2pPr>
-                <a:lvl3pPr marL="1143000" indent="-228600" eaLnBrk="0" hangingPunct="0">
-                  <a:defRPr>
-                    <a:solidFill>
-                      <a:schemeClr val="tx1"/>
-                    </a:solidFill>
-                    <a:latin typeface="Arial" charset="0"/>
-                    <a:cs typeface="Arial" charset="0"/>
-                  </a:defRPr>
-                </a:lvl3pPr>
-                <a:lvl4pPr marL="1600200" indent="-228600" eaLnBrk="0" hangingPunct="0">
-                  <a:defRPr>
-                    <a:solidFill>
-                      <a:schemeClr val="tx1"/>
-                    </a:solidFill>
-                    <a:latin typeface="Arial" charset="0"/>
-                    <a:cs typeface="Arial" charset="0"/>
-                  </a:defRPr>
-                </a:lvl4pPr>
-                <a:lvl5pPr marL="2057400" indent="-228600" eaLnBrk="0" hangingPunct="0">
-                  <a:defRPr>
-                    <a:solidFill>
-                      <a:schemeClr val="tx1"/>
-                    </a:solidFill>
-                    <a:latin typeface="Arial" charset="0"/>
-                    <a:cs typeface="Arial" charset="0"/>
-                  </a:defRPr>
-                </a:lvl5pPr>
-                <a:lvl6pPr marL="2514600" indent="-228600" eaLnBrk="0" fontAlgn="base" hangingPunct="0">
-                  <a:spcBef>
-                    <a:spcPct val="0"/>
-                  </a:spcBef>
-                  <a:spcAft>
-                    <a:spcPct val="0"/>
-                  </a:spcAft>
-                  <a:defRPr>
-                    <a:solidFill>
-                      <a:schemeClr val="tx1"/>
-                    </a:solidFill>
-                    <a:latin typeface="Arial" charset="0"/>
-                    <a:cs typeface="Arial" charset="0"/>
-                  </a:defRPr>
-                </a:lvl6pPr>
-                <a:lvl7pPr marL="2971800" indent="-228600" eaLnBrk="0" fontAlgn="base" hangingPunct="0">
-                  <a:spcBef>
-                    <a:spcPct val="0"/>
-                  </a:spcBef>
-                  <a:spcAft>
-                    <a:spcPct val="0"/>
-                  </a:spcAft>
-                  <a:defRPr>
-                    <a:solidFill>
-                      <a:schemeClr val="tx1"/>
-                    </a:solidFill>
-                    <a:latin typeface="Arial" charset="0"/>
-                    <a:cs typeface="Arial" charset="0"/>
-                  </a:defRPr>
-                </a:lvl7pPr>
-                <a:lvl8pPr marL="3429000" indent="-228600" eaLnBrk="0" fontAlgn="base" hangingPunct="0">
-                  <a:spcBef>
-                    <a:spcPct val="0"/>
-                  </a:spcBef>
-                  <a:spcAft>
-                    <a:spcPct val="0"/>
-                  </a:spcAft>
-                  <a:defRPr>
-                    <a:solidFill>
-                      <a:schemeClr val="tx1"/>
-                    </a:solidFill>
-                    <a:latin typeface="Arial" charset="0"/>
-                    <a:cs typeface="Arial" charset="0"/>
-                  </a:defRPr>
-                </a:lvl8pPr>
-                <a:lvl9pPr marL="3886200" indent="-228600" eaLnBrk="0" fontAlgn="base" hangingPunct="0">
-                  <a:spcBef>
-                    <a:spcPct val="0"/>
-                  </a:spcBef>
-                  <a:spcAft>
-                    <a:spcPct val="0"/>
-                  </a:spcAft>
-                  <a:defRPr>
-                    <a:solidFill>
-                      <a:schemeClr val="tx1"/>
-                    </a:solidFill>
-                    <a:latin typeface="Arial" charset="0"/>
-                    <a:cs typeface="Arial" charset="0"/>
-                  </a:defRPr>
-                </a:lvl9pPr>
-              </a:lstStyle>
-              <a:p>
-                <a:pPr eaLnBrk="1" hangingPunct="1"/>
-                <a:r>
-                  <a:rPr lang="en-US" sz="1200" b="1" dirty="0" smtClean="0">
-                    <a:latin typeface="Courier New" panose="02070309020205020404" pitchFamily="49" charset="0"/>
-                    <a:cs typeface="Courier New" panose="02070309020205020404" pitchFamily="49" charset="0"/>
-                  </a:rPr>
-                  <a:t>job_60.pbs</a:t>
-                </a:r>
-                <a:endParaRPr lang="nl-BE" sz="1200" b="1" dirty="0">
-                  <a:latin typeface="Courier New" panose="02070309020205020404" pitchFamily="49" charset="0"/>
-                  <a:cs typeface="Courier New" panose="02070309020205020404" pitchFamily="49" charset="0"/>
-                </a:endParaRPr>
-              </a:p>
-            </p:txBody>
-          </p:sp>
-        </p:grpSp>
-        <p:sp>
-          <p:nvSpPr>
-            <p:cNvPr id="8" name="TextBox 7"/>
-            <p:cNvSpPr txBox="1"/>
-            <p:nvPr/>
-          </p:nvSpPr>
-          <p:spPr>
-            <a:xfrm rot="3263479">
-              <a:off x="1101160" y="5380856"/>
-              <a:ext cx="433132" cy="523220"/>
-            </a:xfrm>
-            <a:prstGeom prst="rect">
-              <a:avLst/>
-            </a:prstGeom>
-            <a:noFill/>
-          </p:spPr>
-          <p:txBody>
-            <a:bodyPr wrap="none" rtlCol="0">
-              <a:spAutoFit/>
-            </a:bodyPr>
-            <a:lstStyle/>
-            <a:p>
-              <a:r>
-                <a:rPr lang="en-US" sz="2800" dirty="0" smtClean="0"/>
-                <a:t>…</a:t>
-              </a:r>
-              <a:endParaRPr lang="en-US" sz="2800" dirty="0"/>
-            </a:p>
-          </p:txBody>
-        </p:sp>
-      </p:grpSp>
-    </p:spTree>
-    <p:extLst>
-      <p:ext uri="{BB962C8B-B14F-4D97-AF65-F5344CB8AC3E}">
-        <p14:creationId xmlns:p14="http://schemas.microsoft.com/office/powerpoint/2010/main" val="3774639464"/>
-      </p:ext>
-    </p:extLst>
-  </p:cSld>
-  <p:clrMapOvr>
-    <a:masterClrMapping/>
-  </p:clrMapOvr>
-  <p:timing>
-    <p:tnLst>
-      <p:par>
-        <p:cTn id="1" dur="indefinite" restart="never" nodeType="tmRoot">
-          <p:childTnLst>
-            <p:seq concurrent="1" nextAc="seek">
-              <p:cTn id="2" dur="indefinite" nodeType="mainSeq">
-                <p:childTnLst>
-                  <p:par>
-                    <p:cTn id="3" fill="hold">
-                      <p:stCondLst>
-                        <p:cond delay="indefinite"/>
-                      </p:stCondLst>
-                      <p:childTnLst>
-                        <p:par>
-                          <p:cTn id="4" fill="hold">
-                            <p:stCondLst>
-                              <p:cond delay="0"/>
-                            </p:stCondLst>
-                            <p:childTnLst>
-                              <p:par>
-                                <p:cTn id="5" presetID="1" presetClass="entr" presetSubtype="0" fill="hold" nodeType="clickEffect">
-                                  <p:stCondLst>
-                                    <p:cond delay="0"/>
-                                  </p:stCondLst>
-                                  <p:childTnLst>
-                                    <p:set>
-                                      <p:cBhvr>
-                                        <p:cTn id="6" dur="1" fill="hold">
-                                          <p:stCondLst>
-                                            <p:cond delay="0"/>
-                                          </p:stCondLst>
-                                        </p:cTn>
-                                        <p:tgtEl>
-                                          <p:spTgt spid="18"/>
-                                        </p:tgtEl>
-                                        <p:attrNameLst>
-                                          <p:attrName>style.visibility</p:attrName>
-                                        </p:attrNameLst>
-                                      </p:cBhvr>
-                                      <p:to>
-                                        <p:strVal val="visible"/>
-                                      </p:to>
-                                    </p:set>
-                                  </p:childTnLst>
-                                </p:cTn>
-                              </p:par>
-                            </p:childTnLst>
-                          </p:cTn>
-                        </p:par>
-                      </p:childTnLst>
-                    </p:cTn>
-                  </p:par>
-                  <p:par>
-                    <p:cTn id="7" fill="hold">
-                      <p:stCondLst>
-                        <p:cond delay="indefinite"/>
-                      </p:stCondLst>
-                      <p:childTnLst>
-                        <p:par>
-                          <p:cTn id="8" fill="hold">
-                            <p:stCondLst>
-                              <p:cond delay="0"/>
-                            </p:stCondLst>
-                            <p:childTnLst>
-                              <p:par>
-                                <p:cTn id="9" presetID="1" presetClass="entr" presetSubtype="0" fill="hold" nodeType="clickEffect">
-                                  <p:stCondLst>
-                                    <p:cond delay="0"/>
-                                  </p:stCondLst>
-                                  <p:childTnLst>
-                                    <p:set>
-                                      <p:cBhvr>
-                                        <p:cTn id="10" dur="1" fill="hold">
-                                          <p:stCondLst>
-                                            <p:cond delay="0"/>
-                                          </p:stCondLst>
-                                        </p:cTn>
-                                        <p:tgtEl>
-                                          <p:spTgt spid="19"/>
-                                        </p:tgtEl>
-                                        <p:attrNameLst>
-                                          <p:attrName>style.visibility</p:attrName>
-                                        </p:attrNameLst>
-                                      </p:cBhvr>
-                                      <p:to>
-                                        <p:strVal val="visible"/>
-                                      </p:to>
-                                    </p:set>
-                                  </p:childTnLst>
-                                </p:cTn>
-                              </p:par>
-                            </p:childTnLst>
-                          </p:cTn>
-                        </p:par>
-                      </p:childTnLst>
-                    </p:cTn>
-                  </p:par>
-                </p:childTnLst>
-              </p:cTn>
-              <p:prevCondLst>
-                <p:cond evt="onPrev" delay="0">
-                  <p:tgtEl>
-                    <p:sldTgt/>
-                  </p:tgtEl>
-                </p:cond>
-              </p:prevCondLst>
-              <p:nextCondLst>
-                <p:cond evt="onNext" delay="0">
-                  <p:tgtEl>
-                    <p:sldTgt/>
-                  </p:tgtEl>
-                </p:cond>
-              </p:nextCondLst>
-            </p:seq>
-          </p:childTnLst>
-        </p:cTn>
-      </p:par>
-    </p:tnLst>
-  </p:timing>
-</p:sld>
-</file>
-
-<file path=ppt/slides/slide30.xml><?xml version="1.0" encoding="utf-8"?>
+<file path=ppt/slides/slide36.xml><?xml version="1.0" encoding="utf-8"?>
 <p:sld xmlns:a="http://schemas.openxmlformats.org/drawingml/2006/main" xmlns:r="http://schemas.openxmlformats.org/officeDocument/2006/relationships" xmlns:p="http://schemas.openxmlformats.org/presentationml/2006/main">
   <p:cSld>
     <p:spTree>
@@ -41321,7 +46759,6 @@
               <a:rPr lang="en-US" dirty="0" smtClean="0"/>
               <a:t>Implementation</a:t>
             </a:r>
-            <a:endParaRPr lang="en-US" dirty="0" smtClean="0"/>
           </a:p>
           <a:p>
             <a:r>
@@ -41357,7 +46794,7 @@
           <a:p>
             <a:fld id="{0AA598EC-1C61-495B-A9F8-4410E339CCF5}" type="slidenum">
               <a:rPr lang="en-US" smtClean="0"/>
-              <a:t>30</a:t>
+              <a:t>36</a:t>
             </a:fld>
             <a:endParaRPr lang="en-US"/>
           </a:p>
@@ -41383,7 +46820,7 @@
 </p:sld>
 </file>
 
-<file path=ppt/slides/slide31.xml><?xml version="1.0" encoding="utf-8"?>
+<file path=ppt/slides/slide37.xml><?xml version="1.0" encoding="utf-8"?>
 <p:sld xmlns:a="http://schemas.openxmlformats.org/drawingml/2006/main" xmlns:r="http://schemas.openxmlformats.org/officeDocument/2006/relationships" xmlns:p="http://schemas.openxmlformats.org/presentationml/2006/main">
   <p:cSld>
     <p:spTree>
@@ -41603,7 +47040,7 @@
           <a:p>
             <a:fld id="{0AA598EC-1C61-495B-A9F8-4410E339CCF5}" type="slidenum">
               <a:rPr lang="en-US" smtClean="0"/>
-              <a:t>31</a:t>
+              <a:t>37</a:t>
             </a:fld>
             <a:endParaRPr lang="en-US"/>
           </a:p>
@@ -43240,13 +48677,8 @@
             <a:pPr lvl="1"/>
             <a:r>
               <a:rPr lang="en-US" dirty="0" smtClean="0"/>
-              <a:t>Convert to </a:t>
+              <a:t>Convert to CSV format</a:t>
             </a:r>
-            <a:r>
-              <a:rPr lang="en-US" dirty="0" smtClean="0"/>
-              <a:t>CSV format</a:t>
-            </a:r>
-            <a:endParaRPr lang="en-US" dirty="0" smtClean="0"/>
           </a:p>
           <a:p>
             <a:r>
@@ -44044,11 +49476,7 @@
             <a:pPr eaLnBrk="1" hangingPunct="1"/>
             <a:r>
               <a:rPr lang="en-US" dirty="0" smtClean="0"/>
-              <a:t>R is not </a:t>
-            </a:r>
-            <a:r>
-              <a:rPr lang="en-US" dirty="0" smtClean="0"/>
-              <a:t>parallelized</a:t>
+              <a:t>R is not parallelized</a:t>
             </a:r>
           </a:p>
           <a:p>
@@ -44057,7 +49485,6 @@
               <a:rPr lang="en-US" dirty="0" smtClean="0"/>
               <a:t>or, not efficiently</a:t>
             </a:r>
-            <a:endParaRPr lang="en-US" dirty="0" smtClean="0"/>
           </a:p>
           <a:p>
             <a:pPr eaLnBrk="1" hangingPunct="1"/>
@@ -44720,14 +50147,7 @@
                   <a:latin typeface="Courier New" panose="02070309020205020404" pitchFamily="49" charset="0"/>
                   <a:cs typeface="Courier New" panose="02070309020205020404" pitchFamily="49" charset="0"/>
                 </a:rPr>
-                <a:t>program</a:t>
-              </a:r>
-              <a:r>
-                <a:rPr lang="en-US" sz="1200" b="1" dirty="0" smtClean="0">
-                  <a:latin typeface="Courier New" panose="02070309020205020404" pitchFamily="49" charset="0"/>
-                  <a:cs typeface="Courier New" panose="02070309020205020404" pitchFamily="49" charset="0"/>
-                </a:rPr>
-                <a:t>-</a:t>
+                <a:t>program-</a:t>
               </a:r>
               <a:r>
                 <a:rPr lang="en-US" sz="1200" b="1" dirty="0" err="1" smtClean="0">
@@ -45211,11 +50631,7 @@
             </a:pPr>
             <a:r>
               <a:rPr lang="en-US" dirty="0" smtClean="0"/>
-              <a:t>For thinking, </a:t>
-            </a:r>
-            <a:r>
-              <a:rPr lang="en-US" dirty="0" smtClean="0"/>
-              <a:t>create </a:t>
+              <a:t>For thinking, create </a:t>
             </a:r>
             <a:r>
               <a:rPr lang="en-US" dirty="0" err="1" smtClean="0">
@@ -45226,11 +50642,7 @@
             </a:r>
             <a:r>
               <a:rPr lang="en-US" dirty="0" smtClean="0"/>
-              <a:t> </a:t>
-            </a:r>
-            <a:r>
-              <a:rPr lang="en-US" dirty="0" smtClean="0"/>
-              <a:t>and </a:t>
+              <a:t> and </a:t>
             </a:r>
             <a:r>
               <a:rPr lang="en-US" dirty="0" smtClean="0">
@@ -45243,7 +50655,6 @@
               <a:rPr lang="en-US" dirty="0" smtClean="0"/>
               <a:t>:</a:t>
             </a:r>
-            <a:endParaRPr lang="en-US" dirty="0" smtClean="0"/>
           </a:p>
           <a:p>
             <a:pPr eaLnBrk="1" hangingPunct="1">
@@ -46730,11 +52141,7 @@
             </a:pPr>
             <a:r>
               <a:rPr lang="en-US" sz="3000" dirty="0" smtClean="0"/>
-              <a:t>Torque supports job arrays, i.e</a:t>
-            </a:r>
-            <a:r>
-              <a:rPr lang="en-US" sz="3000" dirty="0" smtClean="0"/>
-              <a:t>.,</a:t>
+              <a:t>Torque supports job arrays, i.e.,</a:t>
             </a:r>
             <a:endParaRPr lang="nl-BE" sz="3000" dirty="0" smtClean="0">
               <a:latin typeface="Courier New" pitchFamily="49" charset="0"/>
@@ -48464,11 +53871,7 @@
             </a:r>
             <a:r>
               <a:rPr lang="en-US" dirty="0" smtClean="0"/>
-              <a:t> simulates job arrays, i.e</a:t>
-            </a:r>
-            <a:r>
-              <a:rPr lang="en-US" dirty="0" smtClean="0"/>
-              <a:t>.,</a:t>
+              <a:t> simulates job arrays, i.e.,</a:t>
             </a:r>
             <a:endParaRPr lang="en-US" dirty="0" smtClean="0">
               <a:latin typeface="Courier New" pitchFamily="49" charset="0"/>
